--- a/slides/workshop-slides.pptx
+++ b/slides/workshop-slides.pptx
@@ -19,8 +19,22 @@
     <p:sldId id="267" r:id="rId18"/>
     <p:sldId id="268" r:id="rId19"/>
     <p:sldId id="269" r:id="rId20"/>
+    <p:sldId id="270" r:id="rId21"/>
+    <p:sldId id="271" r:id="rId22"/>
+    <p:sldId id="272" r:id="rId23"/>
+    <p:sldId id="273" r:id="rId24"/>
+    <p:sldId id="274" r:id="rId25"/>
+    <p:sldId id="275" r:id="rId26"/>
+    <p:sldId id="276" r:id="rId27"/>
+    <p:sldId id="277" r:id="rId28"/>
+    <p:sldId id="278" r:id="rId29"/>
+    <p:sldId id="279" r:id="rId30"/>
+    <p:sldId id="280" r:id="rId31"/>
+    <p:sldId id="281" r:id="rId32"/>
+    <p:sldId id="282" r:id="rId33"/>
+    <p:sldId id="283" r:id="rId34"/>
   </p:sldIdLst>
-  <p:sldSz cx="9144000" cy="6858000" type="screen4x3"/>
+  <p:sldSz cx="12191695" cy="6858000" type="screen4x3"/>
   <p:notesSz cx="6858000" cy="9144000"/>
   <p:defaultTextStyle>
     <a:defPPr>
@@ -3094,14 +3108,6 @@
 <file path=ppt/slides/slide1.xml><?xml version="1.0" encoding="utf-8"?>
 <p:sld xmlns:a="http://schemas.openxmlformats.org/drawingml/2006/main" xmlns:p="http://schemas.openxmlformats.org/presentationml/2006/main" xmlns:r="http://schemas.openxmlformats.org/officeDocument/2006/relationships">
   <p:cSld>
-    <p:bg>
-      <p:bgPr>
-        <a:solidFill>
-          <a:srgbClr val="A100FF"/>
-        </a:solidFill>
-        <a:effectLst/>
-      </p:bgPr>
-    </p:bg>
     <p:spTree>
       <p:nvGrpSpPr>
         <p:cNvPr id="1" name=""/>
@@ -3111,106 +3117,6 @@
       <p:grpSpPr/>
       <p:sp>
         <p:nvSpPr>
-          <p:cNvPr id="2" name="TextBox 1"/>
-          <p:cNvSpPr txBox="1"/>
-          <p:nvPr/>
-        </p:nvSpPr>
-        <p:spPr>
-          <a:xfrm>
-            <a:off x="457200" y="2286000"/>
-            <a:ext cx="8229600" cy="1371600"/>
-          </a:xfrm>
-          <a:prstGeom prst="rect">
-            <a:avLst/>
-          </a:prstGeom>
-          <a:noFill/>
-        </p:spPr>
-        <p:txBody>
-          <a:bodyPr wrap="none">
-            <a:spAutoFit/>
-          </a:bodyPr>
-          <a:lstStyle/>
-          <a:p>
-            <a:pPr algn="ctr">
-              <a:defRPr sz="4400" b="1">
-                <a:solidFill>
-                  <a:srgbClr val="FFFFFF"/>
-                </a:solidFill>
-              </a:defRPr>
-            </a:pPr>
-            <a:r>
-              <a:t>Build Your First Web App</a:t>
-            </a:r>
-          </a:p>
-        </p:txBody>
-      </p:sp>
-      <p:sp>
-        <p:nvSpPr>
-          <p:cNvPr id="3" name="TextBox 2"/>
-          <p:cNvSpPr txBox="1"/>
-          <p:nvPr/>
-        </p:nvSpPr>
-        <p:spPr>
-          <a:xfrm>
-            <a:off x="457200" y="3657600"/>
-            <a:ext cx="8229600" cy="914400"/>
-          </a:xfrm>
-          <a:prstGeom prst="rect">
-            <a:avLst/>
-          </a:prstGeom>
-          <a:noFill/>
-        </p:spPr>
-        <p:txBody>
-          <a:bodyPr wrap="none">
-            <a:spAutoFit/>
-          </a:bodyPr>
-          <a:lstStyle/>
-          <a:p>
-            <a:pPr algn="ctr">
-              <a:defRPr sz="2400">
-                <a:solidFill>
-                  <a:srgbClr val="FFFFFF"/>
-                </a:solidFill>
-              </a:defRPr>
-            </a:pPr>
-            <a:r>
-              <a:t>Movie Review App Workshop</a:t>
-            </a:r>
-            <a:br/>
-            <a:r>
-              <a:t>Accenture x BTEC Students</a:t>
-            </a:r>
-          </a:p>
-        </p:txBody>
-      </p:sp>
-    </p:spTree>
-  </p:cSld>
-  <p:clrMapOvr>
-    <a:masterClrMapping/>
-  </p:clrMapOvr>
-</p:sld>
-</file>
-
-<file path=ppt/slides/slide10.xml><?xml version="1.0" encoding="utf-8"?>
-<p:sld xmlns:a="http://schemas.openxmlformats.org/drawingml/2006/main" xmlns:p="http://schemas.openxmlformats.org/presentationml/2006/main" xmlns:r="http://schemas.openxmlformats.org/officeDocument/2006/relationships">
-  <p:cSld>
-    <p:bg>
-      <p:bgPr>
-        <a:solidFill>
-          <a:srgbClr val="FFFFFF"/>
-        </a:solidFill>
-        <a:effectLst/>
-      </p:bgPr>
-    </p:bg>
-    <p:spTree>
-      <p:nvGrpSpPr>
-        <p:cNvPr id="1" name=""/>
-        <p:cNvGrpSpPr/>
-        <p:nvPr/>
-      </p:nvGrpSpPr>
-      <p:grpSpPr/>
-      <p:sp>
-        <p:nvSpPr>
           <p:cNvPr id="2" name="Rectangle 1"/>
           <p:cNvSpPr/>
           <p:nvPr/>
@@ -3218,7 +3124,7 @@
         <p:spPr>
           <a:xfrm>
             <a:off x="0" y="0"/>
-            <a:ext cx="9144000" cy="1097280"/>
+            <a:ext cx="12191695" cy="6858000"/>
           </a:xfrm>
           <a:prstGeom prst="rect">
             <a:avLst/>
@@ -3260,8 +3166,8 @@
         </p:nvSpPr>
         <p:spPr>
           <a:xfrm>
-            <a:off x="457200" y="274320"/>
-            <a:ext cx="8229600" cy="731520"/>
+            <a:off x="457200" y="2286000"/>
+            <a:ext cx="11277295" cy="1371600"/>
           </a:xfrm>
           <a:prstGeom prst="rect">
             <a:avLst/>
@@ -3274,15 +3180,15 @@
           </a:bodyPr>
           <a:lstStyle/>
           <a:p>
-            <a:pPr>
-              <a:defRPr sz="3200" b="1">
+            <a:pPr algn="ctr">
+              <a:defRPr sz="5400" b="1">
                 <a:solidFill>
                   <a:srgbClr val="FFFFFF"/>
                 </a:solidFill>
               </a:defRPr>
             </a:pPr>
             <a:r>
-              <a:t>Tips for Success</a:t>
+              <a:t>Build Your First Web App</a:t>
             </a:r>
           </a:p>
         </p:txBody>
@@ -3295,8 +3201,8 @@
         </p:nvSpPr>
         <p:spPr>
           <a:xfrm>
-            <a:off x="457200" y="1463040"/>
-            <a:ext cx="8229600" cy="4572000"/>
+            <a:off x="457200" y="3840480"/>
+            <a:ext cx="11277295" cy="1828800"/>
           </a:xfrm>
           <a:prstGeom prst="rect">
             <a:avLst/>
@@ -3304,83 +3210,60 @@
           <a:noFill/>
         </p:spPr>
         <p:txBody>
-          <a:bodyPr wrap="square">
+          <a:bodyPr wrap="none">
             <a:spAutoFit/>
           </a:bodyPr>
           <a:lstStyle/>
           <a:p>
+            <a:pPr algn="ctr">
+              <a:defRPr sz="2800">
+                <a:solidFill>
+                  <a:srgbClr val="FFFFFF"/>
+                </a:solidFill>
+              </a:defRPr>
+            </a:pPr>
+            <a:r>
+              <a:t>Movie Review App Workshop</a:t>
+            </a:r>
+            <a:br/>
+            <a:br/>
+            <a:r>
+              <a:t>Accenture x BTEC Students</a:t>
+            </a:r>
+          </a:p>
+        </p:txBody>
+      </p:sp>
+      <p:sp>
+        <p:nvSpPr>
+          <p:cNvPr id="5" name="TextBox 4"/>
+          <p:cNvSpPr txBox="1"/>
+          <p:nvPr/>
+        </p:nvSpPr>
+        <p:spPr>
+          <a:xfrm>
+            <a:off x="10515600" y="5943600"/>
+            <a:ext cx="1371600" cy="640080"/>
+          </a:xfrm>
+          <a:prstGeom prst="rect">
+            <a:avLst/>
+          </a:prstGeom>
+          <a:noFill/>
+        </p:spPr>
+        <p:txBody>
+          <a:bodyPr wrap="none">
+            <a:spAutoFit/>
+          </a:bodyPr>
+          <a:lstStyle/>
+          <a:p>
             <a:pPr>
-              <a:spcAft>
-                <a:spcPts val="1400"/>
-              </a:spcAft>
-              <a:defRPr sz="2200">
-                <a:solidFill>
-                  <a:srgbClr val="000000"/>
+              <a:defRPr sz="4000" b="1">
+                <a:solidFill>
+                  <a:srgbClr val="FFFFFF"/>
                 </a:solidFill>
               </a:defRPr>
             </a:pPr>
             <a:r>
-              <a:t>• Read the hints - they're there to help!</a:t>
-            </a:r>
-          </a:p>
-          <a:p>
-            <a:pPr>
-              <a:spcAft>
-                <a:spcPts val="1400"/>
-              </a:spcAft>
-              <a:defRPr sz="2200">
-                <a:solidFill>
-                  <a:srgbClr val="000000"/>
-                </a:solidFill>
-              </a:defRPr>
-            </a:pPr>
-            <a:r>
-              <a:t>• Test often - save and check the browser</a:t>
-            </a:r>
-          </a:p>
-          <a:p>
-            <a:pPr>
-              <a:spcAft>
-                <a:spcPts val="1400"/>
-              </a:spcAft>
-              <a:defRPr sz="2200">
-                <a:solidFill>
-                  <a:srgbClr val="000000"/>
-                </a:solidFill>
-              </a:defRPr>
-            </a:pPr>
-            <a:r>
-              <a:t>• Ask mentors - that's what they're here for</a:t>
-            </a:r>
-          </a:p>
-          <a:p>
-            <a:pPr>
-              <a:spcAft>
-                <a:spcPts val="1400"/>
-              </a:spcAft>
-              <a:defRPr sz="2200">
-                <a:solidFill>
-                  <a:srgbClr val="000000"/>
-                </a:solidFill>
-              </a:defRPr>
-            </a:pPr>
-            <a:r>
-              <a:t>• Help each other - teaching helps you learn</a:t>
-            </a:r>
-          </a:p>
-          <a:p>
-            <a:pPr>
-              <a:spcAft>
-                <a:spcPts val="1400"/>
-              </a:spcAft>
-              <a:defRPr sz="2200">
-                <a:solidFill>
-                  <a:srgbClr val="000000"/>
-                </a:solidFill>
-              </a:defRPr>
-            </a:pPr>
-            <a:r>
-              <a:t>• Don't worry about mistakes - they're part of learning!</a:t>
+              <a:t>&gt;</a:t>
             </a:r>
           </a:p>
         </p:txBody>
@@ -3393,17 +3276,9 @@
 </p:sld>
 </file>
 
-<file path=ppt/slides/slide11.xml><?xml version="1.0" encoding="utf-8"?>
+<file path=ppt/slides/slide10.xml><?xml version="1.0" encoding="utf-8"?>
 <p:sld xmlns:a="http://schemas.openxmlformats.org/drawingml/2006/main" xmlns:p="http://schemas.openxmlformats.org/presentationml/2006/main" xmlns:r="http://schemas.openxmlformats.org/officeDocument/2006/relationships">
   <p:cSld>
-    <p:bg>
-      <p:bgPr>
-        <a:solidFill>
-          <a:srgbClr val="FFFFFF"/>
-        </a:solidFill>
-        <a:effectLst/>
-      </p:bgPr>
-    </p:bg>
     <p:spTree>
       <p:nvGrpSpPr>
         <p:cNvPr id="1" name=""/>
@@ -3420,7 +3295,7 @@
         <p:spPr>
           <a:xfrm>
             <a:off x="0" y="0"/>
-            <a:ext cx="9144000" cy="1097280"/>
+            <a:ext cx="12191695" cy="1097280"/>
           </a:xfrm>
           <a:prstGeom prst="rect">
             <a:avLst/>
@@ -3463,7 +3338,7 @@
         <p:spPr>
           <a:xfrm>
             <a:off x="457200" y="274320"/>
-            <a:ext cx="8229600" cy="731520"/>
+            <a:ext cx="11277295" cy="731520"/>
           </a:xfrm>
           <a:prstGeom prst="rect">
             <a:avLst/>
@@ -3484,7 +3359,7 @@
               </a:defRPr>
             </a:pPr>
             <a:r>
-              <a:t>Getting Started</a:t>
+              <a:t>Python Fundamentals - If Statements</a:t>
             </a:r>
           </a:p>
         </p:txBody>
@@ -3497,8 +3372,8 @@
         </p:nvSpPr>
         <p:spPr>
           <a:xfrm>
-            <a:off x="457200" y="1463040"/>
-            <a:ext cx="8229600" cy="4572000"/>
+            <a:off x="457200" y="1371600"/>
+            <a:ext cx="11277295" cy="5029200"/>
           </a:xfrm>
           <a:prstGeom prst="rect">
             <a:avLst/>
@@ -3512,92 +3387,93 @@
           <a:lstStyle/>
           <a:p>
             <a:pPr>
-              <a:spcAft>
-                <a:spcPts val="1400"/>
-              </a:spcAft>
-              <a:defRPr sz="2200">
-                <a:solidFill>
-                  <a:srgbClr val="000000"/>
-                </a:solidFill>
+              <a:defRPr sz="1800">
+                <a:solidFill>
+                  <a:srgbClr val="212121"/>
+                </a:solidFill>
+                <a:latin typeface="Consolas"/>
               </a:defRPr>
             </a:pPr>
             <a:r>
-              <a:t>• Open VS Code</a:t>
-            </a:r>
-          </a:p>
+              <a:t>If statements make decisions:</a:t>
+            </a:r>
+            <a:br/>
+            <a:br/>
+            <a:r>
+              <a:t>rating = 5</a:t>
+            </a:r>
+            <a:br/>
+            <a:br/>
+            <a:r>
+              <a:t>if rating &gt; 4:</a:t>
+            </a:r>
+            <a:br/>
+            <a:r>
+              <a:t>    print("Great movie!")</a:t>
+            </a:r>
+            <a:br/>
+            <a:r>
+              <a:t>elif rating &gt; 2:</a:t>
+            </a:r>
+            <a:br/>
+            <a:r>
+              <a:t>    print("It's okay")</a:t>
+            </a:r>
+            <a:br/>
+            <a:r>
+              <a:t>else:</a:t>
+            </a:r>
+            <a:br/>
+            <a:r>
+              <a:t>    print("Not great")</a:t>
+            </a:r>
+            <a:br/>
+            <a:br/>
+            <a:r>
+              <a:t># Check equality with ==</a:t>
+            </a:r>
+            <a:br/>
+            <a:r>
+              <a:t>if movie["title"] == "Batman":</a:t>
+            </a:r>
+            <a:br/>
+            <a:r>
+              <a:t>    print("Found it!")</a:t>
+            </a:r>
+          </a:p>
+        </p:txBody>
+      </p:sp>
+      <p:sp>
+        <p:nvSpPr>
+          <p:cNvPr id="5" name="TextBox 4"/>
+          <p:cNvSpPr txBox="1"/>
+          <p:nvPr/>
+        </p:nvSpPr>
+        <p:spPr>
+          <a:xfrm>
+            <a:off x="11247120" y="6217920"/>
+            <a:ext cx="731520" cy="457200"/>
+          </a:xfrm>
+          <a:prstGeom prst="rect">
+            <a:avLst/>
+          </a:prstGeom>
+          <a:noFill/>
+        </p:spPr>
+        <p:txBody>
+          <a:bodyPr wrap="none">
+            <a:spAutoFit/>
+          </a:bodyPr>
+          <a:lstStyle/>
           <a:p>
             <a:pPr>
-              <a:spcAft>
-                <a:spcPts val="1400"/>
-              </a:spcAft>
-              <a:defRPr sz="2200">
-                <a:solidFill>
-                  <a:srgbClr val="000000"/>
+              <a:defRPr sz="2800" b="1">
+                <a:solidFill>
+                  <a:srgbClr val="A100FF"/>
                 </a:solidFill>
               </a:defRPr>
             </a:pPr>
             <a:r>
-              <a:t>• Open the movie-review-app folder</a:t>
-            </a:r>
-          </a:p>
-          <a:p>
-            <a:pPr>
-              <a:spcAft>
-                <a:spcPts val="1400"/>
-              </a:spcAft>
-              <a:defRPr sz="2200">
-                <a:solidFill>
-                  <a:srgbClr val="000000"/>
-                </a:solidFill>
-              </a:defRPr>
-            </a:pPr>
-            <a:r>
-              <a:t>• Open Terminal (Ctrl + `)</a:t>
-            </a:r>
-          </a:p>
-          <a:p>
-            <a:pPr>
-              <a:spcAft>
-                <a:spcPts val="1400"/>
-              </a:spcAft>
-              <a:defRPr sz="2200">
-                <a:solidFill>
-                  <a:srgbClr val="000000"/>
-                </a:solidFill>
-              </a:defRPr>
-            </a:pPr>
-            <a:r>
-              <a:t>• Run: pip install -r requirements.txt</a:t>
-            </a:r>
-          </a:p>
-          <a:p>
-            <a:pPr>
-              <a:spcAft>
-                <a:spcPts val="1400"/>
-              </a:spcAft>
-              <a:defRPr sz="2200">
-                <a:solidFill>
-                  <a:srgbClr val="000000"/>
-                </a:solidFill>
-              </a:defRPr>
-            </a:pPr>
-            <a:r>
-              <a:t>• Run: uvicorn main:app --reload</a:t>
-            </a:r>
-          </a:p>
-          <a:p>
-            <a:pPr>
-              <a:spcAft>
-                <a:spcPts val="1400"/>
-              </a:spcAft>
-              <a:defRPr sz="2200">
-                <a:solidFill>
-                  <a:srgbClr val="000000"/>
-                </a:solidFill>
-              </a:defRPr>
-            </a:pPr>
-            <a:r>
-              <a:t>• Open browser to http://127.0.0.1:8000</a:t>
+              <a:t>&gt;</a:t>
             </a:r>
           </a:p>
         </p:txBody>
@@ -3610,17 +3486,9 @@
 </p:sld>
 </file>
 
-<file path=ppt/slides/slide12.xml><?xml version="1.0" encoding="utf-8"?>
+<file path=ppt/slides/slide11.xml><?xml version="1.0" encoding="utf-8"?>
 <p:sld xmlns:a="http://schemas.openxmlformats.org/drawingml/2006/main" xmlns:p="http://schemas.openxmlformats.org/presentationml/2006/main" xmlns:r="http://schemas.openxmlformats.org/officeDocument/2006/relationships">
   <p:cSld>
-    <p:bg>
-      <p:bgPr>
-        <a:solidFill>
-          <a:srgbClr val="A100FF"/>
-        </a:solidFill>
-        <a:effectLst/>
-      </p:bgPr>
-    </p:bg>
     <p:spTree>
       <p:nvGrpSpPr>
         <p:cNvPr id="1" name=""/>
@@ -3630,67 +3498,6 @@
       <p:grpSpPr/>
       <p:sp>
         <p:nvSpPr>
-          <p:cNvPr id="2" name="TextBox 1"/>
-          <p:cNvSpPr txBox="1"/>
-          <p:nvPr/>
-        </p:nvSpPr>
-        <p:spPr>
-          <a:xfrm>
-            <a:off x="457200" y="2743200"/>
-            <a:ext cx="8229600" cy="1371600"/>
-          </a:xfrm>
-          <a:prstGeom prst="rect">
-            <a:avLst/>
-          </a:prstGeom>
-          <a:noFill/>
-        </p:spPr>
-        <p:txBody>
-          <a:bodyPr wrap="none">
-            <a:spAutoFit/>
-          </a:bodyPr>
-          <a:lstStyle/>
-          <a:p>
-            <a:pPr algn="ctr">
-              <a:defRPr sz="4800" b="1">
-                <a:solidFill>
-                  <a:srgbClr val="FFFFFF"/>
-                </a:solidFill>
-              </a:defRPr>
-            </a:pPr>
-            <a:r>
-              <a:t>Let's Go!</a:t>
-            </a:r>
-          </a:p>
-        </p:txBody>
-      </p:sp>
-    </p:spTree>
-  </p:cSld>
-  <p:clrMapOvr>
-    <a:masterClrMapping/>
-  </p:clrMapOvr>
-</p:sld>
-</file>
-
-<file path=ppt/slides/slide13.xml><?xml version="1.0" encoding="utf-8"?>
-<p:sld xmlns:a="http://schemas.openxmlformats.org/drawingml/2006/main" xmlns:p="http://schemas.openxmlformats.org/presentationml/2006/main" xmlns:r="http://schemas.openxmlformats.org/officeDocument/2006/relationships">
-  <p:cSld>
-    <p:bg>
-      <p:bgPr>
-        <a:solidFill>
-          <a:srgbClr val="FFFFFF"/>
-        </a:solidFill>
-        <a:effectLst/>
-      </p:bgPr>
-    </p:bg>
-    <p:spTree>
-      <p:nvGrpSpPr>
-        <p:cNvPr id="1" name=""/>
-        <p:cNvGrpSpPr/>
-        <p:nvPr/>
-      </p:nvGrpSpPr>
-      <p:grpSpPr/>
-      <p:sp>
-        <p:nvSpPr>
           <p:cNvPr id="2" name="Rectangle 1"/>
           <p:cNvSpPr/>
           <p:nvPr/>
@@ -3698,7 +3505,7 @@
         <p:spPr>
           <a:xfrm>
             <a:off x="0" y="0"/>
-            <a:ext cx="9144000" cy="1097280"/>
+            <a:ext cx="12191695" cy="1097280"/>
           </a:xfrm>
           <a:prstGeom prst="rect">
             <a:avLst/>
@@ -3741,7 +3548,7 @@
         <p:spPr>
           <a:xfrm>
             <a:off x="457200" y="274320"/>
-            <a:ext cx="8229600" cy="731520"/>
+            <a:ext cx="11277295" cy="731520"/>
           </a:xfrm>
           <a:prstGeom prst="rect">
             <a:avLst/>
@@ -3762,7 +3569,7 @@
               </a:defRPr>
             </a:pPr>
             <a:r>
-              <a:t>What You Built Today</a:t>
+              <a:t>Python Fundamentals - Functions</a:t>
             </a:r>
           </a:p>
         </p:txBody>
@@ -3775,8 +3582,8 @@
         </p:nvSpPr>
         <p:spPr>
           <a:xfrm>
-            <a:off x="457200" y="1463040"/>
-            <a:ext cx="8229600" cy="4572000"/>
+            <a:off x="457200" y="1371600"/>
+            <a:ext cx="11277295" cy="5029200"/>
           </a:xfrm>
           <a:prstGeom prst="rect">
             <a:avLst/>
@@ -3790,77 +3597,81 @@
           <a:lstStyle/>
           <a:p>
             <a:pPr>
-              <a:spcAft>
-                <a:spcPts val="1400"/>
-              </a:spcAft>
-              <a:defRPr sz="2200">
-                <a:solidFill>
-                  <a:srgbClr val="000000"/>
-                </a:solidFill>
+              <a:defRPr sz="1800">
+                <a:solidFill>
+                  <a:srgbClr val="212121"/>
+                </a:solidFill>
+                <a:latin typeface="Consolas"/>
               </a:defRPr>
             </a:pPr>
             <a:r>
-              <a:t>• A complete web application with Python!</a:t>
-            </a:r>
-          </a:p>
+              <a:t>Functions are reusable blocks of code:</a:t>
+            </a:r>
+            <a:br/>
+            <a:br/>
+            <a:r>
+              <a:t># Define a function</a:t>
+            </a:r>
+            <a:br/>
+            <a:r>
+              <a:t>def greet(name):</a:t>
+            </a:r>
+            <a:br/>
+            <a:r>
+              <a:t>    return "Hello, " + name + "!"</a:t>
+            </a:r>
+            <a:br/>
+            <a:br/>
+            <a:r>
+              <a:t># Call the function</a:t>
+            </a:r>
+            <a:br/>
+            <a:r>
+              <a:t>message = greet("Mo")</a:t>
+            </a:r>
+            <a:br/>
+            <a:r>
+              <a:t>print(message)  → "Hello, Mo!"</a:t>
+            </a:r>
+            <a:br/>
+            <a:br/>
+            <a:r>
+              <a:t>Functions can take inputs and give outputs.</a:t>
+            </a:r>
+          </a:p>
+        </p:txBody>
+      </p:sp>
+      <p:sp>
+        <p:nvSpPr>
+          <p:cNvPr id="5" name="TextBox 4"/>
+          <p:cNvSpPr txBox="1"/>
+          <p:nvPr/>
+        </p:nvSpPr>
+        <p:spPr>
+          <a:xfrm>
+            <a:off x="11247120" y="6217920"/>
+            <a:ext cx="731520" cy="457200"/>
+          </a:xfrm>
+          <a:prstGeom prst="rect">
+            <a:avLst/>
+          </a:prstGeom>
+          <a:noFill/>
+        </p:spPr>
+        <p:txBody>
+          <a:bodyPr wrap="none">
+            <a:spAutoFit/>
+          </a:bodyPr>
+          <a:lstStyle/>
           <a:p>
             <a:pPr>
-              <a:spcAft>
-                <a:spcPts val="1400"/>
-              </a:spcAft>
-              <a:defRPr sz="2200">
-                <a:solidFill>
-                  <a:srgbClr val="000000"/>
+              <a:defRPr sz="2800" b="1">
+                <a:solidFill>
+                  <a:srgbClr val="A100FF"/>
                 </a:solidFill>
               </a:defRPr>
             </a:pPr>
             <a:r>
-              <a:t>• Python programming (functions, loops, dictionaries)</a:t>
-            </a:r>
-          </a:p>
-          <a:p>
-            <a:pPr>
-              <a:spcAft>
-                <a:spcPts val="1400"/>
-              </a:spcAft>
-              <a:defRPr sz="2200">
-                <a:solidFill>
-                  <a:srgbClr val="000000"/>
-                </a:solidFill>
-              </a:defRPr>
-            </a:pPr>
-            <a:r>
-              <a:t>• Web development with FastAPI</a:t>
-            </a:r>
-          </a:p>
-          <a:p>
-            <a:pPr>
-              <a:spcAft>
-                <a:spcPts val="1400"/>
-              </a:spcAft>
-              <a:defRPr sz="2200">
-                <a:solidFill>
-                  <a:srgbClr val="000000"/>
-                </a:solidFill>
-              </a:defRPr>
-            </a:pPr>
-            <a:r>
-              <a:t>• Working with JSON data</a:t>
-            </a:r>
-          </a:p>
-          <a:p>
-            <a:pPr>
-              <a:spcAft>
-                <a:spcPts val="1400"/>
-              </a:spcAft>
-              <a:defRPr sz="2200">
-                <a:solidFill>
-                  <a:srgbClr val="000000"/>
-                </a:solidFill>
-              </a:defRPr>
-            </a:pPr>
-            <a:r>
-              <a:t>• Problem solving and debugging skills</a:t>
+              <a:t>&gt;</a:t>
             </a:r>
           </a:p>
         </p:txBody>
@@ -3873,17 +3684,9 @@
 </p:sld>
 </file>
 
-<file path=ppt/slides/slide14.xml><?xml version="1.0" encoding="utf-8"?>
+<file path=ppt/slides/slide12.xml><?xml version="1.0" encoding="utf-8"?>
 <p:sld xmlns:a="http://schemas.openxmlformats.org/drawingml/2006/main" xmlns:p="http://schemas.openxmlformats.org/presentationml/2006/main" xmlns:r="http://schemas.openxmlformats.org/officeDocument/2006/relationships">
   <p:cSld>
-    <p:bg>
-      <p:bgPr>
-        <a:solidFill>
-          <a:srgbClr val="FFFFFF"/>
-        </a:solidFill>
-        <a:effectLst/>
-      </p:bgPr>
-    </p:bg>
     <p:spTree>
       <p:nvGrpSpPr>
         <p:cNvPr id="1" name=""/>
@@ -3900,7 +3703,7 @@
         <p:spPr>
           <a:xfrm>
             <a:off x="0" y="0"/>
-            <a:ext cx="9144000" cy="1097280"/>
+            <a:ext cx="12191695" cy="1097280"/>
           </a:xfrm>
           <a:prstGeom prst="rect">
             <a:avLst/>
@@ -3943,7 +3746,7 @@
         <p:spPr>
           <a:xfrm>
             <a:off x="457200" y="274320"/>
-            <a:ext cx="8229600" cy="731520"/>
+            <a:ext cx="11277295" cy="731520"/>
           </a:xfrm>
           <a:prstGeom prst="rect">
             <a:avLst/>
@@ -3964,7 +3767,7 @@
               </a:defRPr>
             </a:pPr>
             <a:r>
-              <a:t>Keep Learning!</a:t>
+              <a:t>VS Code Setup</a:t>
             </a:r>
           </a:p>
         </p:txBody>
@@ -3977,8 +3780,8 @@
         </p:nvSpPr>
         <p:spPr>
           <a:xfrm>
-            <a:off x="457200" y="1463040"/>
-            <a:ext cx="8229600" cy="4572000"/>
+            <a:off x="457200" y="1371600"/>
+            <a:ext cx="11277295" cy="5029200"/>
           </a:xfrm>
           <a:prstGeom prst="rect">
             <a:avLst/>
@@ -3992,77 +3795,81 @@
           <a:lstStyle/>
           <a:p>
             <a:pPr>
-              <a:spcAft>
-                <a:spcPts val="1400"/>
-              </a:spcAft>
-              <a:defRPr sz="2200">
-                <a:solidFill>
-                  <a:srgbClr val="000000"/>
-                </a:solidFill>
+              <a:defRPr sz="1800">
+                <a:solidFill>
+                  <a:srgbClr val="212121"/>
+                </a:solidFill>
+                <a:latin typeface="Consolas"/>
               </a:defRPr>
             </a:pPr>
             <a:r>
-              <a:t>• freeCodeCamp.org - Free coding courses</a:t>
-            </a:r>
-          </a:p>
+              <a:t>1. Open VS Code</a:t>
+            </a:r>
+            <a:br/>
+            <a:br/>
+            <a:r>
+              <a:t>2. Open the movie-review-app folder</a:t>
+            </a:r>
+            <a:br/>
+            <a:br/>
+            <a:r>
+              <a:t>3. Open Terminal (Ctrl + `)</a:t>
+            </a:r>
+            <a:br/>
+            <a:br/>
+            <a:r>
+              <a:t>4. Run: pip install -r requirements.txt</a:t>
+            </a:r>
+            <a:br/>
+            <a:br/>
+            <a:r>
+              <a:t>5. Run: uvicorn main:app --reload</a:t>
+            </a:r>
+            <a:br/>
+            <a:br/>
+            <a:r>
+              <a:t>6. Open browser: http://127.0.0.1:8000</a:t>
+            </a:r>
+            <a:br/>
+            <a:br/>
+            <a:br/>
+            <a:r>
+              <a:t>Your mentor will help you!</a:t>
+            </a:r>
+          </a:p>
+        </p:txBody>
+      </p:sp>
+      <p:sp>
+        <p:nvSpPr>
+          <p:cNvPr id="5" name="TextBox 4"/>
+          <p:cNvSpPr txBox="1"/>
+          <p:nvPr/>
+        </p:nvSpPr>
+        <p:spPr>
+          <a:xfrm>
+            <a:off x="11247120" y="6217920"/>
+            <a:ext cx="731520" cy="457200"/>
+          </a:xfrm>
+          <a:prstGeom prst="rect">
+            <a:avLst/>
+          </a:prstGeom>
+          <a:noFill/>
+        </p:spPr>
+        <p:txBody>
+          <a:bodyPr wrap="none">
+            <a:spAutoFit/>
+          </a:bodyPr>
+          <a:lstStyle/>
           <a:p>
             <a:pPr>
-              <a:spcAft>
-                <a:spcPts val="1400"/>
-              </a:spcAft>
-              <a:defRPr sz="2200">
-                <a:solidFill>
-                  <a:srgbClr val="000000"/>
+              <a:defRPr sz="2800" b="1">
+                <a:solidFill>
+                  <a:srgbClr val="A100FF"/>
                 </a:solidFill>
               </a:defRPr>
             </a:pPr>
             <a:r>
-              <a:t>• Codecademy - Interactive Python</a:t>
-            </a:r>
-          </a:p>
-          <a:p>
-            <a:pPr>
-              <a:spcAft>
-                <a:spcPts val="1400"/>
-              </a:spcAft>
-              <a:defRPr sz="2200">
-                <a:solidFill>
-                  <a:srgbClr val="000000"/>
-                </a:solidFill>
-              </a:defRPr>
-            </a:pPr>
-            <a:r>
-              <a:t>• Real Python - Python tutorials</a:t>
-            </a:r>
-          </a:p>
-          <a:p>
-            <a:pPr>
-              <a:spcAft>
-                <a:spcPts val="1400"/>
-              </a:spcAft>
-              <a:defRPr sz="2200">
-                <a:solidFill>
-                  <a:srgbClr val="000000"/>
-                </a:solidFill>
-              </a:defRPr>
-            </a:pPr>
-            <a:r>
-              <a:t>• Your project is yours - keep building!</a:t>
-            </a:r>
-          </a:p>
-          <a:p>
-            <a:pPr>
-              <a:spcAft>
-                <a:spcPts val="1400"/>
-              </a:spcAft>
-              <a:defRPr sz="2200">
-                <a:solidFill>
-                  <a:srgbClr val="000000"/>
-                </a:solidFill>
-              </a:defRPr>
-            </a:pPr>
-            <a:r>
-              <a:t>• Thank you for joining us today!</a:t>
+              <a:t>&gt;</a:t>
             </a:r>
           </a:p>
         </p:txBody>
@@ -4075,17 +3882,9 @@
 </p:sld>
 </file>
 
-<file path=ppt/slides/slide2.xml><?xml version="1.0" encoding="utf-8"?>
+<file path=ppt/slides/slide13.xml><?xml version="1.0" encoding="utf-8"?>
 <p:sld xmlns:a="http://schemas.openxmlformats.org/drawingml/2006/main" xmlns:p="http://schemas.openxmlformats.org/presentationml/2006/main" xmlns:r="http://schemas.openxmlformats.org/officeDocument/2006/relationships">
   <p:cSld>
-    <p:bg>
-      <p:bgPr>
-        <a:solidFill>
-          <a:srgbClr val="FFFFFF"/>
-        </a:solidFill>
-        <a:effectLst/>
-      </p:bgPr>
-    </p:bg>
     <p:spTree>
       <p:nvGrpSpPr>
         <p:cNvPr id="1" name=""/>
@@ -4102,7 +3901,7 @@
         <p:spPr>
           <a:xfrm>
             <a:off x="0" y="0"/>
-            <a:ext cx="9144000" cy="1097280"/>
+            <a:ext cx="12191695" cy="1097280"/>
           </a:xfrm>
           <a:prstGeom prst="rect">
             <a:avLst/>
@@ -4145,7 +3944,7 @@
         <p:spPr>
           <a:xfrm>
             <a:off x="457200" y="274320"/>
-            <a:ext cx="8229600" cy="731520"/>
+            <a:ext cx="11277295" cy="731520"/>
           </a:xfrm>
           <a:prstGeom prst="rect">
             <a:avLst/>
@@ -4166,7 +3965,7 @@
               </a:defRPr>
             </a:pPr>
             <a:r>
-              <a:t>What We're Building</a:t>
+              <a:t>Let's Look at the App Code</a:t>
             </a:r>
           </a:p>
         </p:txBody>
@@ -4179,8 +3978,8 @@
         </p:nvSpPr>
         <p:spPr>
           <a:xfrm>
-            <a:off x="457200" y="1463040"/>
-            <a:ext cx="8229600" cy="4572000"/>
+            <a:off x="457200" y="1371600"/>
+            <a:ext cx="11277295" cy="5029200"/>
           </a:xfrm>
           <a:prstGeom prst="rect">
             <a:avLst/>
@@ -4194,77 +3993,91 @@
           <a:lstStyle/>
           <a:p>
             <a:pPr>
-              <a:spcAft>
-                <a:spcPts val="1400"/>
-              </a:spcAft>
-              <a:defRPr sz="2200">
-                <a:solidFill>
-                  <a:srgbClr val="000000"/>
-                </a:solidFill>
+              <a:defRPr sz="1800">
+                <a:solidFill>
+                  <a:srgbClr val="212121"/>
+                </a:solidFill>
+                <a:latin typeface="Consolas"/>
               </a:defRPr>
             </a:pPr>
             <a:r>
-              <a:t>• A movie review web application</a:t>
-            </a:r>
-          </a:p>
+              <a:t>database.py - Functions to complete:</a:t>
+            </a:r>
+            <a:br/>
+            <a:r>
+              <a:t>• Load movies (done for you!)</a:t>
+            </a:r>
+            <a:br/>
+            <a:r>
+              <a:t>• Find a movie by ID</a:t>
+            </a:r>
+            <a:br/>
+            <a:r>
+              <a:t>• Add a review</a:t>
+            </a:r>
+            <a:br/>
+            <a:r>
+              <a:t>• Calculate average rating</a:t>
+            </a:r>
+            <a:br/>
+            <a:r>
+              <a:t>• Search movies</a:t>
+            </a:r>
+            <a:br/>
+            <a:r>
+              <a:t>• Get top 5 rated movies</a:t>
+            </a:r>
+            <a:br/>
+            <a:br/>
+            <a:r>
+              <a:t>main.py - Routes (already built):</a:t>
+            </a:r>
+            <a:br/>
+            <a:r>
+              <a:t>• Home page (/)</a:t>
+            </a:r>
+            <a:br/>
+            <a:r>
+              <a:t>• Movie detail (/movie/1)</a:t>
+            </a:r>
+            <a:br/>
+            <a:r>
+              <a:t>• Search (/search?q=batman)</a:t>
+            </a:r>
+          </a:p>
+        </p:txBody>
+      </p:sp>
+      <p:sp>
+        <p:nvSpPr>
+          <p:cNvPr id="5" name="TextBox 4"/>
+          <p:cNvSpPr txBox="1"/>
+          <p:nvPr/>
+        </p:nvSpPr>
+        <p:spPr>
+          <a:xfrm>
+            <a:off x="11247120" y="6217920"/>
+            <a:ext cx="731520" cy="457200"/>
+          </a:xfrm>
+          <a:prstGeom prst="rect">
+            <a:avLst/>
+          </a:prstGeom>
+          <a:noFill/>
+        </p:spPr>
+        <p:txBody>
+          <a:bodyPr wrap="none">
+            <a:spAutoFit/>
+          </a:bodyPr>
+          <a:lstStyle/>
           <a:p>
             <a:pPr>
-              <a:spcAft>
-                <a:spcPts val="1400"/>
-              </a:spcAft>
-              <a:defRPr sz="2200">
-                <a:solidFill>
-                  <a:srgbClr val="000000"/>
+              <a:defRPr sz="2800" b="1">
+                <a:solidFill>
+                  <a:srgbClr val="A100FF"/>
                 </a:solidFill>
               </a:defRPr>
             </a:pPr>
             <a:r>
-              <a:t>• Browse a catalog of movies</a:t>
-            </a:r>
-          </a:p>
-          <a:p>
-            <a:pPr>
-              <a:spcAft>
-                <a:spcPts val="1400"/>
-              </a:spcAft>
-              <a:defRPr sz="2200">
-                <a:solidFill>
-                  <a:srgbClr val="000000"/>
-                </a:solidFill>
-              </a:defRPr>
-            </a:pPr>
-            <a:r>
-              <a:t>• View movie details and plot summaries</a:t>
-            </a:r>
-          </a:p>
-          <a:p>
-            <a:pPr>
-              <a:spcAft>
-                <a:spcPts val="1400"/>
-              </a:spcAft>
-              <a:defRPr sz="2200">
-                <a:solidFill>
-                  <a:srgbClr val="000000"/>
-                </a:solidFill>
-              </a:defRPr>
-            </a:pPr>
-            <a:r>
-              <a:t>• Write reviews with star ratings (1-5)</a:t>
-            </a:r>
-          </a:p>
-          <a:p>
-            <a:pPr>
-              <a:spcAft>
-                <a:spcPts val="1400"/>
-              </a:spcAft>
-              <a:defRPr sz="2200">
-                <a:solidFill>
-                  <a:srgbClr val="000000"/>
-                </a:solidFill>
-              </a:defRPr>
-            </a:pPr>
-            <a:r>
-              <a:t>• Search for movies by title</a:t>
+              <a:t>&gt;</a:t>
             </a:r>
           </a:p>
         </p:txBody>
@@ -4277,17 +4090,9 @@
 </p:sld>
 </file>
 
-<file path=ppt/slides/slide3.xml><?xml version="1.0" encoding="utf-8"?>
+<file path=ppt/slides/slide14.xml><?xml version="1.0" encoding="utf-8"?>
 <p:sld xmlns:a="http://schemas.openxmlformats.org/drawingml/2006/main" xmlns:p="http://schemas.openxmlformats.org/presentationml/2006/main" xmlns:r="http://schemas.openxmlformats.org/officeDocument/2006/relationships">
   <p:cSld>
-    <p:bg>
-      <p:bgPr>
-        <a:solidFill>
-          <a:srgbClr val="FFFFFF"/>
-        </a:solidFill>
-        <a:effectLst/>
-      </p:bgPr>
-    </p:bg>
     <p:spTree>
       <p:nvGrpSpPr>
         <p:cNvPr id="1" name=""/>
@@ -4304,7 +4109,7 @@
         <p:spPr>
           <a:xfrm>
             <a:off x="0" y="0"/>
-            <a:ext cx="9144000" cy="1097280"/>
+            <a:ext cx="12191695" cy="1097280"/>
           </a:xfrm>
           <a:prstGeom prst="rect">
             <a:avLst/>
@@ -4347,7 +4152,7 @@
         <p:spPr>
           <a:xfrm>
             <a:off x="457200" y="274320"/>
-            <a:ext cx="8229600" cy="731520"/>
+            <a:ext cx="11277295" cy="731520"/>
           </a:xfrm>
           <a:prstGeom prst="rect">
             <a:avLst/>
@@ -4368,245 +4173,107 @@
               </a:defRPr>
             </a:pPr>
             <a:r>
-              <a:t>Tech Stack</a:t>
-            </a:r>
-          </a:p>
-        </p:txBody>
-      </p:sp>
-      <p:graphicFrame>
-        <p:nvGraphicFramePr>
-          <p:cNvPr id="4" name="Table 3"/>
-          <p:cNvGraphicFramePr>
-            <a:graphicFrameLocks noGrp="1"/>
-          </p:cNvGraphicFramePr>
-          <p:nvPr/>
-        </p:nvGraphicFramePr>
-        <p:xfrm>
-          <a:off x="457200" y="1371600"/>
-          <a:ext cx="8229600" cy="2286000"/>
-        </p:xfrm>
-        <a:graphic>
-          <a:graphicData uri="http://schemas.openxmlformats.org/drawingml/2006/table">
-            <a:tbl>
-              <a:tblPr firstRow="1" bandRow="1">
-                <a:tableStyleId>{5C22544A-7EE6-4342-B048-85BDC9FD1C3A}</a:tableStyleId>
-              </a:tblPr>
-              <a:tblGrid>
-                <a:gridCol w="4114800"/>
-                <a:gridCol w="4114800"/>
-              </a:tblGrid>
-              <a:tr h="457200">
-                <a:tc>
-                  <a:txBody>
-                    <a:bodyPr/>
-                    <a:lstStyle/>
-                    <a:p>
-                      <a:pPr>
-                        <a:defRPr b="1" sz="1600">
-                          <a:solidFill>
-                            <a:srgbClr val="FFFFFF"/>
-                          </a:solidFill>
-                        </a:defRPr>
-                      </a:pPr>
-                      <a:r>
-                        <a:t>Tool</a:t>
-                      </a:r>
-                    </a:p>
-                  </a:txBody>
-                  <a:tcPr>
-                    <a:solidFill>
-                      <a:srgbClr val="A100FF"/>
-                    </a:solidFill>
-                  </a:tcPr>
-                </a:tc>
-                <a:tc>
-                  <a:txBody>
-                    <a:bodyPr/>
-                    <a:lstStyle/>
-                    <a:p>
-                      <a:pPr>
-                        <a:defRPr b="1" sz="1600">
-                          <a:solidFill>
-                            <a:srgbClr val="FFFFFF"/>
-                          </a:solidFill>
-                        </a:defRPr>
-                      </a:pPr>
-                      <a:r>
-                        <a:t>What It Does</a:t>
-                      </a:r>
-                    </a:p>
-                  </a:txBody>
-                  <a:tcPr>
-                    <a:solidFill>
-                      <a:srgbClr val="A100FF"/>
-                    </a:solidFill>
-                  </a:tcPr>
-                </a:tc>
-              </a:tr>
-              <a:tr h="457200">
-                <a:tc>
-                  <a:txBody>
-                    <a:bodyPr/>
-                    <a:lstStyle/>
-                    <a:p>
-                      <a:pPr>
-                        <a:defRPr sz="1400">
-                          <a:solidFill>
-                            <a:srgbClr val="000000"/>
-                          </a:solidFill>
-                        </a:defRPr>
-                      </a:pPr>
-                      <a:r>
-                        <a:t>Python</a:t>
-                      </a:r>
-                    </a:p>
-                  </a:txBody>
-                  <a:tcPr/>
-                </a:tc>
-                <a:tc>
-                  <a:txBody>
-                    <a:bodyPr/>
-                    <a:lstStyle/>
-                    <a:p>
-                      <a:pPr>
-                        <a:defRPr sz="1400">
-                          <a:solidFill>
-                            <a:srgbClr val="000000"/>
-                          </a:solidFill>
-                        </a:defRPr>
-                      </a:pPr>
-                      <a:r>
-                        <a:t>Our programming language</a:t>
-                      </a:r>
-                    </a:p>
-                  </a:txBody>
-                  <a:tcPr/>
-                </a:tc>
-              </a:tr>
-              <a:tr h="457200">
-                <a:tc>
-                  <a:txBody>
-                    <a:bodyPr/>
-                    <a:lstStyle/>
-                    <a:p>
-                      <a:pPr>
-                        <a:defRPr sz="1400">
-                          <a:solidFill>
-                            <a:srgbClr val="000000"/>
-                          </a:solidFill>
-                        </a:defRPr>
-                      </a:pPr>
-                      <a:r>
-                        <a:t>FastAPI</a:t>
-                      </a:r>
-                    </a:p>
-                  </a:txBody>
-                  <a:tcPr/>
-                </a:tc>
-                <a:tc>
-                  <a:txBody>
-                    <a:bodyPr/>
-                    <a:lstStyle/>
-                    <a:p>
-                      <a:pPr>
-                        <a:defRPr sz="1400">
-                          <a:solidFill>
-                            <a:srgbClr val="000000"/>
-                          </a:solidFill>
-                        </a:defRPr>
-                      </a:pPr>
-                      <a:r>
-                        <a:t>Turns Python into a website</a:t>
-                      </a:r>
-                    </a:p>
-                  </a:txBody>
-                  <a:tcPr/>
-                </a:tc>
-              </a:tr>
-              <a:tr h="457200">
-                <a:tc>
-                  <a:txBody>
-                    <a:bodyPr/>
-                    <a:lstStyle/>
-                    <a:p>
-                      <a:pPr>
-                        <a:defRPr sz="1400">
-                          <a:solidFill>
-                            <a:srgbClr val="000000"/>
-                          </a:solidFill>
-                        </a:defRPr>
-                      </a:pPr>
-                      <a:r>
-                        <a:t>HTML/CSS</a:t>
-                      </a:r>
-                    </a:p>
-                  </a:txBody>
-                  <a:tcPr/>
-                </a:tc>
-                <a:tc>
-                  <a:txBody>
-                    <a:bodyPr/>
-                    <a:lstStyle/>
-                    <a:p>
-                      <a:pPr>
-                        <a:defRPr sz="1400">
-                          <a:solidFill>
-                            <a:srgbClr val="000000"/>
-                          </a:solidFill>
-                        </a:defRPr>
-                      </a:pPr>
-                      <a:r>
-                        <a:t>Makes it look nice</a:t>
-                      </a:r>
-                    </a:p>
-                  </a:txBody>
-                  <a:tcPr/>
-                </a:tc>
-              </a:tr>
-              <a:tr h="457200">
-                <a:tc>
-                  <a:txBody>
-                    <a:bodyPr/>
-                    <a:lstStyle/>
-                    <a:p>
-                      <a:pPr>
-                        <a:defRPr sz="1400">
-                          <a:solidFill>
-                            <a:srgbClr val="000000"/>
-                          </a:solidFill>
-                        </a:defRPr>
-                      </a:pPr>
-                      <a:r>
-                        <a:t>VS Code</a:t>
-                      </a:r>
-                    </a:p>
-                  </a:txBody>
-                  <a:tcPr/>
-                </a:tc>
-                <a:tc>
-                  <a:txBody>
-                    <a:bodyPr/>
-                    <a:lstStyle/>
-                    <a:p>
-                      <a:pPr>
-                        <a:defRPr sz="1400">
-                          <a:solidFill>
-                            <a:srgbClr val="000000"/>
-                          </a:solidFill>
-                        </a:defRPr>
-                      </a:pPr>
-                      <a:r>
-                        <a:t>Where we write code</a:t>
-                      </a:r>
-                    </a:p>
-                  </a:txBody>
-                  <a:tcPr/>
-                </a:tc>
-              </a:tr>
-            </a:tbl>
-          </a:graphicData>
-        </a:graphic>
-      </p:graphicFrame>
+              <a:t>Challenge Progression</a:t>
+            </a:r>
+          </a:p>
+        </p:txBody>
+      </p:sp>
+      <p:sp>
+        <p:nvSpPr>
+          <p:cNvPr id="4" name="TextBox 3"/>
+          <p:cNvSpPr txBox="1"/>
+          <p:nvPr/>
+        </p:nvSpPr>
+        <p:spPr>
+          <a:xfrm>
+            <a:off x="457200" y="1371600"/>
+            <a:ext cx="11277295" cy="5029200"/>
+          </a:xfrm>
+          <a:prstGeom prst="rect">
+            <a:avLst/>
+          </a:prstGeom>
+          <a:noFill/>
+        </p:spPr>
+        <p:txBody>
+          <a:bodyPr wrap="square">
+            <a:spAutoFit/>
+          </a:bodyPr>
+          <a:lstStyle/>
+          <a:p>
+            <a:pPr>
+              <a:defRPr sz="1800">
+                <a:solidFill>
+                  <a:srgbClr val="212121"/>
+                </a:solidFill>
+                <a:latin typeface="Consolas"/>
+              </a:defRPr>
+            </a:pPr>
+            <a:r>
+              <a:t>Challenge    What You'll Build                Difficulty</a:t>
+            </a:r>
+            <a:br/>
+            <a:br/>
+            <a:r>
+              <a:t>    1              Load movies                          Done for you!</a:t>
+            </a:r>
+            <a:br/>
+            <a:r>
+              <a:t>    2              Find a movie by ID                Easy</a:t>
+            </a:r>
+            <a:br/>
+            <a:r>
+              <a:t>    3              Save reviews                         Medium</a:t>
+            </a:r>
+            <a:br/>
+            <a:r>
+              <a:t>    4              Calculate average ratings      Medium</a:t>
+            </a:r>
+            <a:br/>
+            <a:r>
+              <a:t>    5              Search for movies                  Easy</a:t>
+            </a:r>
+            <a:br/>
+            <a:r>
+              <a:t>    6              Show Top 5 highest-rated    Medium</a:t>
+            </a:r>
+          </a:p>
+        </p:txBody>
+      </p:sp>
+      <p:sp>
+        <p:nvSpPr>
+          <p:cNvPr id="5" name="TextBox 4"/>
+          <p:cNvSpPr txBox="1"/>
+          <p:nvPr/>
+        </p:nvSpPr>
+        <p:spPr>
+          <a:xfrm>
+            <a:off x="11247120" y="6217920"/>
+            <a:ext cx="731520" cy="457200"/>
+          </a:xfrm>
+          <a:prstGeom prst="rect">
+            <a:avLst/>
+          </a:prstGeom>
+          <a:noFill/>
+        </p:spPr>
+        <p:txBody>
+          <a:bodyPr wrap="none">
+            <a:spAutoFit/>
+          </a:bodyPr>
+          <a:lstStyle/>
+          <a:p>
+            <a:pPr>
+              <a:defRPr sz="2800" b="1">
+                <a:solidFill>
+                  <a:srgbClr val="A100FF"/>
+                </a:solidFill>
+              </a:defRPr>
+            </a:pPr>
+            <a:r>
+              <a:t>&gt;</a:t>
+            </a:r>
+          </a:p>
+        </p:txBody>
+      </p:sp>
     </p:spTree>
   </p:cSld>
   <p:clrMapOvr>
@@ -4615,17 +4282,9 @@
 </p:sld>
 </file>
 
-<file path=ppt/slides/slide4.xml><?xml version="1.0" encoding="utf-8"?>
+<file path=ppt/slides/slide15.xml><?xml version="1.0" encoding="utf-8"?>
 <p:sld xmlns:a="http://schemas.openxmlformats.org/drawingml/2006/main" xmlns:p="http://schemas.openxmlformats.org/presentationml/2006/main" xmlns:r="http://schemas.openxmlformats.org/officeDocument/2006/relationships">
   <p:cSld>
-    <p:bg>
-      <p:bgPr>
-        <a:solidFill>
-          <a:srgbClr val="FFFFFF"/>
-        </a:solidFill>
-        <a:effectLst/>
-      </p:bgPr>
-    </p:bg>
     <p:spTree>
       <p:nvGrpSpPr>
         <p:cNvPr id="1" name=""/>
@@ -4642,7 +4301,7 @@
         <p:spPr>
           <a:xfrm>
             <a:off x="0" y="0"/>
-            <a:ext cx="9144000" cy="1097280"/>
+            <a:ext cx="12191695" cy="1097280"/>
           </a:xfrm>
           <a:prstGeom prst="rect">
             <a:avLst/>
@@ -4685,7 +4344,7 @@
         <p:spPr>
           <a:xfrm>
             <a:off x="457200" y="274320"/>
-            <a:ext cx="8229600" cy="731520"/>
+            <a:ext cx="11277295" cy="731520"/>
           </a:xfrm>
           <a:prstGeom prst="rect">
             <a:avLst/>
@@ -4706,7 +4365,7 @@
               </a:defRPr>
             </a:pPr>
             <a:r>
-              <a:t>How Web Apps Work</a:t>
+              <a:t>Challenge 1 - Load Movies (Done For You!)</a:t>
             </a:r>
           </a:p>
         </p:txBody>
@@ -4719,8 +4378,8 @@
         </p:nvSpPr>
         <p:spPr>
           <a:xfrm>
-            <a:off x="457200" y="1463040"/>
-            <a:ext cx="8229600" cy="4572000"/>
+            <a:off x="457200" y="1371600"/>
+            <a:ext cx="11277295" cy="5029200"/>
           </a:xfrm>
           <a:prstGeom prst="rect">
             <a:avLst/>
@@ -4734,77 +4393,98 @@
           <a:lstStyle/>
           <a:p>
             <a:pPr>
-              <a:spcAft>
-                <a:spcPts val="1400"/>
-              </a:spcAft>
-              <a:defRPr sz="2200">
-                <a:solidFill>
-                  <a:srgbClr val="000000"/>
-                </a:solidFill>
+              <a:defRPr sz="1800">
+                <a:solidFill>
+                  <a:srgbClr val="212121"/>
+                </a:solidFill>
+                <a:latin typeface="Consolas"/>
               </a:defRPr>
             </a:pPr>
             <a:r>
-              <a:t>• You type a URL in your browser</a:t>
-            </a:r>
-          </a:p>
+              <a:t>This one is already complete - let's understand it:</a:t>
+            </a:r>
+            <a:br/>
+            <a:br/>
+            <a:r>
+              <a:t>def load_movies():</a:t>
+            </a:r>
+            <a:br/>
+            <a:r>
+              <a:t>    # Open the JSON file</a:t>
+            </a:r>
+            <a:br/>
+            <a:r>
+              <a:t>    with open("data/movies.json", "r") as file:</a:t>
+            </a:r>
+            <a:br/>
+            <a:r>
+              <a:t>        movies = json.load(file)</a:t>
+            </a:r>
+            <a:br/>
+            <a:br/>
+            <a:r>
+              <a:t>    # Return the list of movies</a:t>
+            </a:r>
+            <a:br/>
+            <a:r>
+              <a:t>    return movies</a:t>
+            </a:r>
+            <a:br/>
+            <a:br/>
+            <a:r>
+              <a:t>What it does:</a:t>
+            </a:r>
+            <a:br/>
+            <a:r>
+              <a:t>1. Opens the movies.json file</a:t>
+            </a:r>
+            <a:br/>
+            <a:r>
+              <a:t>2. Reads all the movie data</a:t>
+            </a:r>
+            <a:br/>
+            <a:r>
+              <a:t>3. Returns it as a list of dictionaries</a:t>
+            </a:r>
+            <a:br/>
+            <a:br/>
+            <a:r>
+              <a:t>This is how we get our movie data into the app!</a:t>
+            </a:r>
+          </a:p>
+        </p:txBody>
+      </p:sp>
+      <p:sp>
+        <p:nvSpPr>
+          <p:cNvPr id="5" name="TextBox 4"/>
+          <p:cNvSpPr txBox="1"/>
+          <p:nvPr/>
+        </p:nvSpPr>
+        <p:spPr>
+          <a:xfrm>
+            <a:off x="11247120" y="6217920"/>
+            <a:ext cx="731520" cy="457200"/>
+          </a:xfrm>
+          <a:prstGeom prst="rect">
+            <a:avLst/>
+          </a:prstGeom>
+          <a:noFill/>
+        </p:spPr>
+        <p:txBody>
+          <a:bodyPr wrap="none">
+            <a:spAutoFit/>
+          </a:bodyPr>
+          <a:lstStyle/>
           <a:p>
             <a:pPr>
-              <a:spcAft>
-                <a:spcPts val="1400"/>
-              </a:spcAft>
-              <a:defRPr sz="2200">
-                <a:solidFill>
-                  <a:srgbClr val="000000"/>
+              <a:defRPr sz="2800" b="1">
+                <a:solidFill>
+                  <a:srgbClr val="A100FF"/>
                 </a:solidFill>
               </a:defRPr>
             </a:pPr>
             <a:r>
-              <a:t>• Browser sends a REQUEST to the server</a:t>
-            </a:r>
-          </a:p>
-          <a:p>
-            <a:pPr>
-              <a:spcAft>
-                <a:spcPts val="1400"/>
-              </a:spcAft>
-              <a:defRPr sz="2200">
-                <a:solidFill>
-                  <a:srgbClr val="000000"/>
-                </a:solidFill>
-              </a:defRPr>
-            </a:pPr>
-            <a:r>
-              <a:t>• Server runs Python code to get data</a:t>
-            </a:r>
-          </a:p>
-          <a:p>
-            <a:pPr>
-              <a:spcAft>
-                <a:spcPts val="1400"/>
-              </a:spcAft>
-              <a:defRPr sz="2200">
-                <a:solidFill>
-                  <a:srgbClr val="000000"/>
-                </a:solidFill>
-              </a:defRPr>
-            </a:pPr>
-            <a:r>
-              <a:t>• Server sends back a RESPONSE (HTML page)</a:t>
-            </a:r>
-          </a:p>
-          <a:p>
-            <a:pPr>
-              <a:spcAft>
-                <a:spcPts val="1400"/>
-              </a:spcAft>
-              <a:defRPr sz="2200">
-                <a:solidFill>
-                  <a:srgbClr val="000000"/>
-                </a:solidFill>
-              </a:defRPr>
-            </a:pPr>
-            <a:r>
-              <a:t>• Browser displays the page to you</a:t>
+              <a:t>&gt;</a:t>
             </a:r>
           </a:p>
         </p:txBody>
@@ -4817,17 +4497,9 @@
 </p:sld>
 </file>
 
-<file path=ppt/slides/slide5.xml><?xml version="1.0" encoding="utf-8"?>
+<file path=ppt/slides/slide16.xml><?xml version="1.0" encoding="utf-8"?>
 <p:sld xmlns:a="http://schemas.openxmlformats.org/drawingml/2006/main" xmlns:p="http://schemas.openxmlformats.org/presentationml/2006/main" xmlns:r="http://schemas.openxmlformats.org/officeDocument/2006/relationships">
   <p:cSld>
-    <p:bg>
-      <p:bgPr>
-        <a:solidFill>
-          <a:srgbClr val="FFFFFF"/>
-        </a:solidFill>
-        <a:effectLst/>
-      </p:bgPr>
-    </p:bg>
     <p:spTree>
       <p:nvGrpSpPr>
         <p:cNvPr id="1" name=""/>
@@ -4844,7 +4516,7 @@
         <p:spPr>
           <a:xfrm>
             <a:off x="0" y="0"/>
-            <a:ext cx="9144000" cy="1097280"/>
+            <a:ext cx="12191695" cy="1097280"/>
           </a:xfrm>
           <a:prstGeom prst="rect">
             <a:avLst/>
@@ -4887,7 +4559,7 @@
         <p:spPr>
           <a:xfrm>
             <a:off x="457200" y="274320"/>
-            <a:ext cx="8229600" cy="731520"/>
+            <a:ext cx="11277295" cy="731520"/>
           </a:xfrm>
           <a:prstGeom prst="rect">
             <a:avLst/>
@@ -4908,27 +4580,154 @@
               </a:defRPr>
             </a:pPr>
             <a:r>
-              <a:t>Project Structure</a:t>
-            </a:r>
-          </a:p>
-        </p:txBody>
-      </p:sp>
-      <p:sp>
-        <p:nvSpPr>
-          <p:cNvPr id="4" name="Rounded Rectangle 3"/>
+              <a:t>Understanding the Movie Data</a:t>
+            </a:r>
+          </a:p>
+        </p:txBody>
+      </p:sp>
+      <p:sp>
+        <p:nvSpPr>
+          <p:cNvPr id="4" name="TextBox 3"/>
+          <p:cNvSpPr txBox="1"/>
+          <p:nvPr/>
+        </p:nvSpPr>
+        <p:spPr>
+          <a:xfrm>
+            <a:off x="457200" y="1371600"/>
+            <a:ext cx="11277295" cy="5029200"/>
+          </a:xfrm>
+          <a:prstGeom prst="rect">
+            <a:avLst/>
+          </a:prstGeom>
+          <a:noFill/>
+        </p:spPr>
+        <p:txBody>
+          <a:bodyPr wrap="square">
+            <a:spAutoFit/>
+          </a:bodyPr>
+          <a:lstStyle/>
+          <a:p>
+            <a:pPr>
+              <a:defRPr sz="1800">
+                <a:solidFill>
+                  <a:srgbClr val="212121"/>
+                </a:solidFill>
+                <a:latin typeface="Consolas"/>
+              </a:defRPr>
+            </a:pPr>
+            <a:r>
+              <a:t>Each movie in movies.json looks like this:</a:t>
+            </a:r>
+            <a:br/>
+            <a:br/>
+            <a:r>
+              <a:t>{</a:t>
+            </a:r>
+            <a:br/>
+            <a:r>
+              <a:t>    "id": 1,</a:t>
+            </a:r>
+            <a:br/>
+            <a:r>
+              <a:t>    "title": "The Dark Knight",</a:t>
+            </a:r>
+            <a:br/>
+            <a:r>
+              <a:t>    "year": 2008,</a:t>
+            </a:r>
+            <a:br/>
+            <a:r>
+              <a:t>    "genre": "Action",</a:t>
+            </a:r>
+            <a:br/>
+            <a:r>
+              <a:t>    "plot": "Batman fights the Joker...",</a:t>
+            </a:r>
+            <a:br/>
+            <a:r>
+              <a:t>    "poster": "https://image-url.com/poster.jpg"</a:t>
+            </a:r>
+            <a:br/>
+            <a:r>
+              <a:t>}</a:t>
+            </a:r>
+            <a:br/>
+            <a:br/>
+            <a:r>
+              <a:t>We have 8 movies to work with!</a:t>
+            </a:r>
+          </a:p>
+        </p:txBody>
+      </p:sp>
+      <p:sp>
+        <p:nvSpPr>
+          <p:cNvPr id="5" name="TextBox 4"/>
+          <p:cNvSpPr txBox="1"/>
+          <p:nvPr/>
+        </p:nvSpPr>
+        <p:spPr>
+          <a:xfrm>
+            <a:off x="11247120" y="6217920"/>
+            <a:ext cx="731520" cy="457200"/>
+          </a:xfrm>
+          <a:prstGeom prst="rect">
+            <a:avLst/>
+          </a:prstGeom>
+          <a:noFill/>
+        </p:spPr>
+        <p:txBody>
+          <a:bodyPr wrap="none">
+            <a:spAutoFit/>
+          </a:bodyPr>
+          <a:lstStyle/>
+          <a:p>
+            <a:pPr>
+              <a:defRPr sz="2800" b="1">
+                <a:solidFill>
+                  <a:srgbClr val="A100FF"/>
+                </a:solidFill>
+              </a:defRPr>
+            </a:pPr>
+            <a:r>
+              <a:t>&gt;</a:t>
+            </a:r>
+          </a:p>
+        </p:txBody>
+      </p:sp>
+    </p:spTree>
+  </p:cSld>
+  <p:clrMapOvr>
+    <a:masterClrMapping/>
+  </p:clrMapOvr>
+</p:sld>
+</file>
+
+<file path=ppt/slides/slide17.xml><?xml version="1.0" encoding="utf-8"?>
+<p:sld xmlns:a="http://schemas.openxmlformats.org/drawingml/2006/main" xmlns:p="http://schemas.openxmlformats.org/presentationml/2006/main" xmlns:r="http://schemas.openxmlformats.org/officeDocument/2006/relationships">
+  <p:cSld>
+    <p:spTree>
+      <p:nvGrpSpPr>
+        <p:cNvPr id="1" name=""/>
+        <p:cNvGrpSpPr/>
+        <p:nvPr/>
+      </p:nvGrpSpPr>
+      <p:grpSpPr/>
+      <p:sp>
+        <p:nvSpPr>
+          <p:cNvPr id="2" name="Rectangle 1"/>
           <p:cNvSpPr/>
           <p:nvPr/>
         </p:nvSpPr>
         <p:spPr>
           <a:xfrm>
-            <a:off x="457200" y="1371600"/>
-            <a:ext cx="8229600" cy="4114800"/>
-          </a:xfrm>
-          <a:prstGeom prst="roundRect">
+            <a:off x="0" y="0"/>
+            <a:ext cx="12191695" cy="1097280"/>
+          </a:xfrm>
+          <a:prstGeom prst="rect">
             <a:avLst/>
           </a:prstGeom>
           <a:solidFill>
-            <a:srgbClr val="1E1E1E"/>
+            <a:srgbClr val="A100FF"/>
           </a:solidFill>
           <a:ln>
             <a:noFill/>
@@ -4958,14 +4757,49 @@
       </p:sp>
       <p:sp>
         <p:nvSpPr>
-          <p:cNvPr id="5" name="TextBox 4"/>
+          <p:cNvPr id="3" name="TextBox 2"/>
           <p:cNvSpPr txBox="1"/>
           <p:nvPr/>
         </p:nvSpPr>
         <p:spPr>
           <a:xfrm>
-            <a:off x="640080" y="1554480"/>
-            <a:ext cx="7863840" cy="3840480"/>
+            <a:off x="457200" y="274320"/>
+            <a:ext cx="11277295" cy="731520"/>
+          </a:xfrm>
+          <a:prstGeom prst="rect">
+            <a:avLst/>
+          </a:prstGeom>
+          <a:noFill/>
+        </p:spPr>
+        <p:txBody>
+          <a:bodyPr wrap="none">
+            <a:spAutoFit/>
+          </a:bodyPr>
+          <a:lstStyle/>
+          <a:p>
+            <a:pPr>
+              <a:defRPr sz="3200" b="1">
+                <a:solidFill>
+                  <a:srgbClr val="FFFFFF"/>
+                </a:solidFill>
+              </a:defRPr>
+            </a:pPr>
+            <a:r>
+              <a:t>Challenge 2 - Find a Movie by ID</a:t>
+            </a:r>
+          </a:p>
+        </p:txBody>
+      </p:sp>
+      <p:sp>
+        <p:nvSpPr>
+          <p:cNvPr id="4" name="TextBox 3"/>
+          <p:cNvSpPr txBox="1"/>
+          <p:nvPr/>
+        </p:nvSpPr>
+        <p:spPr>
+          <a:xfrm>
+            <a:off x="457200" y="1371600"/>
+            <a:ext cx="11277295" cy="5029200"/>
           </a:xfrm>
           <a:prstGeom prst="rect">
             <a:avLst/>
@@ -4979,35 +4813,84 @@
           <a:lstStyle/>
           <a:p>
             <a:pPr>
-              <a:defRPr sz="1600">
-                <a:solidFill>
-                  <a:srgbClr val="DCDCDC"/>
-                </a:solidFill>
-                <a:latin typeface="Courier New"/>
+              <a:defRPr sz="1800">
+                <a:solidFill>
+                  <a:srgbClr val="212121"/>
+                </a:solidFill>
+                <a:latin typeface="Consolas"/>
               </a:defRPr>
             </a:pPr>
             <a:r>
-              <a:t>movie-review-app/</a:t>
-            </a:r>
-            <a:br/>
-            <a:r>
-              <a:t>├── main.py          ← Routes (URLs)</a:t>
-            </a:r>
-            <a:br/>
-            <a:r>
-              <a:t>├── database.py      ← Your challenges!</a:t>
-            </a:r>
-            <a:br/>
-            <a:r>
-              <a:t>├── templates/       ← HTML pages</a:t>
-            </a:r>
-            <a:br/>
-            <a:r>
-              <a:t>├── static/css/      ← Styles</a:t>
-            </a:r>
-            <a:br/>
-            <a:r>
-              <a:t>└── data/movies.json ← Movie data</a:t>
+              <a:t>Goal: When someone clicks a movie, find that specific movie.</a:t>
+            </a:r>
+            <a:br/>
+            <a:br/>
+            <a:r>
+              <a:t>def get_movie_by_id(movie_id):</a:t>
+            </a:r>
+            <a:br/>
+            <a:r>
+              <a:t>    # TODO: Your code here!</a:t>
+            </a:r>
+            <a:br/>
+            <a:r>
+              <a:t>    pass</a:t>
+            </a:r>
+            <a:br/>
+            <a:br/>
+            <a:r>
+              <a:t>What you need to do:</a:t>
+            </a:r>
+            <a:br/>
+            <a:r>
+              <a:t>1. Get all movies using load_movies()</a:t>
+            </a:r>
+            <a:br/>
+            <a:r>
+              <a:t>2. Loop through each movie</a:t>
+            </a:r>
+            <a:br/>
+            <a:r>
+              <a:t>3. Check if the movie's ID matches</a:t>
+            </a:r>
+            <a:br/>
+            <a:r>
+              <a:t>4. Return the matching movie</a:t>
+            </a:r>
+          </a:p>
+        </p:txBody>
+      </p:sp>
+      <p:sp>
+        <p:nvSpPr>
+          <p:cNvPr id="5" name="TextBox 4"/>
+          <p:cNvSpPr txBox="1"/>
+          <p:nvPr/>
+        </p:nvSpPr>
+        <p:spPr>
+          <a:xfrm>
+            <a:off x="11247120" y="6217920"/>
+            <a:ext cx="731520" cy="457200"/>
+          </a:xfrm>
+          <a:prstGeom prst="rect">
+            <a:avLst/>
+          </a:prstGeom>
+          <a:noFill/>
+        </p:spPr>
+        <p:txBody>
+          <a:bodyPr wrap="none">
+            <a:spAutoFit/>
+          </a:bodyPr>
+          <a:lstStyle/>
+          <a:p>
+            <a:pPr>
+              <a:defRPr sz="2800" b="1">
+                <a:solidFill>
+                  <a:srgbClr val="A100FF"/>
+                </a:solidFill>
+              </a:defRPr>
+            </a:pPr>
+            <a:r>
+              <a:t>&gt;</a:t>
             </a:r>
           </a:p>
         </p:txBody>
@@ -5020,17 +4903,9 @@
 </p:sld>
 </file>
 
-<file path=ppt/slides/slide6.xml><?xml version="1.0" encoding="utf-8"?>
+<file path=ppt/slides/slide18.xml><?xml version="1.0" encoding="utf-8"?>
 <p:sld xmlns:a="http://schemas.openxmlformats.org/drawingml/2006/main" xmlns:p="http://schemas.openxmlformats.org/presentationml/2006/main" xmlns:r="http://schemas.openxmlformats.org/officeDocument/2006/relationships">
   <p:cSld>
-    <p:bg>
-      <p:bgPr>
-        <a:solidFill>
-          <a:srgbClr val="A100FF"/>
-        </a:solidFill>
-        <a:effectLst/>
-      </p:bgPr>
-    </p:bg>
     <p:spTree>
       <p:nvGrpSpPr>
         <p:cNvPr id="1" name=""/>
@@ -5040,67 +4915,6 @@
       <p:grpSpPr/>
       <p:sp>
         <p:nvSpPr>
-          <p:cNvPr id="2" name="TextBox 1"/>
-          <p:cNvSpPr txBox="1"/>
-          <p:nvPr/>
-        </p:nvSpPr>
-        <p:spPr>
-          <a:xfrm>
-            <a:off x="457200" y="2743200"/>
-            <a:ext cx="8229600" cy="1371600"/>
-          </a:xfrm>
-          <a:prstGeom prst="rect">
-            <a:avLst/>
-          </a:prstGeom>
-          <a:noFill/>
-        </p:spPr>
-        <p:txBody>
-          <a:bodyPr wrap="none">
-            <a:spAutoFit/>
-          </a:bodyPr>
-          <a:lstStyle/>
-          <a:p>
-            <a:pPr algn="ctr">
-              <a:defRPr sz="4800" b="1">
-                <a:solidFill>
-                  <a:srgbClr val="FFFFFF"/>
-                </a:solidFill>
-              </a:defRPr>
-            </a:pPr>
-            <a:r>
-              <a:t>Let's Code!</a:t>
-            </a:r>
-          </a:p>
-        </p:txBody>
-      </p:sp>
-    </p:spTree>
-  </p:cSld>
-  <p:clrMapOvr>
-    <a:masterClrMapping/>
-  </p:clrMapOvr>
-</p:sld>
-</file>
-
-<file path=ppt/slides/slide7.xml><?xml version="1.0" encoding="utf-8"?>
-<p:sld xmlns:a="http://schemas.openxmlformats.org/drawingml/2006/main" xmlns:p="http://schemas.openxmlformats.org/presentationml/2006/main" xmlns:r="http://schemas.openxmlformats.org/officeDocument/2006/relationships">
-  <p:cSld>
-    <p:bg>
-      <p:bgPr>
-        <a:solidFill>
-          <a:srgbClr val="FFFFFF"/>
-        </a:solidFill>
-        <a:effectLst/>
-      </p:bgPr>
-    </p:bg>
-    <p:spTree>
-      <p:nvGrpSpPr>
-        <p:cNvPr id="1" name=""/>
-        <p:cNvGrpSpPr/>
-        <p:nvPr/>
-      </p:nvGrpSpPr>
-      <p:grpSpPr/>
-      <p:sp>
-        <p:nvSpPr>
           <p:cNvPr id="2" name="Rectangle 1"/>
           <p:cNvSpPr/>
           <p:nvPr/>
@@ -5108,7 +4922,7 @@
         <p:spPr>
           <a:xfrm>
             <a:off x="0" y="0"/>
-            <a:ext cx="9144000" cy="1097280"/>
+            <a:ext cx="12191695" cy="1097280"/>
           </a:xfrm>
           <a:prstGeom prst="rect">
             <a:avLst/>
@@ -5151,7 +4965,7 @@
         <p:spPr>
           <a:xfrm>
             <a:off x="457200" y="274320"/>
-            <a:ext cx="8229600" cy="731520"/>
+            <a:ext cx="11277295" cy="731520"/>
           </a:xfrm>
           <a:prstGeom prst="rect">
             <a:avLst/>
@@ -5172,27 +4986,158 @@
               </a:defRPr>
             </a:pPr>
             <a:r>
-              <a:t>Challenge 2: Find a Movie</a:t>
-            </a:r>
-          </a:p>
-        </p:txBody>
-      </p:sp>
-      <p:sp>
-        <p:nvSpPr>
-          <p:cNvPr id="4" name="Rounded Rectangle 3"/>
+              <a:t>Challenge 2 - Hints</a:t>
+            </a:r>
+          </a:p>
+        </p:txBody>
+      </p:sp>
+      <p:sp>
+        <p:nvSpPr>
+          <p:cNvPr id="4" name="TextBox 3"/>
+          <p:cNvSpPr txBox="1"/>
+          <p:nvPr/>
+        </p:nvSpPr>
+        <p:spPr>
+          <a:xfrm>
+            <a:off x="457200" y="1371600"/>
+            <a:ext cx="11277295" cy="5029200"/>
+          </a:xfrm>
+          <a:prstGeom prst="rect">
+            <a:avLst/>
+          </a:prstGeom>
+          <a:noFill/>
+        </p:spPr>
+        <p:txBody>
+          <a:bodyPr wrap="square">
+            <a:spAutoFit/>
+          </a:bodyPr>
+          <a:lstStyle/>
+          <a:p>
+            <a:pPr>
+              <a:defRPr sz="1800">
+                <a:solidFill>
+                  <a:srgbClr val="212121"/>
+                </a:solidFill>
+                <a:latin typeface="Consolas"/>
+              </a:defRPr>
+            </a:pPr>
+            <a:r>
+              <a:t>def get_movie_by_id(movie_id):</a:t>
+            </a:r>
+            <a:br/>
+            <a:r>
+              <a:t>    # Step 1: Get all movies</a:t>
+            </a:r>
+            <a:br/>
+            <a:r>
+              <a:t>    movies = load_movies()</a:t>
+            </a:r>
+            <a:br/>
+            <a:br/>
+            <a:r>
+              <a:t>    # Step 2: Loop through each movie</a:t>
+            </a:r>
+            <a:br/>
+            <a:r>
+              <a:t>    for movie in movies:</a:t>
+            </a:r>
+            <a:br/>
+            <a:r>
+              <a:t>        # Step 3: Check if ID matches</a:t>
+            </a:r>
+            <a:br/>
+            <a:r>
+              <a:t>        if movie["id"] == movie_id:</a:t>
+            </a:r>
+            <a:br/>
+            <a:r>
+              <a:t>            # Step 4: Return it!</a:t>
+            </a:r>
+            <a:br/>
+            <a:r>
+              <a:t>            return movie</a:t>
+            </a:r>
+            <a:br/>
+            <a:br/>
+            <a:r>
+              <a:t>    # Step 5: If not found, return None</a:t>
+            </a:r>
+            <a:br/>
+            <a:r>
+              <a:t>    return None</a:t>
+            </a:r>
+          </a:p>
+        </p:txBody>
+      </p:sp>
+      <p:sp>
+        <p:nvSpPr>
+          <p:cNvPr id="5" name="TextBox 4"/>
+          <p:cNvSpPr txBox="1"/>
+          <p:nvPr/>
+        </p:nvSpPr>
+        <p:spPr>
+          <a:xfrm>
+            <a:off x="11247120" y="6217920"/>
+            <a:ext cx="731520" cy="457200"/>
+          </a:xfrm>
+          <a:prstGeom prst="rect">
+            <a:avLst/>
+          </a:prstGeom>
+          <a:noFill/>
+        </p:spPr>
+        <p:txBody>
+          <a:bodyPr wrap="none">
+            <a:spAutoFit/>
+          </a:bodyPr>
+          <a:lstStyle/>
+          <a:p>
+            <a:pPr>
+              <a:defRPr sz="2800" b="1">
+                <a:solidFill>
+                  <a:srgbClr val="A100FF"/>
+                </a:solidFill>
+              </a:defRPr>
+            </a:pPr>
+            <a:r>
+              <a:t>&gt;</a:t>
+            </a:r>
+          </a:p>
+        </p:txBody>
+      </p:sp>
+    </p:spTree>
+  </p:cSld>
+  <p:clrMapOvr>
+    <a:masterClrMapping/>
+  </p:clrMapOvr>
+</p:sld>
+</file>
+
+<file path=ppt/slides/slide19.xml><?xml version="1.0" encoding="utf-8"?>
+<p:sld xmlns:a="http://schemas.openxmlformats.org/drawingml/2006/main" xmlns:p="http://schemas.openxmlformats.org/presentationml/2006/main" xmlns:r="http://schemas.openxmlformats.org/officeDocument/2006/relationships">
+  <p:cSld>
+    <p:spTree>
+      <p:nvGrpSpPr>
+        <p:cNvPr id="1" name=""/>
+        <p:cNvGrpSpPr/>
+        <p:nvPr/>
+      </p:nvGrpSpPr>
+      <p:grpSpPr/>
+      <p:sp>
+        <p:nvSpPr>
+          <p:cNvPr id="2" name="Rectangle 1"/>
           <p:cNvSpPr/>
           <p:nvPr/>
         </p:nvSpPr>
         <p:spPr>
           <a:xfrm>
-            <a:off x="457200" y="1371600"/>
-            <a:ext cx="8229600" cy="4114800"/>
-          </a:xfrm>
-          <a:prstGeom prst="roundRect">
+            <a:off x="0" y="0"/>
+            <a:ext cx="12191695" cy="1097280"/>
+          </a:xfrm>
+          <a:prstGeom prst="rect">
             <a:avLst/>
           </a:prstGeom>
           <a:solidFill>
-            <a:srgbClr val="1E1E1E"/>
+            <a:srgbClr val="A100FF"/>
           </a:solidFill>
           <a:ln>
             <a:noFill/>
@@ -5222,14 +5167,49 @@
       </p:sp>
       <p:sp>
         <p:nvSpPr>
-          <p:cNvPr id="5" name="TextBox 4"/>
+          <p:cNvPr id="3" name="TextBox 2"/>
           <p:cNvSpPr txBox="1"/>
           <p:nvPr/>
         </p:nvSpPr>
         <p:spPr>
           <a:xfrm>
-            <a:off x="640080" y="1554480"/>
-            <a:ext cx="7863840" cy="3840480"/>
+            <a:off x="457200" y="274320"/>
+            <a:ext cx="11277295" cy="731520"/>
+          </a:xfrm>
+          <a:prstGeom prst="rect">
+            <a:avLst/>
+          </a:prstGeom>
+          <a:noFill/>
+        </p:spPr>
+        <p:txBody>
+          <a:bodyPr wrap="none">
+            <a:spAutoFit/>
+          </a:bodyPr>
+          <a:lstStyle/>
+          <a:p>
+            <a:pPr>
+              <a:defRPr sz="3200" b="1">
+                <a:solidFill>
+                  <a:srgbClr val="FFFFFF"/>
+                </a:solidFill>
+              </a:defRPr>
+            </a:pPr>
+            <a:r>
+              <a:t>Challenge 3 - Save a Review</a:t>
+            </a:r>
+          </a:p>
+        </p:txBody>
+      </p:sp>
+      <p:sp>
+        <p:nvSpPr>
+          <p:cNvPr id="4" name="TextBox 3"/>
+          <p:cNvSpPr txBox="1"/>
+          <p:nvPr/>
+        </p:nvSpPr>
+        <p:spPr>
+          <a:xfrm>
+            <a:off x="457200" y="1371600"/>
+            <a:ext cx="11277295" cy="5029200"/>
           </a:xfrm>
           <a:prstGeom prst="rect">
             <a:avLst/>
@@ -5243,31 +5223,24 @@
           <a:lstStyle/>
           <a:p>
             <a:pPr>
-              <a:defRPr sz="1600">
-                <a:solidFill>
-                  <a:srgbClr val="DCDCDC"/>
-                </a:solidFill>
-                <a:latin typeface="Courier New"/>
+              <a:defRPr sz="1800">
+                <a:solidFill>
+                  <a:srgbClr val="212121"/>
+                </a:solidFill>
+                <a:latin typeface="Consolas"/>
               </a:defRPr>
             </a:pPr>
             <a:r>
-              <a:t>def get_movie_by_id(movie_id):</a:t>
-            </a:r>
-            <a:br/>
-            <a:r>
-              <a:t>    movies = load_movies()</a:t>
-            </a:r>
-            <a:br/>
-            <a:r>
-              <a:t>    # TODO: Loop through movies</a:t>
-            </a:r>
-            <a:br/>
-            <a:r>
-              <a:t>    # Find the one with matching ID</a:t>
-            </a:r>
-            <a:br/>
-            <a:r>
-              <a:t>    # Return it!</a:t>
+              <a:t>Goal: When someone submits a review, save it!</a:t>
+            </a:r>
+            <a:br/>
+            <a:br/>
+            <a:r>
+              <a:t>def add_review(movie_id, review):</a:t>
+            </a:r>
+            <a:br/>
+            <a:r>
+              <a:t>    # TODO: Your code here!</a:t>
             </a:r>
             <a:br/>
             <a:r>
@@ -5276,7 +5249,54 @@
             <a:br/>
             <a:br/>
             <a:r>
-              <a:t>Hint: Use a for loop and if statement</a:t>
+              <a:t>What you need to do:</a:t>
+            </a:r>
+            <a:br/>
+            <a:r>
+              <a:t>1. Check if this movie already has reviews stored</a:t>
+            </a:r>
+            <a:br/>
+            <a:r>
+              <a:t>2. If not, create an empty list for it</a:t>
+            </a:r>
+            <a:br/>
+            <a:r>
+              <a:t>3. Add the new review to the list</a:t>
+            </a:r>
+          </a:p>
+        </p:txBody>
+      </p:sp>
+      <p:sp>
+        <p:nvSpPr>
+          <p:cNvPr id="5" name="TextBox 4"/>
+          <p:cNvSpPr txBox="1"/>
+          <p:nvPr/>
+        </p:nvSpPr>
+        <p:spPr>
+          <a:xfrm>
+            <a:off x="11247120" y="6217920"/>
+            <a:ext cx="731520" cy="457200"/>
+          </a:xfrm>
+          <a:prstGeom prst="rect">
+            <a:avLst/>
+          </a:prstGeom>
+          <a:noFill/>
+        </p:spPr>
+        <p:txBody>
+          <a:bodyPr wrap="none">
+            <a:spAutoFit/>
+          </a:bodyPr>
+          <a:lstStyle/>
+          <a:p>
+            <a:pPr>
+              <a:defRPr sz="2800" b="1">
+                <a:solidFill>
+                  <a:srgbClr val="A100FF"/>
+                </a:solidFill>
+              </a:defRPr>
+            </a:pPr>
+            <a:r>
+              <a:t>&gt;</a:t>
             </a:r>
           </a:p>
         </p:txBody>
@@ -5289,17 +5309,9 @@
 </p:sld>
 </file>
 
-<file path=ppt/slides/slide8.xml><?xml version="1.0" encoding="utf-8"?>
+<file path=ppt/slides/slide2.xml><?xml version="1.0" encoding="utf-8"?>
 <p:sld xmlns:a="http://schemas.openxmlformats.org/drawingml/2006/main" xmlns:p="http://schemas.openxmlformats.org/presentationml/2006/main" xmlns:r="http://schemas.openxmlformats.org/officeDocument/2006/relationships">
   <p:cSld>
-    <p:bg>
-      <p:bgPr>
-        <a:solidFill>
-          <a:srgbClr val="FFFFFF"/>
-        </a:solidFill>
-        <a:effectLst/>
-      </p:bgPr>
-    </p:bg>
     <p:spTree>
       <p:nvGrpSpPr>
         <p:cNvPr id="1" name=""/>
@@ -5316,7 +5328,7 @@
         <p:spPr>
           <a:xfrm>
             <a:off x="0" y="0"/>
-            <a:ext cx="9144000" cy="1097280"/>
+            <a:ext cx="12191695" cy="1097280"/>
           </a:xfrm>
           <a:prstGeom prst="rect">
             <a:avLst/>
@@ -5359,7 +5371,7 @@
         <p:spPr>
           <a:xfrm>
             <a:off x="457200" y="274320"/>
-            <a:ext cx="8229600" cy="731520"/>
+            <a:ext cx="11277295" cy="731520"/>
           </a:xfrm>
           <a:prstGeom prst="rect">
             <a:avLst/>
@@ -5380,404 +5392,107 @@
               </a:defRPr>
             </a:pPr>
             <a:r>
-              <a:t>Challenge Progression</a:t>
-            </a:r>
-          </a:p>
-        </p:txBody>
-      </p:sp>
-      <p:graphicFrame>
-        <p:nvGraphicFramePr>
-          <p:cNvPr id="4" name="Table 3"/>
-          <p:cNvGraphicFramePr>
-            <a:graphicFrameLocks noGrp="1"/>
-          </p:cNvGraphicFramePr>
-          <p:nvPr/>
-        </p:nvGraphicFramePr>
-        <p:xfrm>
-          <a:off x="457200" y="1371600"/>
-          <a:ext cx="8229600" cy="2743200"/>
-        </p:xfrm>
-        <a:graphic>
-          <a:graphicData uri="http://schemas.openxmlformats.org/drawingml/2006/table">
-            <a:tbl>
-              <a:tblPr firstRow="1" bandRow="1">
-                <a:tableStyleId>{5C22544A-7EE6-4342-B048-85BDC9FD1C3A}</a:tableStyleId>
-              </a:tblPr>
-              <a:tblGrid>
-                <a:gridCol w="2743200"/>
-                <a:gridCol w="2743200"/>
-                <a:gridCol w="2743200"/>
-              </a:tblGrid>
-              <a:tr h="457200">
-                <a:tc>
-                  <a:txBody>
-                    <a:bodyPr/>
-                    <a:lstStyle/>
-                    <a:p>
-                      <a:pPr>
-                        <a:defRPr b="1" sz="1600">
-                          <a:solidFill>
-                            <a:srgbClr val="FFFFFF"/>
-                          </a:solidFill>
-                        </a:defRPr>
-                      </a:pPr>
-                      <a:r>
-                        <a:t>Challenge</a:t>
-                      </a:r>
-                    </a:p>
-                  </a:txBody>
-                  <a:tcPr>
-                    <a:solidFill>
-                      <a:srgbClr val="A100FF"/>
-                    </a:solidFill>
-                  </a:tcPr>
-                </a:tc>
-                <a:tc>
-                  <a:txBody>
-                    <a:bodyPr/>
-                    <a:lstStyle/>
-                    <a:p>
-                      <a:pPr>
-                        <a:defRPr b="1" sz="1600">
-                          <a:solidFill>
-                            <a:srgbClr val="FFFFFF"/>
-                          </a:solidFill>
-                        </a:defRPr>
-                      </a:pPr>
-                      <a:r>
-                        <a:t>What You'll Build</a:t>
-                      </a:r>
-                    </a:p>
-                  </a:txBody>
-                  <a:tcPr>
-                    <a:solidFill>
-                      <a:srgbClr val="A100FF"/>
-                    </a:solidFill>
-                  </a:tcPr>
-                </a:tc>
-                <a:tc>
-                  <a:txBody>
-                    <a:bodyPr/>
-                    <a:lstStyle/>
-                    <a:p>
-                      <a:pPr>
-                        <a:defRPr b="1" sz="1600">
-                          <a:solidFill>
-                            <a:srgbClr val="FFFFFF"/>
-                          </a:solidFill>
-                        </a:defRPr>
-                      </a:pPr>
-                      <a:r>
-                        <a:t>Difficulty</a:t>
-                      </a:r>
-                    </a:p>
-                  </a:txBody>
-                  <a:tcPr>
-                    <a:solidFill>
-                      <a:srgbClr val="A100FF"/>
-                    </a:solidFill>
-                  </a:tcPr>
-                </a:tc>
-              </a:tr>
-              <a:tr h="457200">
-                <a:tc>
-                  <a:txBody>
-                    <a:bodyPr/>
-                    <a:lstStyle/>
-                    <a:p>
-                      <a:pPr>
-                        <a:defRPr sz="1400">
-                          <a:solidFill>
-                            <a:srgbClr val="000000"/>
-                          </a:solidFill>
-                        </a:defRPr>
-                      </a:pPr>
-                      <a:r>
-                        <a:t>1</a:t>
-                      </a:r>
-                    </a:p>
-                  </a:txBody>
-                  <a:tcPr/>
-                </a:tc>
-                <a:tc>
-                  <a:txBody>
-                    <a:bodyPr/>
-                    <a:lstStyle/>
-                    <a:p>
-                      <a:pPr>
-                        <a:defRPr sz="1400">
-                          <a:solidFill>
-                            <a:srgbClr val="000000"/>
-                          </a:solidFill>
-                        </a:defRPr>
-                      </a:pPr>
-                      <a:r>
-                        <a:t>Load movies (done!)</a:t>
-                      </a:r>
-                    </a:p>
-                  </a:txBody>
-                  <a:tcPr/>
-                </a:tc>
-                <a:tc>
-                  <a:txBody>
-                    <a:bodyPr/>
-                    <a:lstStyle/>
-                    <a:p>
-                      <a:pPr>
-                        <a:defRPr sz="1400">
-                          <a:solidFill>
-                            <a:srgbClr val="000000"/>
-                          </a:solidFill>
-                        </a:defRPr>
-                      </a:pPr>
-                      <a:r>
-                        <a:t>Done</a:t>
-                      </a:r>
-                    </a:p>
-                  </a:txBody>
-                  <a:tcPr/>
-                </a:tc>
-              </a:tr>
-              <a:tr h="457200">
-                <a:tc>
-                  <a:txBody>
-                    <a:bodyPr/>
-                    <a:lstStyle/>
-                    <a:p>
-                      <a:pPr>
-                        <a:defRPr sz="1400">
-                          <a:solidFill>
-                            <a:srgbClr val="000000"/>
-                          </a:solidFill>
-                        </a:defRPr>
-                      </a:pPr>
-                      <a:r>
-                        <a:t>2</a:t>
-                      </a:r>
-                    </a:p>
-                  </a:txBody>
-                  <a:tcPr/>
-                </a:tc>
-                <a:tc>
-                  <a:txBody>
-                    <a:bodyPr/>
-                    <a:lstStyle/>
-                    <a:p>
-                      <a:pPr>
-                        <a:defRPr sz="1400">
-                          <a:solidFill>
-                            <a:srgbClr val="000000"/>
-                          </a:solidFill>
-                        </a:defRPr>
-                      </a:pPr>
-                      <a:r>
-                        <a:t>Find movie by ID</a:t>
-                      </a:r>
-                    </a:p>
-                  </a:txBody>
-                  <a:tcPr/>
-                </a:tc>
-                <a:tc>
-                  <a:txBody>
-                    <a:bodyPr/>
-                    <a:lstStyle/>
-                    <a:p>
-                      <a:pPr>
-                        <a:defRPr sz="1400">
-                          <a:solidFill>
-                            <a:srgbClr val="000000"/>
-                          </a:solidFill>
-                        </a:defRPr>
-                      </a:pPr>
-                      <a:r>
-                        <a:t>Easy</a:t>
-                      </a:r>
-                    </a:p>
-                  </a:txBody>
-                  <a:tcPr/>
-                </a:tc>
-              </a:tr>
-              <a:tr h="457200">
-                <a:tc>
-                  <a:txBody>
-                    <a:bodyPr/>
-                    <a:lstStyle/>
-                    <a:p>
-                      <a:pPr>
-                        <a:defRPr sz="1400">
-                          <a:solidFill>
-                            <a:srgbClr val="000000"/>
-                          </a:solidFill>
-                        </a:defRPr>
-                      </a:pPr>
-                      <a:r>
-                        <a:t>3</a:t>
-                      </a:r>
-                    </a:p>
-                  </a:txBody>
-                  <a:tcPr/>
-                </a:tc>
-                <a:tc>
-                  <a:txBody>
-                    <a:bodyPr/>
-                    <a:lstStyle/>
-                    <a:p>
-                      <a:pPr>
-                        <a:defRPr sz="1400">
-                          <a:solidFill>
-                            <a:srgbClr val="000000"/>
-                          </a:solidFill>
-                        </a:defRPr>
-                      </a:pPr>
-                      <a:r>
-                        <a:t>Save reviews</a:t>
-                      </a:r>
-                    </a:p>
-                  </a:txBody>
-                  <a:tcPr/>
-                </a:tc>
-                <a:tc>
-                  <a:txBody>
-                    <a:bodyPr/>
-                    <a:lstStyle/>
-                    <a:p>
-                      <a:pPr>
-                        <a:defRPr sz="1400">
-                          <a:solidFill>
-                            <a:srgbClr val="000000"/>
-                          </a:solidFill>
-                        </a:defRPr>
-                      </a:pPr>
-                      <a:r>
-                        <a:t>Medium</a:t>
-                      </a:r>
-                    </a:p>
-                  </a:txBody>
-                  <a:tcPr/>
-                </a:tc>
-              </a:tr>
-              <a:tr h="457200">
-                <a:tc>
-                  <a:txBody>
-                    <a:bodyPr/>
-                    <a:lstStyle/>
-                    <a:p>
-                      <a:pPr>
-                        <a:defRPr sz="1400">
-                          <a:solidFill>
-                            <a:srgbClr val="000000"/>
-                          </a:solidFill>
-                        </a:defRPr>
-                      </a:pPr>
-                      <a:r>
-                        <a:t>4</a:t>
-                      </a:r>
-                    </a:p>
-                  </a:txBody>
-                  <a:tcPr/>
-                </a:tc>
-                <a:tc>
-                  <a:txBody>
-                    <a:bodyPr/>
-                    <a:lstStyle/>
-                    <a:p>
-                      <a:pPr>
-                        <a:defRPr sz="1400">
-                          <a:solidFill>
-                            <a:srgbClr val="000000"/>
-                          </a:solidFill>
-                        </a:defRPr>
-                      </a:pPr>
-                      <a:r>
-                        <a:t>Calculate average rating</a:t>
-                      </a:r>
-                    </a:p>
-                  </a:txBody>
-                  <a:tcPr/>
-                </a:tc>
-                <a:tc>
-                  <a:txBody>
-                    <a:bodyPr/>
-                    <a:lstStyle/>
-                    <a:p>
-                      <a:pPr>
-                        <a:defRPr sz="1400">
-                          <a:solidFill>
-                            <a:srgbClr val="000000"/>
-                          </a:solidFill>
-                        </a:defRPr>
-                      </a:pPr>
-                      <a:r>
-                        <a:t>Medium</a:t>
-                      </a:r>
-                    </a:p>
-                  </a:txBody>
-                  <a:tcPr/>
-                </a:tc>
-              </a:tr>
-              <a:tr h="457200">
-                <a:tc>
-                  <a:txBody>
-                    <a:bodyPr/>
-                    <a:lstStyle/>
-                    <a:p>
-                      <a:pPr>
-                        <a:defRPr sz="1400">
-                          <a:solidFill>
-                            <a:srgbClr val="000000"/>
-                          </a:solidFill>
-                        </a:defRPr>
-                      </a:pPr>
-                      <a:r>
-                        <a:t>5</a:t>
-                      </a:r>
-                    </a:p>
-                  </a:txBody>
-                  <a:tcPr/>
-                </a:tc>
-                <a:tc>
-                  <a:txBody>
-                    <a:bodyPr/>
-                    <a:lstStyle/>
-                    <a:p>
-                      <a:pPr>
-                        <a:defRPr sz="1400">
-                          <a:solidFill>
-                            <a:srgbClr val="000000"/>
-                          </a:solidFill>
-                        </a:defRPr>
-                      </a:pPr>
-                      <a:r>
-                        <a:t>Search movies</a:t>
-                      </a:r>
-                    </a:p>
-                  </a:txBody>
-                  <a:tcPr/>
-                </a:tc>
-                <a:tc>
-                  <a:txBody>
-                    <a:bodyPr/>
-                    <a:lstStyle/>
-                    <a:p>
-                      <a:pPr>
-                        <a:defRPr sz="1400">
-                          <a:solidFill>
-                            <a:srgbClr val="000000"/>
-                          </a:solidFill>
-                        </a:defRPr>
-                      </a:pPr>
-                      <a:r>
-                        <a:t>Easy</a:t>
-                      </a:r>
-                    </a:p>
-                  </a:txBody>
-                  <a:tcPr/>
-                </a:tc>
-              </a:tr>
-            </a:tbl>
-          </a:graphicData>
-        </a:graphic>
-      </p:graphicFrame>
+              <a:t>What We're Building</a:t>
+            </a:r>
+          </a:p>
+        </p:txBody>
+      </p:sp>
+      <p:sp>
+        <p:nvSpPr>
+          <p:cNvPr id="4" name="TextBox 3"/>
+          <p:cNvSpPr txBox="1"/>
+          <p:nvPr/>
+        </p:nvSpPr>
+        <p:spPr>
+          <a:xfrm>
+            <a:off x="457200" y="1371600"/>
+            <a:ext cx="11277295" cy="5029200"/>
+          </a:xfrm>
+          <a:prstGeom prst="rect">
+            <a:avLst/>
+          </a:prstGeom>
+          <a:noFill/>
+        </p:spPr>
+        <p:txBody>
+          <a:bodyPr wrap="square">
+            <a:spAutoFit/>
+          </a:bodyPr>
+          <a:lstStyle/>
+          <a:p>
+            <a:pPr>
+              <a:defRPr sz="1800">
+                <a:solidFill>
+                  <a:srgbClr val="212121"/>
+                </a:solidFill>
+                <a:latin typeface="Consolas"/>
+              </a:defRPr>
+            </a:pPr>
+            <a:r>
+              <a:t>A movie review app where you can:</a:t>
+            </a:r>
+            <a:br/>
+            <a:br/>
+            <a:r>
+              <a:t>• Browse movies</a:t>
+            </a:r>
+            <a:br/>
+            <a:r>
+              <a:t>• View movie details</a:t>
+            </a:r>
+            <a:br/>
+            <a:r>
+              <a:t>• Write reviews</a:t>
+            </a:r>
+            <a:br/>
+            <a:r>
+              <a:t>• Rate movies 1-5 stars</a:t>
+            </a:r>
+            <a:br/>
+            <a:r>
+              <a:t>• Search for movies</a:t>
+            </a:r>
+            <a:br/>
+            <a:r>
+              <a:t>• See Top 5 highest-rated movies</a:t>
+            </a:r>
+          </a:p>
+        </p:txBody>
+      </p:sp>
+      <p:sp>
+        <p:nvSpPr>
+          <p:cNvPr id="5" name="TextBox 4"/>
+          <p:cNvSpPr txBox="1"/>
+          <p:nvPr/>
+        </p:nvSpPr>
+        <p:spPr>
+          <a:xfrm>
+            <a:off x="11247120" y="6217920"/>
+            <a:ext cx="731520" cy="457200"/>
+          </a:xfrm>
+          <a:prstGeom prst="rect">
+            <a:avLst/>
+          </a:prstGeom>
+          <a:noFill/>
+        </p:spPr>
+        <p:txBody>
+          <a:bodyPr wrap="none">
+            <a:spAutoFit/>
+          </a:bodyPr>
+          <a:lstStyle/>
+          <a:p>
+            <a:pPr>
+              <a:defRPr sz="2800" b="1">
+                <a:solidFill>
+                  <a:srgbClr val="A100FF"/>
+                </a:solidFill>
+              </a:defRPr>
+            </a:pPr>
+            <a:r>
+              <a:t>&gt;</a:t>
+            </a:r>
+          </a:p>
+        </p:txBody>
+      </p:sp>
     </p:spTree>
   </p:cSld>
   <p:clrMapOvr>
@@ -5786,17 +5501,9 @@
 </p:sld>
 </file>
 
-<file path=ppt/slides/slide9.xml><?xml version="1.0" encoding="utf-8"?>
+<file path=ppt/slides/slide20.xml><?xml version="1.0" encoding="utf-8"?>
 <p:sld xmlns:a="http://schemas.openxmlformats.org/drawingml/2006/main" xmlns:p="http://schemas.openxmlformats.org/presentationml/2006/main" xmlns:r="http://schemas.openxmlformats.org/officeDocument/2006/relationships">
   <p:cSld>
-    <p:bg>
-      <p:bgPr>
-        <a:solidFill>
-          <a:srgbClr val="FFFFFF"/>
-        </a:solidFill>
-        <a:effectLst/>
-      </p:bgPr>
-    </p:bg>
     <p:spTree>
       <p:nvGrpSpPr>
         <p:cNvPr id="1" name=""/>
@@ -5813,7 +5520,7 @@
         <p:spPr>
           <a:xfrm>
             <a:off x="0" y="0"/>
-            <a:ext cx="9144000" cy="1097280"/>
+            <a:ext cx="12191695" cy="1097280"/>
           </a:xfrm>
           <a:prstGeom prst="rect">
             <a:avLst/>
@@ -5856,7 +5563,7 @@
         <p:spPr>
           <a:xfrm>
             <a:off x="457200" y="274320"/>
-            <a:ext cx="8229600" cy="731520"/>
+            <a:ext cx="11277295" cy="731520"/>
           </a:xfrm>
           <a:prstGeom prst="rect">
             <a:avLst/>
@@ -5877,27 +5584,150 @@
               </a:defRPr>
             </a:pPr>
             <a:r>
-              <a:t>Python Basics Refresher</a:t>
-            </a:r>
-          </a:p>
-        </p:txBody>
-      </p:sp>
-      <p:sp>
-        <p:nvSpPr>
-          <p:cNvPr id="4" name="Rounded Rectangle 3"/>
+              <a:t>Challenge 4 - Calculate Average Rating</a:t>
+            </a:r>
+          </a:p>
+        </p:txBody>
+      </p:sp>
+      <p:sp>
+        <p:nvSpPr>
+          <p:cNvPr id="4" name="TextBox 3"/>
+          <p:cNvSpPr txBox="1"/>
+          <p:nvPr/>
+        </p:nvSpPr>
+        <p:spPr>
+          <a:xfrm>
+            <a:off x="457200" y="1371600"/>
+            <a:ext cx="11277295" cy="5029200"/>
+          </a:xfrm>
+          <a:prstGeom prst="rect">
+            <a:avLst/>
+          </a:prstGeom>
+          <a:noFill/>
+        </p:spPr>
+        <p:txBody>
+          <a:bodyPr wrap="square">
+            <a:spAutoFit/>
+          </a:bodyPr>
+          <a:lstStyle/>
+          <a:p>
+            <a:pPr>
+              <a:defRPr sz="1800">
+                <a:solidFill>
+                  <a:srgbClr val="212121"/>
+                </a:solidFill>
+                <a:latin typeface="Consolas"/>
+              </a:defRPr>
+            </a:pPr>
+            <a:r>
+              <a:t>Goal: Show the average star rating from all reviews.</a:t>
+            </a:r>
+            <a:br/>
+            <a:br/>
+            <a:r>
+              <a:t>def get_average_rating(movie_id):</a:t>
+            </a:r>
+            <a:br/>
+            <a:r>
+              <a:t>    # TODO: Your code here!</a:t>
+            </a:r>
+            <a:br/>
+            <a:r>
+              <a:t>    return 0</a:t>
+            </a:r>
+            <a:br/>
+            <a:br/>
+            <a:r>
+              <a:t>What you need to do:</a:t>
+            </a:r>
+            <a:br/>
+            <a:r>
+              <a:t>1. Get the movie and its reviews</a:t>
+            </a:r>
+            <a:br/>
+            <a:r>
+              <a:t>2. Add up all the ratings</a:t>
+            </a:r>
+            <a:br/>
+            <a:r>
+              <a:t>3. Divide by the number of reviews</a:t>
+            </a:r>
+            <a:br/>
+            <a:r>
+              <a:t>4. Return the average</a:t>
+            </a:r>
+          </a:p>
+        </p:txBody>
+      </p:sp>
+      <p:sp>
+        <p:nvSpPr>
+          <p:cNvPr id="5" name="TextBox 4"/>
+          <p:cNvSpPr txBox="1"/>
+          <p:nvPr/>
+        </p:nvSpPr>
+        <p:spPr>
+          <a:xfrm>
+            <a:off x="11247120" y="6217920"/>
+            <a:ext cx="731520" cy="457200"/>
+          </a:xfrm>
+          <a:prstGeom prst="rect">
+            <a:avLst/>
+          </a:prstGeom>
+          <a:noFill/>
+        </p:spPr>
+        <p:txBody>
+          <a:bodyPr wrap="none">
+            <a:spAutoFit/>
+          </a:bodyPr>
+          <a:lstStyle/>
+          <a:p>
+            <a:pPr>
+              <a:defRPr sz="2800" b="1">
+                <a:solidFill>
+                  <a:srgbClr val="A100FF"/>
+                </a:solidFill>
+              </a:defRPr>
+            </a:pPr>
+            <a:r>
+              <a:t>&gt;</a:t>
+            </a:r>
+          </a:p>
+        </p:txBody>
+      </p:sp>
+    </p:spTree>
+  </p:cSld>
+  <p:clrMapOvr>
+    <a:masterClrMapping/>
+  </p:clrMapOvr>
+</p:sld>
+</file>
+
+<file path=ppt/slides/slide21.xml><?xml version="1.0" encoding="utf-8"?>
+<p:sld xmlns:a="http://schemas.openxmlformats.org/drawingml/2006/main" xmlns:p="http://schemas.openxmlformats.org/presentationml/2006/main" xmlns:r="http://schemas.openxmlformats.org/officeDocument/2006/relationships">
+  <p:cSld>
+    <p:spTree>
+      <p:nvGrpSpPr>
+        <p:cNvPr id="1" name=""/>
+        <p:cNvGrpSpPr/>
+        <p:nvPr/>
+      </p:nvGrpSpPr>
+      <p:grpSpPr/>
+      <p:sp>
+        <p:nvSpPr>
+          <p:cNvPr id="2" name="Rectangle 1"/>
           <p:cNvSpPr/>
           <p:nvPr/>
         </p:nvSpPr>
         <p:spPr>
           <a:xfrm>
-            <a:off x="457200" y="1371600"/>
-            <a:ext cx="8229600" cy="4114800"/>
-          </a:xfrm>
-          <a:prstGeom prst="roundRect">
+            <a:off x="0" y="0"/>
+            <a:ext cx="12191695" cy="1097280"/>
+          </a:xfrm>
+          <a:prstGeom prst="rect">
             <a:avLst/>
           </a:prstGeom>
           <a:solidFill>
-            <a:srgbClr val="1E1E1E"/>
+            <a:srgbClr val="A100FF"/>
           </a:solidFill>
           <a:ln>
             <a:noFill/>
@@ -5927,14 +5757,49 @@
       </p:sp>
       <p:sp>
         <p:nvSpPr>
-          <p:cNvPr id="5" name="TextBox 4"/>
+          <p:cNvPr id="3" name="TextBox 2"/>
           <p:cNvSpPr txBox="1"/>
           <p:nvPr/>
         </p:nvSpPr>
         <p:spPr>
           <a:xfrm>
-            <a:off x="640080" y="1554480"/>
-            <a:ext cx="7863840" cy="3840480"/>
+            <a:off x="457200" y="274320"/>
+            <a:ext cx="11277295" cy="731520"/>
+          </a:xfrm>
+          <a:prstGeom prst="rect">
+            <a:avLst/>
+          </a:prstGeom>
+          <a:noFill/>
+        </p:spPr>
+        <p:txBody>
+          <a:bodyPr wrap="none">
+            <a:spAutoFit/>
+          </a:bodyPr>
+          <a:lstStyle/>
+          <a:p>
+            <a:pPr>
+              <a:defRPr sz="3200" b="1">
+                <a:solidFill>
+                  <a:srgbClr val="FFFFFF"/>
+                </a:solidFill>
+              </a:defRPr>
+            </a:pPr>
+            <a:r>
+              <a:t>Challenge 5 - Search Movies</a:t>
+            </a:r>
+          </a:p>
+        </p:txBody>
+      </p:sp>
+      <p:sp>
+        <p:nvSpPr>
+          <p:cNvPr id="4" name="TextBox 3"/>
+          <p:cNvSpPr txBox="1"/>
+          <p:nvPr/>
+        </p:nvSpPr>
+        <p:spPr>
+          <a:xfrm>
+            <a:off x="457200" y="1371600"/>
+            <a:ext cx="11277295" cy="5029200"/>
           </a:xfrm>
           <a:prstGeom prst="rect">
             <a:avLst/>
@@ -5948,15 +5813,2182 @@
           <a:lstStyle/>
           <a:p>
             <a:pPr>
-              <a:defRPr sz="1600">
-                <a:solidFill>
-                  <a:srgbClr val="DCDCDC"/>
-                </a:solidFill>
-                <a:latin typeface="Courier New"/>
+              <a:defRPr sz="1800">
+                <a:solidFill>
+                  <a:srgbClr val="212121"/>
+                </a:solidFill>
+                <a:latin typeface="Consolas"/>
               </a:defRPr>
             </a:pPr>
             <a:r>
-              <a:t># Variables</a:t>
+              <a:t>Goal: Make the search bar work!</a:t>
+            </a:r>
+            <a:br/>
+            <a:br/>
+            <a:r>
+              <a:t>def search_movies(query):</a:t>
+            </a:r>
+            <a:br/>
+            <a:r>
+              <a:t>    # TODO: Your code here!</a:t>
+            </a:r>
+            <a:br/>
+            <a:r>
+              <a:t>    return load_movies()</a:t>
+            </a:r>
+            <a:br/>
+            <a:br/>
+            <a:r>
+              <a:t>What you need to do:</a:t>
+            </a:r>
+            <a:br/>
+            <a:r>
+              <a:t>1. Get all movies</a:t>
+            </a:r>
+            <a:br/>
+            <a:r>
+              <a:t>2. Loop through and check if the title contains the search term</a:t>
+            </a:r>
+            <a:br/>
+            <a:r>
+              <a:t>3. Return only the matching movies</a:t>
+            </a:r>
+          </a:p>
+        </p:txBody>
+      </p:sp>
+      <p:sp>
+        <p:nvSpPr>
+          <p:cNvPr id="5" name="TextBox 4"/>
+          <p:cNvSpPr txBox="1"/>
+          <p:nvPr/>
+        </p:nvSpPr>
+        <p:spPr>
+          <a:xfrm>
+            <a:off x="11247120" y="6217920"/>
+            <a:ext cx="731520" cy="457200"/>
+          </a:xfrm>
+          <a:prstGeom prst="rect">
+            <a:avLst/>
+          </a:prstGeom>
+          <a:noFill/>
+        </p:spPr>
+        <p:txBody>
+          <a:bodyPr wrap="none">
+            <a:spAutoFit/>
+          </a:bodyPr>
+          <a:lstStyle/>
+          <a:p>
+            <a:pPr>
+              <a:defRPr sz="2800" b="1">
+                <a:solidFill>
+                  <a:srgbClr val="A100FF"/>
+                </a:solidFill>
+              </a:defRPr>
+            </a:pPr>
+            <a:r>
+              <a:t>&gt;</a:t>
+            </a:r>
+          </a:p>
+        </p:txBody>
+      </p:sp>
+    </p:spTree>
+  </p:cSld>
+  <p:clrMapOvr>
+    <a:masterClrMapping/>
+  </p:clrMapOvr>
+</p:sld>
+</file>
+
+<file path=ppt/slides/slide22.xml><?xml version="1.0" encoding="utf-8"?>
+<p:sld xmlns:a="http://schemas.openxmlformats.org/drawingml/2006/main" xmlns:p="http://schemas.openxmlformats.org/presentationml/2006/main" xmlns:r="http://schemas.openxmlformats.org/officeDocument/2006/relationships">
+  <p:cSld>
+    <p:spTree>
+      <p:nvGrpSpPr>
+        <p:cNvPr id="1" name=""/>
+        <p:cNvGrpSpPr/>
+        <p:nvPr/>
+      </p:nvGrpSpPr>
+      <p:grpSpPr/>
+      <p:sp>
+        <p:nvSpPr>
+          <p:cNvPr id="2" name="Rectangle 1"/>
+          <p:cNvSpPr/>
+          <p:nvPr/>
+        </p:nvSpPr>
+        <p:spPr>
+          <a:xfrm>
+            <a:off x="0" y="0"/>
+            <a:ext cx="12191695" cy="1097280"/>
+          </a:xfrm>
+          <a:prstGeom prst="rect">
+            <a:avLst/>
+          </a:prstGeom>
+          <a:solidFill>
+            <a:srgbClr val="A100FF"/>
+          </a:solidFill>
+          <a:ln>
+            <a:noFill/>
+          </a:ln>
+        </p:spPr>
+        <p:style>
+          <a:lnRef idx="1">
+            <a:schemeClr val="accent1"/>
+          </a:lnRef>
+          <a:fillRef idx="3">
+            <a:schemeClr val="accent1"/>
+          </a:fillRef>
+          <a:effectRef idx="2">
+            <a:schemeClr val="accent1"/>
+          </a:effectRef>
+          <a:fontRef idx="minor">
+            <a:schemeClr val="lt1"/>
+          </a:fontRef>
+        </p:style>
+        <p:txBody>
+          <a:bodyPr rtlCol="0" anchor="ctr"/>
+          <a:lstStyle/>
+          <a:p>
+            <a:pPr algn="ctr"/>
+          </a:p>
+        </p:txBody>
+      </p:sp>
+      <p:sp>
+        <p:nvSpPr>
+          <p:cNvPr id="3" name="TextBox 2"/>
+          <p:cNvSpPr txBox="1"/>
+          <p:nvPr/>
+        </p:nvSpPr>
+        <p:spPr>
+          <a:xfrm>
+            <a:off x="457200" y="274320"/>
+            <a:ext cx="11277295" cy="731520"/>
+          </a:xfrm>
+          <a:prstGeom prst="rect">
+            <a:avLst/>
+          </a:prstGeom>
+          <a:noFill/>
+        </p:spPr>
+        <p:txBody>
+          <a:bodyPr wrap="none">
+            <a:spAutoFit/>
+          </a:bodyPr>
+          <a:lstStyle/>
+          <a:p>
+            <a:pPr>
+              <a:defRPr sz="3200" b="1">
+                <a:solidFill>
+                  <a:srgbClr val="FFFFFF"/>
+                </a:solidFill>
+              </a:defRPr>
+            </a:pPr>
+            <a:r>
+              <a:t>Challenge 6 - Top 5 Highest Rated</a:t>
+            </a:r>
+          </a:p>
+        </p:txBody>
+      </p:sp>
+      <p:sp>
+        <p:nvSpPr>
+          <p:cNvPr id="4" name="TextBox 3"/>
+          <p:cNvSpPr txBox="1"/>
+          <p:nvPr/>
+        </p:nvSpPr>
+        <p:spPr>
+          <a:xfrm>
+            <a:off x="457200" y="1371600"/>
+            <a:ext cx="11277295" cy="5029200"/>
+          </a:xfrm>
+          <a:prstGeom prst="rect">
+            <a:avLst/>
+          </a:prstGeom>
+          <a:noFill/>
+        </p:spPr>
+        <p:txBody>
+          <a:bodyPr wrap="square">
+            <a:spAutoFit/>
+          </a:bodyPr>
+          <a:lstStyle/>
+          <a:p>
+            <a:pPr>
+              <a:defRPr sz="1800">
+                <a:solidFill>
+                  <a:srgbClr val="212121"/>
+                </a:solidFill>
+                <a:latin typeface="Consolas"/>
+              </a:defRPr>
+            </a:pPr>
+            <a:r>
+              <a:t>Goal: Show the 5 movies with the best ratings!</a:t>
+            </a:r>
+            <a:br/>
+            <a:br/>
+            <a:r>
+              <a:t>def get_top_rated_movies(limit=5):</a:t>
+            </a:r>
+            <a:br/>
+            <a:r>
+              <a:t>    # TODO: Your code here!</a:t>
+            </a:r>
+            <a:br/>
+            <a:r>
+              <a:t>    return []</a:t>
+            </a:r>
+            <a:br/>
+            <a:br/>
+            <a:r>
+              <a:t>What you need to do:</a:t>
+            </a:r>
+            <a:br/>
+            <a:r>
+              <a:t>1. Get all movies</a:t>
+            </a:r>
+            <a:br/>
+            <a:r>
+              <a:t>2. Find movies that have reviews</a:t>
+            </a:r>
+            <a:br/>
+            <a:r>
+              <a:t>3. Sort them by rating (highest first)</a:t>
+            </a:r>
+            <a:br/>
+            <a:r>
+              <a:t>4. Return the top 5</a:t>
+            </a:r>
+          </a:p>
+        </p:txBody>
+      </p:sp>
+      <p:sp>
+        <p:nvSpPr>
+          <p:cNvPr id="5" name="TextBox 4"/>
+          <p:cNvSpPr txBox="1"/>
+          <p:nvPr/>
+        </p:nvSpPr>
+        <p:spPr>
+          <a:xfrm>
+            <a:off x="11247120" y="6217920"/>
+            <a:ext cx="731520" cy="457200"/>
+          </a:xfrm>
+          <a:prstGeom prst="rect">
+            <a:avLst/>
+          </a:prstGeom>
+          <a:noFill/>
+        </p:spPr>
+        <p:txBody>
+          <a:bodyPr wrap="none">
+            <a:spAutoFit/>
+          </a:bodyPr>
+          <a:lstStyle/>
+          <a:p>
+            <a:pPr>
+              <a:defRPr sz="2800" b="1">
+                <a:solidFill>
+                  <a:srgbClr val="A100FF"/>
+                </a:solidFill>
+              </a:defRPr>
+            </a:pPr>
+            <a:r>
+              <a:t>&gt;</a:t>
+            </a:r>
+          </a:p>
+        </p:txBody>
+      </p:sp>
+    </p:spTree>
+  </p:cSld>
+  <p:clrMapOvr>
+    <a:masterClrMapping/>
+  </p:clrMapOvr>
+</p:sld>
+</file>
+
+<file path=ppt/slides/slide23.xml><?xml version="1.0" encoding="utf-8"?>
+<p:sld xmlns:a="http://schemas.openxmlformats.org/drawingml/2006/main" xmlns:p="http://schemas.openxmlformats.org/presentationml/2006/main" xmlns:r="http://schemas.openxmlformats.org/officeDocument/2006/relationships">
+  <p:cSld>
+    <p:spTree>
+      <p:nvGrpSpPr>
+        <p:cNvPr id="1" name=""/>
+        <p:cNvGrpSpPr/>
+        <p:nvPr/>
+      </p:nvGrpSpPr>
+      <p:grpSpPr/>
+      <p:sp>
+        <p:nvSpPr>
+          <p:cNvPr id="2" name="Rectangle 1"/>
+          <p:cNvSpPr/>
+          <p:nvPr/>
+        </p:nvSpPr>
+        <p:spPr>
+          <a:xfrm>
+            <a:off x="0" y="0"/>
+            <a:ext cx="12191695" cy="1097280"/>
+          </a:xfrm>
+          <a:prstGeom prst="rect">
+            <a:avLst/>
+          </a:prstGeom>
+          <a:solidFill>
+            <a:srgbClr val="A100FF"/>
+          </a:solidFill>
+          <a:ln>
+            <a:noFill/>
+          </a:ln>
+        </p:spPr>
+        <p:style>
+          <a:lnRef idx="1">
+            <a:schemeClr val="accent1"/>
+          </a:lnRef>
+          <a:fillRef idx="3">
+            <a:schemeClr val="accent1"/>
+          </a:fillRef>
+          <a:effectRef idx="2">
+            <a:schemeClr val="accent1"/>
+          </a:effectRef>
+          <a:fontRef idx="minor">
+            <a:schemeClr val="lt1"/>
+          </a:fontRef>
+        </p:style>
+        <p:txBody>
+          <a:bodyPr rtlCol="0" anchor="ctr"/>
+          <a:lstStyle/>
+          <a:p>
+            <a:pPr algn="ctr"/>
+          </a:p>
+        </p:txBody>
+      </p:sp>
+      <p:sp>
+        <p:nvSpPr>
+          <p:cNvPr id="3" name="TextBox 2"/>
+          <p:cNvSpPr txBox="1"/>
+          <p:nvPr/>
+        </p:nvSpPr>
+        <p:spPr>
+          <a:xfrm>
+            <a:off x="457200" y="274320"/>
+            <a:ext cx="11277295" cy="731520"/>
+          </a:xfrm>
+          <a:prstGeom prst="rect">
+            <a:avLst/>
+          </a:prstGeom>
+          <a:noFill/>
+        </p:spPr>
+        <p:txBody>
+          <a:bodyPr wrap="none">
+            <a:spAutoFit/>
+          </a:bodyPr>
+          <a:lstStyle/>
+          <a:p>
+            <a:pPr>
+              <a:defRPr sz="3200" b="1">
+                <a:solidFill>
+                  <a:srgbClr val="FFFFFF"/>
+                </a:solidFill>
+              </a:defRPr>
+            </a:pPr>
+            <a:r>
+              <a:t>The Challenge Pattern</a:t>
+            </a:r>
+          </a:p>
+        </p:txBody>
+      </p:sp>
+      <p:sp>
+        <p:nvSpPr>
+          <p:cNvPr id="4" name="TextBox 3"/>
+          <p:cNvSpPr txBox="1"/>
+          <p:nvPr/>
+        </p:nvSpPr>
+        <p:spPr>
+          <a:xfrm>
+            <a:off x="457200" y="1371600"/>
+            <a:ext cx="11277295" cy="5029200"/>
+          </a:xfrm>
+          <a:prstGeom prst="rect">
+            <a:avLst/>
+          </a:prstGeom>
+          <a:noFill/>
+        </p:spPr>
+        <p:txBody>
+          <a:bodyPr wrap="square">
+            <a:spAutoFit/>
+          </a:bodyPr>
+          <a:lstStyle/>
+          <a:p>
+            <a:pPr>
+              <a:defRPr sz="1800">
+                <a:solidFill>
+                  <a:srgbClr val="212121"/>
+                </a:solidFill>
+                <a:latin typeface="Consolas"/>
+              </a:defRPr>
+            </a:pPr>
+            <a:r>
+              <a:t>Most challenges follow this pattern:</a:t>
+            </a:r>
+            <a:br/>
+            <a:br/>
+            <a:r>
+              <a:t>def function_name(input):</a:t>
+            </a:r>
+            <a:br/>
+            <a:r>
+              <a:t>    # 1. Get the data you need</a:t>
+            </a:r>
+            <a:br/>
+            <a:r>
+              <a:t>    movies = load_movies()</a:t>
+            </a:r>
+            <a:br/>
+            <a:br/>
+            <a:r>
+              <a:t>    # 2. Loop through items</a:t>
+            </a:r>
+            <a:br/>
+            <a:r>
+              <a:t>    for movie in movies:</a:t>
+            </a:r>
+            <a:br/>
+            <a:r>
+              <a:t>        # 3. Check a condition</a:t>
+            </a:r>
+            <a:br/>
+            <a:r>
+              <a:t>        if movie["id"] == input:</a:t>
+            </a:r>
+            <a:br/>
+            <a:r>
+              <a:t>            # 4. Return a result</a:t>
+            </a:r>
+            <a:br/>
+            <a:r>
+              <a:t>            return movie</a:t>
+            </a:r>
+            <a:br/>
+            <a:br/>
+            <a:r>
+              <a:t>    # 5. Handle "not found" case</a:t>
+            </a:r>
+            <a:br/>
+            <a:r>
+              <a:t>    return None</a:t>
+            </a:r>
+          </a:p>
+        </p:txBody>
+      </p:sp>
+      <p:sp>
+        <p:nvSpPr>
+          <p:cNvPr id="5" name="TextBox 4"/>
+          <p:cNvSpPr txBox="1"/>
+          <p:nvPr/>
+        </p:nvSpPr>
+        <p:spPr>
+          <a:xfrm>
+            <a:off x="11247120" y="6217920"/>
+            <a:ext cx="731520" cy="457200"/>
+          </a:xfrm>
+          <a:prstGeom prst="rect">
+            <a:avLst/>
+          </a:prstGeom>
+          <a:noFill/>
+        </p:spPr>
+        <p:txBody>
+          <a:bodyPr wrap="none">
+            <a:spAutoFit/>
+          </a:bodyPr>
+          <a:lstStyle/>
+          <a:p>
+            <a:pPr>
+              <a:defRPr sz="2800" b="1">
+                <a:solidFill>
+                  <a:srgbClr val="A100FF"/>
+                </a:solidFill>
+              </a:defRPr>
+            </a:pPr>
+            <a:r>
+              <a:t>&gt;</a:t>
+            </a:r>
+          </a:p>
+        </p:txBody>
+      </p:sp>
+    </p:spTree>
+  </p:cSld>
+  <p:clrMapOvr>
+    <a:masterClrMapping/>
+  </p:clrMapOvr>
+</p:sld>
+</file>
+
+<file path=ppt/slides/slide24.xml><?xml version="1.0" encoding="utf-8"?>
+<p:sld xmlns:a="http://schemas.openxmlformats.org/drawingml/2006/main" xmlns:p="http://schemas.openxmlformats.org/presentationml/2006/main" xmlns:r="http://schemas.openxmlformats.org/officeDocument/2006/relationships">
+  <p:cSld>
+    <p:spTree>
+      <p:nvGrpSpPr>
+        <p:cNvPr id="1" name=""/>
+        <p:cNvGrpSpPr/>
+        <p:nvPr/>
+      </p:nvGrpSpPr>
+      <p:grpSpPr/>
+      <p:sp>
+        <p:nvSpPr>
+          <p:cNvPr id="2" name="Rectangle 1"/>
+          <p:cNvSpPr/>
+          <p:nvPr/>
+        </p:nvSpPr>
+        <p:spPr>
+          <a:xfrm>
+            <a:off x="0" y="0"/>
+            <a:ext cx="12191695" cy="1097280"/>
+          </a:xfrm>
+          <a:prstGeom prst="rect">
+            <a:avLst/>
+          </a:prstGeom>
+          <a:solidFill>
+            <a:srgbClr val="A100FF"/>
+          </a:solidFill>
+          <a:ln>
+            <a:noFill/>
+          </a:ln>
+        </p:spPr>
+        <p:style>
+          <a:lnRef idx="1">
+            <a:schemeClr val="accent1"/>
+          </a:lnRef>
+          <a:fillRef idx="3">
+            <a:schemeClr val="accent1"/>
+          </a:fillRef>
+          <a:effectRef idx="2">
+            <a:schemeClr val="accent1"/>
+          </a:effectRef>
+          <a:fontRef idx="minor">
+            <a:schemeClr val="lt1"/>
+          </a:fontRef>
+        </p:style>
+        <p:txBody>
+          <a:bodyPr rtlCol="0" anchor="ctr"/>
+          <a:lstStyle/>
+          <a:p>
+            <a:pPr algn="ctr"/>
+          </a:p>
+        </p:txBody>
+      </p:sp>
+      <p:sp>
+        <p:nvSpPr>
+          <p:cNvPr id="3" name="TextBox 2"/>
+          <p:cNvSpPr txBox="1"/>
+          <p:nvPr/>
+        </p:nvSpPr>
+        <p:spPr>
+          <a:xfrm>
+            <a:off x="457200" y="274320"/>
+            <a:ext cx="11277295" cy="731520"/>
+          </a:xfrm>
+          <a:prstGeom prst="rect">
+            <a:avLst/>
+          </a:prstGeom>
+          <a:noFill/>
+        </p:spPr>
+        <p:txBody>
+          <a:bodyPr wrap="none">
+            <a:spAutoFit/>
+          </a:bodyPr>
+          <a:lstStyle/>
+          <a:p>
+            <a:pPr>
+              <a:defRPr sz="3200" b="1">
+                <a:solidFill>
+                  <a:srgbClr val="FFFFFF"/>
+                </a:solidFill>
+              </a:defRPr>
+            </a:pPr>
+            <a:r>
+              <a:t>Tips for Success</a:t>
+            </a:r>
+          </a:p>
+        </p:txBody>
+      </p:sp>
+      <p:sp>
+        <p:nvSpPr>
+          <p:cNvPr id="4" name="TextBox 3"/>
+          <p:cNvSpPr txBox="1"/>
+          <p:nvPr/>
+        </p:nvSpPr>
+        <p:spPr>
+          <a:xfrm>
+            <a:off x="457200" y="1371600"/>
+            <a:ext cx="11277295" cy="5029200"/>
+          </a:xfrm>
+          <a:prstGeom prst="rect">
+            <a:avLst/>
+          </a:prstGeom>
+          <a:noFill/>
+        </p:spPr>
+        <p:txBody>
+          <a:bodyPr wrap="square">
+            <a:spAutoFit/>
+          </a:bodyPr>
+          <a:lstStyle/>
+          <a:p>
+            <a:pPr>
+              <a:defRPr sz="1800">
+                <a:solidFill>
+                  <a:srgbClr val="212121"/>
+                </a:solidFill>
+                <a:latin typeface="Consolas"/>
+              </a:defRPr>
+            </a:pPr>
+            <a:r>
+              <a:t>• Read the hints - They're in STUDENT_CHALLENGES.md!</a:t>
+            </a:r>
+            <a:br/>
+            <a:br/>
+            <a:r>
+              <a:t>• Test often - Save → Check browser</a:t>
+            </a:r>
+            <a:br/>
+            <a:br/>
+            <a:r>
+              <a:t>• Use print() - Add print(variable) to see values</a:t>
+            </a:r>
+            <a:br/>
+            <a:br/>
+            <a:r>
+              <a:t>• Ask mentors - That's what they're here for</a:t>
+            </a:r>
+            <a:br/>
+            <a:br/>
+            <a:r>
+              <a:t>• Help each other - Teaching helps you learn</a:t>
+            </a:r>
+          </a:p>
+        </p:txBody>
+      </p:sp>
+      <p:sp>
+        <p:nvSpPr>
+          <p:cNvPr id="5" name="TextBox 4"/>
+          <p:cNvSpPr txBox="1"/>
+          <p:nvPr/>
+        </p:nvSpPr>
+        <p:spPr>
+          <a:xfrm>
+            <a:off x="11247120" y="6217920"/>
+            <a:ext cx="731520" cy="457200"/>
+          </a:xfrm>
+          <a:prstGeom prst="rect">
+            <a:avLst/>
+          </a:prstGeom>
+          <a:noFill/>
+        </p:spPr>
+        <p:txBody>
+          <a:bodyPr wrap="none">
+            <a:spAutoFit/>
+          </a:bodyPr>
+          <a:lstStyle/>
+          <a:p>
+            <a:pPr>
+              <a:defRPr sz="2800" b="1">
+                <a:solidFill>
+                  <a:srgbClr val="A100FF"/>
+                </a:solidFill>
+              </a:defRPr>
+            </a:pPr>
+            <a:r>
+              <a:t>&gt;</a:t>
+            </a:r>
+          </a:p>
+        </p:txBody>
+      </p:sp>
+    </p:spTree>
+  </p:cSld>
+  <p:clrMapOvr>
+    <a:masterClrMapping/>
+  </p:clrMapOvr>
+</p:sld>
+</file>
+
+<file path=ppt/slides/slide25.xml><?xml version="1.0" encoding="utf-8"?>
+<p:sld xmlns:a="http://schemas.openxmlformats.org/drawingml/2006/main" xmlns:p="http://schemas.openxmlformats.org/presentationml/2006/main" xmlns:r="http://schemas.openxmlformats.org/officeDocument/2006/relationships">
+  <p:cSld>
+    <p:spTree>
+      <p:nvGrpSpPr>
+        <p:cNvPr id="1" name=""/>
+        <p:cNvGrpSpPr/>
+        <p:nvPr/>
+      </p:nvGrpSpPr>
+      <p:grpSpPr/>
+      <p:sp>
+        <p:nvSpPr>
+          <p:cNvPr id="2" name="Rectangle 1"/>
+          <p:cNvSpPr/>
+          <p:nvPr/>
+        </p:nvSpPr>
+        <p:spPr>
+          <a:xfrm>
+            <a:off x="0" y="0"/>
+            <a:ext cx="12191695" cy="1097280"/>
+          </a:xfrm>
+          <a:prstGeom prst="rect">
+            <a:avLst/>
+          </a:prstGeom>
+          <a:solidFill>
+            <a:srgbClr val="A100FF"/>
+          </a:solidFill>
+          <a:ln>
+            <a:noFill/>
+          </a:ln>
+        </p:spPr>
+        <p:style>
+          <a:lnRef idx="1">
+            <a:schemeClr val="accent1"/>
+          </a:lnRef>
+          <a:fillRef idx="3">
+            <a:schemeClr val="accent1"/>
+          </a:fillRef>
+          <a:effectRef idx="2">
+            <a:schemeClr val="accent1"/>
+          </a:effectRef>
+          <a:fontRef idx="minor">
+            <a:schemeClr val="lt1"/>
+          </a:fontRef>
+        </p:style>
+        <p:txBody>
+          <a:bodyPr rtlCol="0" anchor="ctr"/>
+          <a:lstStyle/>
+          <a:p>
+            <a:pPr algn="ctr"/>
+          </a:p>
+        </p:txBody>
+      </p:sp>
+      <p:sp>
+        <p:nvSpPr>
+          <p:cNvPr id="3" name="TextBox 2"/>
+          <p:cNvSpPr txBox="1"/>
+          <p:nvPr/>
+        </p:nvSpPr>
+        <p:spPr>
+          <a:xfrm>
+            <a:off x="457200" y="274320"/>
+            <a:ext cx="11277295" cy="731520"/>
+          </a:xfrm>
+          <a:prstGeom prst="rect">
+            <a:avLst/>
+          </a:prstGeom>
+          <a:noFill/>
+        </p:spPr>
+        <p:txBody>
+          <a:bodyPr wrap="none">
+            <a:spAutoFit/>
+          </a:bodyPr>
+          <a:lstStyle/>
+          <a:p>
+            <a:pPr>
+              <a:defRPr sz="3200" b="1">
+                <a:solidFill>
+                  <a:srgbClr val="FFFFFF"/>
+                </a:solidFill>
+              </a:defRPr>
+            </a:pPr>
+            <a:r>
+              <a:t>Common Mistakes to Avoid</a:t>
+            </a:r>
+          </a:p>
+        </p:txBody>
+      </p:sp>
+      <p:sp>
+        <p:nvSpPr>
+          <p:cNvPr id="4" name="TextBox 3"/>
+          <p:cNvSpPr txBox="1"/>
+          <p:nvPr/>
+        </p:nvSpPr>
+        <p:spPr>
+          <a:xfrm>
+            <a:off x="457200" y="1371600"/>
+            <a:ext cx="11277295" cy="5029200"/>
+          </a:xfrm>
+          <a:prstGeom prst="rect">
+            <a:avLst/>
+          </a:prstGeom>
+          <a:noFill/>
+        </p:spPr>
+        <p:txBody>
+          <a:bodyPr wrap="square">
+            <a:spAutoFit/>
+          </a:bodyPr>
+          <a:lstStyle/>
+          <a:p>
+            <a:pPr>
+              <a:defRPr sz="1800">
+                <a:solidFill>
+                  <a:srgbClr val="212121"/>
+                </a:solidFill>
+                <a:latin typeface="Consolas"/>
+              </a:defRPr>
+            </a:pPr>
+            <a:r>
+              <a:t># WRONG: Using = instead of ==</a:t>
+            </a:r>
+            <a:br/>
+            <a:r>
+              <a:t>if rating = 5:      # This assigns, doesn't compare!</a:t>
+            </a:r>
+            <a:br/>
+            <a:br/>
+            <a:r>
+              <a:t># RIGHT: Use == to compare</a:t>
+            </a:r>
+            <a:br/>
+            <a:r>
+              <a:t>if rating == 5:     # This checks if equal</a:t>
+            </a:r>
+            <a:br/>
+            <a:br/>
+            <a:br/>
+            <a:r>
+              <a:t># WRONG: Forgetting to return</a:t>
+            </a:r>
+            <a:br/>
+            <a:r>
+              <a:t>def get_movie(id):</a:t>
+            </a:r>
+            <a:br/>
+            <a:r>
+              <a:t>    for movie in movies:</a:t>
+            </a:r>
+            <a:br/>
+            <a:r>
+              <a:t>        if movie["id"] == id:</a:t>
+            </a:r>
+            <a:br/>
+            <a:r>
+              <a:t>            movie  # Oops! Nothing returned</a:t>
+            </a:r>
+            <a:br/>
+            <a:br/>
+            <a:r>
+              <a:t># RIGHT: Use return keyword</a:t>
+            </a:r>
+            <a:br/>
+            <a:r>
+              <a:t>def get_movie(id):</a:t>
+            </a:r>
+            <a:br/>
+            <a:r>
+              <a:t>    for movie in movies:</a:t>
+            </a:r>
+            <a:br/>
+            <a:r>
+              <a:t>        if movie["id"] == id:</a:t>
+            </a:r>
+            <a:br/>
+            <a:r>
+              <a:t>            return movie  # This sends it back!</a:t>
+            </a:r>
+          </a:p>
+        </p:txBody>
+      </p:sp>
+      <p:sp>
+        <p:nvSpPr>
+          <p:cNvPr id="5" name="TextBox 4"/>
+          <p:cNvSpPr txBox="1"/>
+          <p:nvPr/>
+        </p:nvSpPr>
+        <p:spPr>
+          <a:xfrm>
+            <a:off x="11247120" y="6217920"/>
+            <a:ext cx="731520" cy="457200"/>
+          </a:xfrm>
+          <a:prstGeom prst="rect">
+            <a:avLst/>
+          </a:prstGeom>
+          <a:noFill/>
+        </p:spPr>
+        <p:txBody>
+          <a:bodyPr wrap="none">
+            <a:spAutoFit/>
+          </a:bodyPr>
+          <a:lstStyle/>
+          <a:p>
+            <a:pPr>
+              <a:defRPr sz="2800" b="1">
+                <a:solidFill>
+                  <a:srgbClr val="A100FF"/>
+                </a:solidFill>
+              </a:defRPr>
+            </a:pPr>
+            <a:r>
+              <a:t>&gt;</a:t>
+            </a:r>
+          </a:p>
+        </p:txBody>
+      </p:sp>
+    </p:spTree>
+  </p:cSld>
+  <p:clrMapOvr>
+    <a:masterClrMapping/>
+  </p:clrMapOvr>
+</p:sld>
+</file>
+
+<file path=ppt/slides/slide26.xml><?xml version="1.0" encoding="utf-8"?>
+<p:sld xmlns:a="http://schemas.openxmlformats.org/drawingml/2006/main" xmlns:p="http://schemas.openxmlformats.org/presentationml/2006/main" xmlns:r="http://schemas.openxmlformats.org/officeDocument/2006/relationships">
+  <p:cSld>
+    <p:spTree>
+      <p:nvGrpSpPr>
+        <p:cNvPr id="1" name=""/>
+        <p:cNvGrpSpPr/>
+        <p:nvPr/>
+      </p:nvGrpSpPr>
+      <p:grpSpPr/>
+      <p:sp>
+        <p:nvSpPr>
+          <p:cNvPr id="2" name="Rectangle 1"/>
+          <p:cNvSpPr/>
+          <p:nvPr/>
+        </p:nvSpPr>
+        <p:spPr>
+          <a:xfrm>
+            <a:off x="0" y="0"/>
+            <a:ext cx="12191695" cy="1097280"/>
+          </a:xfrm>
+          <a:prstGeom prst="rect">
+            <a:avLst/>
+          </a:prstGeom>
+          <a:solidFill>
+            <a:srgbClr val="A100FF"/>
+          </a:solidFill>
+          <a:ln>
+            <a:noFill/>
+          </a:ln>
+        </p:spPr>
+        <p:style>
+          <a:lnRef idx="1">
+            <a:schemeClr val="accent1"/>
+          </a:lnRef>
+          <a:fillRef idx="3">
+            <a:schemeClr val="accent1"/>
+          </a:fillRef>
+          <a:effectRef idx="2">
+            <a:schemeClr val="accent1"/>
+          </a:effectRef>
+          <a:fontRef idx="minor">
+            <a:schemeClr val="lt1"/>
+          </a:fontRef>
+        </p:style>
+        <p:txBody>
+          <a:bodyPr rtlCol="0" anchor="ctr"/>
+          <a:lstStyle/>
+          <a:p>
+            <a:pPr algn="ctr"/>
+          </a:p>
+        </p:txBody>
+      </p:sp>
+      <p:sp>
+        <p:nvSpPr>
+          <p:cNvPr id="3" name="TextBox 2"/>
+          <p:cNvSpPr txBox="1"/>
+          <p:nvPr/>
+        </p:nvSpPr>
+        <p:spPr>
+          <a:xfrm>
+            <a:off x="457200" y="274320"/>
+            <a:ext cx="11277295" cy="731520"/>
+          </a:xfrm>
+          <a:prstGeom prst="rect">
+            <a:avLst/>
+          </a:prstGeom>
+          <a:noFill/>
+        </p:spPr>
+        <p:txBody>
+          <a:bodyPr wrap="none">
+            <a:spAutoFit/>
+          </a:bodyPr>
+          <a:lstStyle/>
+          <a:p>
+            <a:pPr>
+              <a:defRPr sz="3200" b="1">
+                <a:solidFill>
+                  <a:srgbClr val="FFFFFF"/>
+                </a:solidFill>
+              </a:defRPr>
+            </a:pPr>
+            <a:r>
+              <a:t>Let's Go!</a:t>
+            </a:r>
+          </a:p>
+        </p:txBody>
+      </p:sp>
+      <p:sp>
+        <p:nvSpPr>
+          <p:cNvPr id="4" name="TextBox 3"/>
+          <p:cNvSpPr txBox="1"/>
+          <p:nvPr/>
+        </p:nvSpPr>
+        <p:spPr>
+          <a:xfrm>
+            <a:off x="457200" y="1371600"/>
+            <a:ext cx="11277295" cy="5029200"/>
+          </a:xfrm>
+          <a:prstGeom prst="rect">
+            <a:avLst/>
+          </a:prstGeom>
+          <a:noFill/>
+        </p:spPr>
+        <p:txBody>
+          <a:bodyPr wrap="square">
+            <a:spAutoFit/>
+          </a:bodyPr>
+          <a:lstStyle/>
+          <a:p>
+            <a:pPr>
+              <a:defRPr sz="1800">
+                <a:solidFill>
+                  <a:srgbClr val="212121"/>
+                </a:solidFill>
+                <a:latin typeface="Consolas"/>
+              </a:defRPr>
+            </a:pPr>
+            <a:r>
+              <a:t>1. Open VS Code</a:t>
+            </a:r>
+            <a:br/>
+            <a:br/>
+            <a:r>
+              <a:t>2. Get set up with your mentor</a:t>
+            </a:r>
+            <a:br/>
+            <a:br/>
+            <a:r>
+              <a:t>3. Open database.py</a:t>
+            </a:r>
+            <a:br/>
+            <a:br/>
+            <a:r>
+              <a:t>4. Read Challenge 1 to understand the code</a:t>
+            </a:r>
+            <a:br/>
+            <a:br/>
+            <a:r>
+              <a:t>5. Start Challenge 2</a:t>
+            </a:r>
+            <a:br/>
+            <a:br/>
+            <a:r>
+              <a:t>6. Have fun building!</a:t>
+            </a:r>
+            <a:br/>
+            <a:br/>
+            <a:br/>
+            <a:r>
+              <a:t>Questions? Ask your mentor!</a:t>
+            </a:r>
+          </a:p>
+        </p:txBody>
+      </p:sp>
+      <p:sp>
+        <p:nvSpPr>
+          <p:cNvPr id="5" name="TextBox 4"/>
+          <p:cNvSpPr txBox="1"/>
+          <p:nvPr/>
+        </p:nvSpPr>
+        <p:spPr>
+          <a:xfrm>
+            <a:off x="11247120" y="6217920"/>
+            <a:ext cx="731520" cy="457200"/>
+          </a:xfrm>
+          <a:prstGeom prst="rect">
+            <a:avLst/>
+          </a:prstGeom>
+          <a:noFill/>
+        </p:spPr>
+        <p:txBody>
+          <a:bodyPr wrap="none">
+            <a:spAutoFit/>
+          </a:bodyPr>
+          <a:lstStyle/>
+          <a:p>
+            <a:pPr>
+              <a:defRPr sz="2800" b="1">
+                <a:solidFill>
+                  <a:srgbClr val="A100FF"/>
+                </a:solidFill>
+              </a:defRPr>
+            </a:pPr>
+            <a:r>
+              <a:t>&gt;</a:t>
+            </a:r>
+          </a:p>
+        </p:txBody>
+      </p:sp>
+    </p:spTree>
+  </p:cSld>
+  <p:clrMapOvr>
+    <a:masterClrMapping/>
+  </p:clrMapOvr>
+</p:sld>
+</file>
+
+<file path=ppt/slides/slide27.xml><?xml version="1.0" encoding="utf-8"?>
+<p:sld xmlns:a="http://schemas.openxmlformats.org/drawingml/2006/main" xmlns:p="http://schemas.openxmlformats.org/presentationml/2006/main" xmlns:r="http://schemas.openxmlformats.org/officeDocument/2006/relationships">
+  <p:cSld>
+    <p:spTree>
+      <p:nvGrpSpPr>
+        <p:cNvPr id="1" name=""/>
+        <p:cNvGrpSpPr/>
+        <p:nvPr/>
+      </p:nvGrpSpPr>
+      <p:grpSpPr/>
+      <p:sp>
+        <p:nvSpPr>
+          <p:cNvPr id="2" name="Rectangle 1"/>
+          <p:cNvSpPr/>
+          <p:nvPr/>
+        </p:nvSpPr>
+        <p:spPr>
+          <a:xfrm>
+            <a:off x="0" y="0"/>
+            <a:ext cx="12191695" cy="1097280"/>
+          </a:xfrm>
+          <a:prstGeom prst="rect">
+            <a:avLst/>
+          </a:prstGeom>
+          <a:solidFill>
+            <a:srgbClr val="A100FF"/>
+          </a:solidFill>
+          <a:ln>
+            <a:noFill/>
+          </a:ln>
+        </p:spPr>
+        <p:style>
+          <a:lnRef idx="1">
+            <a:schemeClr val="accent1"/>
+          </a:lnRef>
+          <a:fillRef idx="3">
+            <a:schemeClr val="accent1"/>
+          </a:fillRef>
+          <a:effectRef idx="2">
+            <a:schemeClr val="accent1"/>
+          </a:effectRef>
+          <a:fontRef idx="minor">
+            <a:schemeClr val="lt1"/>
+          </a:fontRef>
+        </p:style>
+        <p:txBody>
+          <a:bodyPr rtlCol="0" anchor="ctr"/>
+          <a:lstStyle/>
+          <a:p>
+            <a:pPr algn="ctr"/>
+          </a:p>
+        </p:txBody>
+      </p:sp>
+      <p:sp>
+        <p:nvSpPr>
+          <p:cNvPr id="3" name="TextBox 2"/>
+          <p:cNvSpPr txBox="1"/>
+          <p:nvPr/>
+        </p:nvSpPr>
+        <p:spPr>
+          <a:xfrm>
+            <a:off x="457200" y="274320"/>
+            <a:ext cx="11277295" cy="731520"/>
+          </a:xfrm>
+          <a:prstGeom prst="rect">
+            <a:avLst/>
+          </a:prstGeom>
+          <a:noFill/>
+        </p:spPr>
+        <p:txBody>
+          <a:bodyPr wrap="none">
+            <a:spAutoFit/>
+          </a:bodyPr>
+          <a:lstStyle/>
+          <a:p>
+            <a:pPr>
+              <a:defRPr sz="3200" b="1">
+                <a:solidFill>
+                  <a:srgbClr val="FFFFFF"/>
+                </a:solidFill>
+              </a:defRPr>
+            </a:pPr>
+            <a:r>
+              <a:t>Wrap Up</a:t>
+            </a:r>
+          </a:p>
+        </p:txBody>
+      </p:sp>
+      <p:sp>
+        <p:nvSpPr>
+          <p:cNvPr id="4" name="TextBox 3"/>
+          <p:cNvSpPr txBox="1"/>
+          <p:nvPr/>
+        </p:nvSpPr>
+        <p:spPr>
+          <a:xfrm>
+            <a:off x="457200" y="1371600"/>
+            <a:ext cx="11277295" cy="5029200"/>
+          </a:xfrm>
+          <a:prstGeom prst="rect">
+            <a:avLst/>
+          </a:prstGeom>
+          <a:noFill/>
+        </p:spPr>
+        <p:txBody>
+          <a:bodyPr wrap="square">
+            <a:spAutoFit/>
+          </a:bodyPr>
+          <a:lstStyle/>
+          <a:p>
+            <a:pPr>
+              <a:defRPr sz="1800">
+                <a:solidFill>
+                  <a:srgbClr val="212121"/>
+                </a:solidFill>
+                <a:latin typeface="Consolas"/>
+              </a:defRPr>
+            </a:pPr>
+            <a:r>
+              <a:t>You built a web app with Python!</a:t>
+            </a:r>
+            <a:br/>
+            <a:br/>
+            <a:r>
+              <a:t>Skills you used today:</a:t>
+            </a:r>
+            <a:br/>
+            <a:r>
+              <a:t>• Python programming (loops, dictionaries, functions)</a:t>
+            </a:r>
+            <a:br/>
+            <a:r>
+              <a:t>• Web development with FastAPI</a:t>
+            </a:r>
+            <a:br/>
+            <a:r>
+              <a:t>• Working with JSON data</a:t>
+            </a:r>
+            <a:br/>
+            <a:r>
+              <a:t>• Problem solving &amp; debugging</a:t>
+            </a:r>
+            <a:br/>
+            <a:br/>
+            <a:r>
+              <a:t>This is what real developers do every day.</a:t>
+            </a:r>
+          </a:p>
+        </p:txBody>
+      </p:sp>
+      <p:sp>
+        <p:nvSpPr>
+          <p:cNvPr id="5" name="TextBox 4"/>
+          <p:cNvSpPr txBox="1"/>
+          <p:nvPr/>
+        </p:nvSpPr>
+        <p:spPr>
+          <a:xfrm>
+            <a:off x="11247120" y="6217920"/>
+            <a:ext cx="731520" cy="457200"/>
+          </a:xfrm>
+          <a:prstGeom prst="rect">
+            <a:avLst/>
+          </a:prstGeom>
+          <a:noFill/>
+        </p:spPr>
+        <p:txBody>
+          <a:bodyPr wrap="none">
+            <a:spAutoFit/>
+          </a:bodyPr>
+          <a:lstStyle/>
+          <a:p>
+            <a:pPr>
+              <a:defRPr sz="2800" b="1">
+                <a:solidFill>
+                  <a:srgbClr val="A100FF"/>
+                </a:solidFill>
+              </a:defRPr>
+            </a:pPr>
+            <a:r>
+              <a:t>&gt;</a:t>
+            </a:r>
+          </a:p>
+        </p:txBody>
+      </p:sp>
+    </p:spTree>
+  </p:cSld>
+  <p:clrMapOvr>
+    <a:masterClrMapping/>
+  </p:clrMapOvr>
+</p:sld>
+</file>
+
+<file path=ppt/slides/slide28.xml><?xml version="1.0" encoding="utf-8"?>
+<p:sld xmlns:a="http://schemas.openxmlformats.org/drawingml/2006/main" xmlns:p="http://schemas.openxmlformats.org/presentationml/2006/main" xmlns:r="http://schemas.openxmlformats.org/officeDocument/2006/relationships">
+  <p:cSld>
+    <p:spTree>
+      <p:nvGrpSpPr>
+        <p:cNvPr id="1" name=""/>
+        <p:cNvGrpSpPr/>
+        <p:nvPr/>
+      </p:nvGrpSpPr>
+      <p:grpSpPr/>
+      <p:sp>
+        <p:nvSpPr>
+          <p:cNvPr id="2" name="Rectangle 1"/>
+          <p:cNvSpPr/>
+          <p:nvPr/>
+        </p:nvSpPr>
+        <p:spPr>
+          <a:xfrm>
+            <a:off x="0" y="0"/>
+            <a:ext cx="12191695" cy="1097280"/>
+          </a:xfrm>
+          <a:prstGeom prst="rect">
+            <a:avLst/>
+          </a:prstGeom>
+          <a:solidFill>
+            <a:srgbClr val="A100FF"/>
+          </a:solidFill>
+          <a:ln>
+            <a:noFill/>
+          </a:ln>
+        </p:spPr>
+        <p:style>
+          <a:lnRef idx="1">
+            <a:schemeClr val="accent1"/>
+          </a:lnRef>
+          <a:fillRef idx="3">
+            <a:schemeClr val="accent1"/>
+          </a:fillRef>
+          <a:effectRef idx="2">
+            <a:schemeClr val="accent1"/>
+          </a:effectRef>
+          <a:fontRef idx="minor">
+            <a:schemeClr val="lt1"/>
+          </a:fontRef>
+        </p:style>
+        <p:txBody>
+          <a:bodyPr rtlCol="0" anchor="ctr"/>
+          <a:lstStyle/>
+          <a:p>
+            <a:pPr algn="ctr"/>
+          </a:p>
+        </p:txBody>
+      </p:sp>
+      <p:sp>
+        <p:nvSpPr>
+          <p:cNvPr id="3" name="TextBox 2"/>
+          <p:cNvSpPr txBox="1"/>
+          <p:nvPr/>
+        </p:nvSpPr>
+        <p:spPr>
+          <a:xfrm>
+            <a:off x="457200" y="274320"/>
+            <a:ext cx="11277295" cy="731520"/>
+          </a:xfrm>
+          <a:prstGeom prst="rect">
+            <a:avLst/>
+          </a:prstGeom>
+          <a:noFill/>
+        </p:spPr>
+        <p:txBody>
+          <a:bodyPr wrap="none">
+            <a:spAutoFit/>
+          </a:bodyPr>
+          <a:lstStyle/>
+          <a:p>
+            <a:pPr>
+              <a:defRPr sz="3200" b="1">
+                <a:solidFill>
+                  <a:srgbClr val="FFFFFF"/>
+                </a:solidFill>
+              </a:defRPr>
+            </a:pPr>
+            <a:r>
+              <a:t>What's Next?</a:t>
+            </a:r>
+          </a:p>
+        </p:txBody>
+      </p:sp>
+      <p:sp>
+        <p:nvSpPr>
+          <p:cNvPr id="4" name="TextBox 3"/>
+          <p:cNvSpPr txBox="1"/>
+          <p:nvPr/>
+        </p:nvSpPr>
+        <p:spPr>
+          <a:xfrm>
+            <a:off x="457200" y="1371600"/>
+            <a:ext cx="11277295" cy="5029200"/>
+          </a:xfrm>
+          <a:prstGeom prst="rect">
+            <a:avLst/>
+          </a:prstGeom>
+          <a:noFill/>
+        </p:spPr>
+        <p:txBody>
+          <a:bodyPr wrap="square">
+            <a:spAutoFit/>
+          </a:bodyPr>
+          <a:lstStyle/>
+          <a:p>
+            <a:pPr>
+              <a:defRPr sz="1800">
+                <a:solidFill>
+                  <a:srgbClr val="212121"/>
+                </a:solidFill>
+                <a:latin typeface="Consolas"/>
+              </a:defRPr>
+            </a:pPr>
+            <a:r>
+              <a:t>Want to keep learning?</a:t>
+            </a:r>
+            <a:br/>
+            <a:br/>
+            <a:r>
+              <a:t>• freeCodeCamp.org - Free coding courses</a:t>
+            </a:r>
+            <a:br/>
+            <a:r>
+              <a:t>• Codecademy - Interactive Python</a:t>
+            </a:r>
+            <a:br/>
+            <a:r>
+              <a:t>• Real Python - Python tutorials</a:t>
+            </a:r>
+            <a:br/>
+            <a:r>
+              <a:t>• W3Schools - Web development basics</a:t>
+            </a:r>
+            <a:br/>
+            <a:br/>
+            <a:br/>
+            <a:r>
+              <a:t>Keep your project - add it to your portfolio!</a:t>
+            </a:r>
+          </a:p>
+        </p:txBody>
+      </p:sp>
+      <p:sp>
+        <p:nvSpPr>
+          <p:cNvPr id="5" name="TextBox 4"/>
+          <p:cNvSpPr txBox="1"/>
+          <p:nvPr/>
+        </p:nvSpPr>
+        <p:spPr>
+          <a:xfrm>
+            <a:off x="11247120" y="6217920"/>
+            <a:ext cx="731520" cy="457200"/>
+          </a:xfrm>
+          <a:prstGeom prst="rect">
+            <a:avLst/>
+          </a:prstGeom>
+          <a:noFill/>
+        </p:spPr>
+        <p:txBody>
+          <a:bodyPr wrap="none">
+            <a:spAutoFit/>
+          </a:bodyPr>
+          <a:lstStyle/>
+          <a:p>
+            <a:pPr>
+              <a:defRPr sz="2800" b="1">
+                <a:solidFill>
+                  <a:srgbClr val="A100FF"/>
+                </a:solidFill>
+              </a:defRPr>
+            </a:pPr>
+            <a:r>
+              <a:t>&gt;</a:t>
+            </a:r>
+          </a:p>
+        </p:txBody>
+      </p:sp>
+    </p:spTree>
+  </p:cSld>
+  <p:clrMapOvr>
+    <a:masterClrMapping/>
+  </p:clrMapOvr>
+</p:sld>
+</file>
+
+<file path=ppt/slides/slide3.xml><?xml version="1.0" encoding="utf-8"?>
+<p:sld xmlns:a="http://schemas.openxmlformats.org/drawingml/2006/main" xmlns:p="http://schemas.openxmlformats.org/presentationml/2006/main" xmlns:r="http://schemas.openxmlformats.org/officeDocument/2006/relationships">
+  <p:cSld>
+    <p:spTree>
+      <p:nvGrpSpPr>
+        <p:cNvPr id="1" name=""/>
+        <p:cNvGrpSpPr/>
+        <p:nvPr/>
+      </p:nvGrpSpPr>
+      <p:grpSpPr/>
+      <p:sp>
+        <p:nvSpPr>
+          <p:cNvPr id="2" name="Rectangle 1"/>
+          <p:cNvSpPr/>
+          <p:nvPr/>
+        </p:nvSpPr>
+        <p:spPr>
+          <a:xfrm>
+            <a:off x="0" y="0"/>
+            <a:ext cx="12191695" cy="1097280"/>
+          </a:xfrm>
+          <a:prstGeom prst="rect">
+            <a:avLst/>
+          </a:prstGeom>
+          <a:solidFill>
+            <a:srgbClr val="A100FF"/>
+          </a:solidFill>
+          <a:ln>
+            <a:noFill/>
+          </a:ln>
+        </p:spPr>
+        <p:style>
+          <a:lnRef idx="1">
+            <a:schemeClr val="accent1"/>
+          </a:lnRef>
+          <a:fillRef idx="3">
+            <a:schemeClr val="accent1"/>
+          </a:fillRef>
+          <a:effectRef idx="2">
+            <a:schemeClr val="accent1"/>
+          </a:effectRef>
+          <a:fontRef idx="minor">
+            <a:schemeClr val="lt1"/>
+          </a:fontRef>
+        </p:style>
+        <p:txBody>
+          <a:bodyPr rtlCol="0" anchor="ctr"/>
+          <a:lstStyle/>
+          <a:p>
+            <a:pPr algn="ctr"/>
+          </a:p>
+        </p:txBody>
+      </p:sp>
+      <p:sp>
+        <p:nvSpPr>
+          <p:cNvPr id="3" name="TextBox 2"/>
+          <p:cNvSpPr txBox="1"/>
+          <p:nvPr/>
+        </p:nvSpPr>
+        <p:spPr>
+          <a:xfrm>
+            <a:off x="457200" y="274320"/>
+            <a:ext cx="11277295" cy="731520"/>
+          </a:xfrm>
+          <a:prstGeom prst="rect">
+            <a:avLst/>
+          </a:prstGeom>
+          <a:noFill/>
+        </p:spPr>
+        <p:txBody>
+          <a:bodyPr wrap="none">
+            <a:spAutoFit/>
+          </a:bodyPr>
+          <a:lstStyle/>
+          <a:p>
+            <a:pPr>
+              <a:defRPr sz="3200" b="1">
+                <a:solidFill>
+                  <a:srgbClr val="FFFFFF"/>
+                </a:solidFill>
+              </a:defRPr>
+            </a:pPr>
+            <a:r>
+              <a:t>Tech Stack</a:t>
+            </a:r>
+          </a:p>
+        </p:txBody>
+      </p:sp>
+      <p:sp>
+        <p:nvSpPr>
+          <p:cNvPr id="4" name="TextBox 3"/>
+          <p:cNvSpPr txBox="1"/>
+          <p:nvPr/>
+        </p:nvSpPr>
+        <p:spPr>
+          <a:xfrm>
+            <a:off x="457200" y="1371600"/>
+            <a:ext cx="11277295" cy="5029200"/>
+          </a:xfrm>
+          <a:prstGeom prst="rect">
+            <a:avLst/>
+          </a:prstGeom>
+          <a:noFill/>
+        </p:spPr>
+        <p:txBody>
+          <a:bodyPr wrap="square">
+            <a:spAutoFit/>
+          </a:bodyPr>
+          <a:lstStyle/>
+          <a:p>
+            <a:pPr>
+              <a:defRPr sz="1800">
+                <a:solidFill>
+                  <a:srgbClr val="212121"/>
+                </a:solidFill>
+                <a:latin typeface="Consolas"/>
+              </a:defRPr>
+            </a:pPr>
+            <a:r>
+              <a:t>Tool                    What It Does</a:t>
+            </a:r>
+            <a:br/>
+            <a:br/>
+            <a:r>
+              <a:t>Python                Our programming language</a:t>
+            </a:r>
+            <a:br/>
+            <a:r>
+              <a:t>FastAPI               Turns Python into a website</a:t>
+            </a:r>
+            <a:br/>
+            <a:r>
+              <a:t>HTML/CSS             Makes it look nice</a:t>
+            </a:r>
+            <a:br/>
+            <a:r>
+              <a:t>VS Code               Where we write and run code</a:t>
+            </a:r>
+          </a:p>
+        </p:txBody>
+      </p:sp>
+      <p:sp>
+        <p:nvSpPr>
+          <p:cNvPr id="5" name="TextBox 4"/>
+          <p:cNvSpPr txBox="1"/>
+          <p:nvPr/>
+        </p:nvSpPr>
+        <p:spPr>
+          <a:xfrm>
+            <a:off x="11247120" y="6217920"/>
+            <a:ext cx="731520" cy="457200"/>
+          </a:xfrm>
+          <a:prstGeom prst="rect">
+            <a:avLst/>
+          </a:prstGeom>
+          <a:noFill/>
+        </p:spPr>
+        <p:txBody>
+          <a:bodyPr wrap="none">
+            <a:spAutoFit/>
+          </a:bodyPr>
+          <a:lstStyle/>
+          <a:p>
+            <a:pPr>
+              <a:defRPr sz="2800" b="1">
+                <a:solidFill>
+                  <a:srgbClr val="A100FF"/>
+                </a:solidFill>
+              </a:defRPr>
+            </a:pPr>
+            <a:r>
+              <a:t>&gt;</a:t>
+            </a:r>
+          </a:p>
+        </p:txBody>
+      </p:sp>
+    </p:spTree>
+  </p:cSld>
+  <p:clrMapOvr>
+    <a:masterClrMapping/>
+  </p:clrMapOvr>
+</p:sld>
+</file>
+
+<file path=ppt/slides/slide4.xml><?xml version="1.0" encoding="utf-8"?>
+<p:sld xmlns:a="http://schemas.openxmlformats.org/drawingml/2006/main" xmlns:p="http://schemas.openxmlformats.org/presentationml/2006/main" xmlns:r="http://schemas.openxmlformats.org/officeDocument/2006/relationships">
+  <p:cSld>
+    <p:spTree>
+      <p:nvGrpSpPr>
+        <p:cNvPr id="1" name=""/>
+        <p:cNvGrpSpPr/>
+        <p:nvPr/>
+      </p:nvGrpSpPr>
+      <p:grpSpPr/>
+      <p:sp>
+        <p:nvSpPr>
+          <p:cNvPr id="2" name="Rectangle 1"/>
+          <p:cNvSpPr/>
+          <p:nvPr/>
+        </p:nvSpPr>
+        <p:spPr>
+          <a:xfrm>
+            <a:off x="0" y="0"/>
+            <a:ext cx="12191695" cy="1097280"/>
+          </a:xfrm>
+          <a:prstGeom prst="rect">
+            <a:avLst/>
+          </a:prstGeom>
+          <a:solidFill>
+            <a:srgbClr val="A100FF"/>
+          </a:solidFill>
+          <a:ln>
+            <a:noFill/>
+          </a:ln>
+        </p:spPr>
+        <p:style>
+          <a:lnRef idx="1">
+            <a:schemeClr val="accent1"/>
+          </a:lnRef>
+          <a:fillRef idx="3">
+            <a:schemeClr val="accent1"/>
+          </a:fillRef>
+          <a:effectRef idx="2">
+            <a:schemeClr val="accent1"/>
+          </a:effectRef>
+          <a:fontRef idx="minor">
+            <a:schemeClr val="lt1"/>
+          </a:fontRef>
+        </p:style>
+        <p:txBody>
+          <a:bodyPr rtlCol="0" anchor="ctr"/>
+          <a:lstStyle/>
+          <a:p>
+            <a:pPr algn="ctr"/>
+          </a:p>
+        </p:txBody>
+      </p:sp>
+      <p:sp>
+        <p:nvSpPr>
+          <p:cNvPr id="3" name="TextBox 2"/>
+          <p:cNvSpPr txBox="1"/>
+          <p:nvPr/>
+        </p:nvSpPr>
+        <p:spPr>
+          <a:xfrm>
+            <a:off x="457200" y="274320"/>
+            <a:ext cx="11277295" cy="731520"/>
+          </a:xfrm>
+          <a:prstGeom prst="rect">
+            <a:avLst/>
+          </a:prstGeom>
+          <a:noFill/>
+        </p:spPr>
+        <p:txBody>
+          <a:bodyPr wrap="none">
+            <a:spAutoFit/>
+          </a:bodyPr>
+          <a:lstStyle/>
+          <a:p>
+            <a:pPr>
+              <a:defRPr sz="3200" b="1">
+                <a:solidFill>
+                  <a:srgbClr val="FFFFFF"/>
+                </a:solidFill>
+              </a:defRPr>
+            </a:pPr>
+            <a:r>
+              <a:t>How Web Apps Work</a:t>
+            </a:r>
+          </a:p>
+        </p:txBody>
+      </p:sp>
+      <p:sp>
+        <p:nvSpPr>
+          <p:cNvPr id="4" name="TextBox 3"/>
+          <p:cNvSpPr txBox="1"/>
+          <p:nvPr/>
+        </p:nvSpPr>
+        <p:spPr>
+          <a:xfrm>
+            <a:off x="457200" y="1371600"/>
+            <a:ext cx="11277295" cy="5029200"/>
+          </a:xfrm>
+          <a:prstGeom prst="rect">
+            <a:avLst/>
+          </a:prstGeom>
+          <a:noFill/>
+        </p:spPr>
+        <p:txBody>
+          <a:bodyPr wrap="square">
+            <a:spAutoFit/>
+          </a:bodyPr>
+          <a:lstStyle/>
+          <a:p>
+            <a:pPr>
+              <a:defRPr sz="1800">
+                <a:solidFill>
+                  <a:srgbClr val="212121"/>
+                </a:solidFill>
+                <a:latin typeface="Consolas"/>
+              </a:defRPr>
+            </a:pPr>
+            <a:r>
+              <a:t>[Browser]  →  Request  →  [Server (Python/FastAPI)]  →  [Data (JSON)]</a:t>
+            </a:r>
+            <a:br/>
+            <a:r>
+              <a:t>                    ←  Response  ←</a:t>
+            </a:r>
+            <a:br/>
+            <a:br/>
+            <a:r>
+              <a:t>1. You type a URL</a:t>
+            </a:r>
+            <a:br/>
+            <a:r>
+              <a:t>2. Server finds the right code to run</a:t>
+            </a:r>
+            <a:br/>
+            <a:r>
+              <a:t>3. Code gets data from JSON file</a:t>
+            </a:r>
+            <a:br/>
+            <a:r>
+              <a:t>4. Server sends back a web page</a:t>
+            </a:r>
+          </a:p>
+        </p:txBody>
+      </p:sp>
+      <p:sp>
+        <p:nvSpPr>
+          <p:cNvPr id="5" name="TextBox 4"/>
+          <p:cNvSpPr txBox="1"/>
+          <p:nvPr/>
+        </p:nvSpPr>
+        <p:spPr>
+          <a:xfrm>
+            <a:off x="11247120" y="6217920"/>
+            <a:ext cx="731520" cy="457200"/>
+          </a:xfrm>
+          <a:prstGeom prst="rect">
+            <a:avLst/>
+          </a:prstGeom>
+          <a:noFill/>
+        </p:spPr>
+        <p:txBody>
+          <a:bodyPr wrap="none">
+            <a:spAutoFit/>
+          </a:bodyPr>
+          <a:lstStyle/>
+          <a:p>
+            <a:pPr>
+              <a:defRPr sz="2800" b="1">
+                <a:solidFill>
+                  <a:srgbClr val="A100FF"/>
+                </a:solidFill>
+              </a:defRPr>
+            </a:pPr>
+            <a:r>
+              <a:t>&gt;</a:t>
+            </a:r>
+          </a:p>
+        </p:txBody>
+      </p:sp>
+    </p:spTree>
+  </p:cSld>
+  <p:clrMapOvr>
+    <a:masterClrMapping/>
+  </p:clrMapOvr>
+</p:sld>
+</file>
+
+<file path=ppt/slides/slide5.xml><?xml version="1.0" encoding="utf-8"?>
+<p:sld xmlns:a="http://schemas.openxmlformats.org/drawingml/2006/main" xmlns:p="http://schemas.openxmlformats.org/presentationml/2006/main" xmlns:r="http://schemas.openxmlformats.org/officeDocument/2006/relationships">
+  <p:cSld>
+    <p:spTree>
+      <p:nvGrpSpPr>
+        <p:cNvPr id="1" name=""/>
+        <p:cNvGrpSpPr/>
+        <p:nvPr/>
+      </p:nvGrpSpPr>
+      <p:grpSpPr/>
+      <p:sp>
+        <p:nvSpPr>
+          <p:cNvPr id="2" name="Rectangle 1"/>
+          <p:cNvSpPr/>
+          <p:nvPr/>
+        </p:nvSpPr>
+        <p:spPr>
+          <a:xfrm>
+            <a:off x="0" y="0"/>
+            <a:ext cx="12191695" cy="1097280"/>
+          </a:xfrm>
+          <a:prstGeom prst="rect">
+            <a:avLst/>
+          </a:prstGeom>
+          <a:solidFill>
+            <a:srgbClr val="A100FF"/>
+          </a:solidFill>
+          <a:ln>
+            <a:noFill/>
+          </a:ln>
+        </p:spPr>
+        <p:style>
+          <a:lnRef idx="1">
+            <a:schemeClr val="accent1"/>
+          </a:lnRef>
+          <a:fillRef idx="3">
+            <a:schemeClr val="accent1"/>
+          </a:fillRef>
+          <a:effectRef idx="2">
+            <a:schemeClr val="accent1"/>
+          </a:effectRef>
+          <a:fontRef idx="minor">
+            <a:schemeClr val="lt1"/>
+          </a:fontRef>
+        </p:style>
+        <p:txBody>
+          <a:bodyPr rtlCol="0" anchor="ctr"/>
+          <a:lstStyle/>
+          <a:p>
+            <a:pPr algn="ctr"/>
+          </a:p>
+        </p:txBody>
+      </p:sp>
+      <p:sp>
+        <p:nvSpPr>
+          <p:cNvPr id="3" name="TextBox 2"/>
+          <p:cNvSpPr txBox="1"/>
+          <p:nvPr/>
+        </p:nvSpPr>
+        <p:spPr>
+          <a:xfrm>
+            <a:off x="457200" y="274320"/>
+            <a:ext cx="11277295" cy="731520"/>
+          </a:xfrm>
+          <a:prstGeom prst="rect">
+            <a:avLst/>
+          </a:prstGeom>
+          <a:noFill/>
+        </p:spPr>
+        <p:txBody>
+          <a:bodyPr wrap="none">
+            <a:spAutoFit/>
+          </a:bodyPr>
+          <a:lstStyle/>
+          <a:p>
+            <a:pPr>
+              <a:defRPr sz="3200" b="1">
+                <a:solidFill>
+                  <a:srgbClr val="FFFFFF"/>
+                </a:solidFill>
+              </a:defRPr>
+            </a:pPr>
+            <a:r>
+              <a:t>Project Structure</a:t>
+            </a:r>
+          </a:p>
+        </p:txBody>
+      </p:sp>
+      <p:sp>
+        <p:nvSpPr>
+          <p:cNvPr id="4" name="TextBox 3"/>
+          <p:cNvSpPr txBox="1"/>
+          <p:nvPr/>
+        </p:nvSpPr>
+        <p:spPr>
+          <a:xfrm>
+            <a:off x="457200" y="1371600"/>
+            <a:ext cx="11277295" cy="5029200"/>
+          </a:xfrm>
+          <a:prstGeom prst="rect">
+            <a:avLst/>
+          </a:prstGeom>
+          <a:noFill/>
+        </p:spPr>
+        <p:txBody>
+          <a:bodyPr wrap="square">
+            <a:spAutoFit/>
+          </a:bodyPr>
+          <a:lstStyle/>
+          <a:p>
+            <a:pPr>
+              <a:defRPr sz="1800">
+                <a:solidFill>
+                  <a:srgbClr val="212121"/>
+                </a:solidFill>
+                <a:latin typeface="Consolas"/>
+              </a:defRPr>
+            </a:pPr>
+            <a:r>
+              <a:t>movie-review-app/</a:t>
+            </a:r>
+            <a:br/>
+            <a:r>
+              <a:t>├── main.py              ← Our routes (URLs)</a:t>
+            </a:r>
+            <a:br/>
+            <a:r>
+              <a:t>├── database.py         ← Functions you'll write!</a:t>
+            </a:r>
+            <a:br/>
+            <a:r>
+              <a:t>├── templates/            ← HTML pages</a:t>
+            </a:r>
+            <a:br/>
+            <a:r>
+              <a:t>├── static/css/           ← Styles</a:t>
+            </a:r>
+            <a:br/>
+            <a:r>
+              <a:t>└── data/movies.json  ← Our movie data</a:t>
+            </a:r>
+          </a:p>
+        </p:txBody>
+      </p:sp>
+      <p:sp>
+        <p:nvSpPr>
+          <p:cNvPr id="5" name="TextBox 4"/>
+          <p:cNvSpPr txBox="1"/>
+          <p:nvPr/>
+        </p:nvSpPr>
+        <p:spPr>
+          <a:xfrm>
+            <a:off x="11247120" y="6217920"/>
+            <a:ext cx="731520" cy="457200"/>
+          </a:xfrm>
+          <a:prstGeom prst="rect">
+            <a:avLst/>
+          </a:prstGeom>
+          <a:noFill/>
+        </p:spPr>
+        <p:txBody>
+          <a:bodyPr wrap="none">
+            <a:spAutoFit/>
+          </a:bodyPr>
+          <a:lstStyle/>
+          <a:p>
+            <a:pPr>
+              <a:defRPr sz="2800" b="1">
+                <a:solidFill>
+                  <a:srgbClr val="A100FF"/>
+                </a:solidFill>
+              </a:defRPr>
+            </a:pPr>
+            <a:r>
+              <a:t>&gt;</a:t>
+            </a:r>
+          </a:p>
+        </p:txBody>
+      </p:sp>
+    </p:spTree>
+  </p:cSld>
+  <p:clrMapOvr>
+    <a:masterClrMapping/>
+  </p:clrMapOvr>
+</p:sld>
+</file>
+
+<file path=ppt/slides/slide6.xml><?xml version="1.0" encoding="utf-8"?>
+<p:sld xmlns:a="http://schemas.openxmlformats.org/drawingml/2006/main" xmlns:p="http://schemas.openxmlformats.org/presentationml/2006/main" xmlns:r="http://schemas.openxmlformats.org/officeDocument/2006/relationships">
+  <p:cSld>
+    <p:spTree>
+      <p:nvGrpSpPr>
+        <p:cNvPr id="1" name=""/>
+        <p:cNvGrpSpPr/>
+        <p:nvPr/>
+      </p:nvGrpSpPr>
+      <p:grpSpPr/>
+      <p:sp>
+        <p:nvSpPr>
+          <p:cNvPr id="2" name="Rectangle 1"/>
+          <p:cNvSpPr/>
+          <p:nvPr/>
+        </p:nvSpPr>
+        <p:spPr>
+          <a:xfrm>
+            <a:off x="0" y="0"/>
+            <a:ext cx="12191695" cy="1097280"/>
+          </a:xfrm>
+          <a:prstGeom prst="rect">
+            <a:avLst/>
+          </a:prstGeom>
+          <a:solidFill>
+            <a:srgbClr val="A100FF"/>
+          </a:solidFill>
+          <a:ln>
+            <a:noFill/>
+          </a:ln>
+        </p:spPr>
+        <p:style>
+          <a:lnRef idx="1">
+            <a:schemeClr val="accent1"/>
+          </a:lnRef>
+          <a:fillRef idx="3">
+            <a:schemeClr val="accent1"/>
+          </a:fillRef>
+          <a:effectRef idx="2">
+            <a:schemeClr val="accent1"/>
+          </a:effectRef>
+          <a:fontRef idx="minor">
+            <a:schemeClr val="lt1"/>
+          </a:fontRef>
+        </p:style>
+        <p:txBody>
+          <a:bodyPr rtlCol="0" anchor="ctr"/>
+          <a:lstStyle/>
+          <a:p>
+            <a:pPr algn="ctr"/>
+          </a:p>
+        </p:txBody>
+      </p:sp>
+      <p:sp>
+        <p:nvSpPr>
+          <p:cNvPr id="3" name="TextBox 2"/>
+          <p:cNvSpPr txBox="1"/>
+          <p:nvPr/>
+        </p:nvSpPr>
+        <p:spPr>
+          <a:xfrm>
+            <a:off x="457200" y="274320"/>
+            <a:ext cx="11277295" cy="731520"/>
+          </a:xfrm>
+          <a:prstGeom prst="rect">
+            <a:avLst/>
+          </a:prstGeom>
+          <a:noFill/>
+        </p:spPr>
+        <p:txBody>
+          <a:bodyPr wrap="none">
+            <a:spAutoFit/>
+          </a:bodyPr>
+          <a:lstStyle/>
+          <a:p>
+            <a:pPr>
+              <a:defRPr sz="3200" b="1">
+                <a:solidFill>
+                  <a:srgbClr val="FFFFFF"/>
+                </a:solidFill>
+              </a:defRPr>
+            </a:pPr>
+            <a:r>
+              <a:t>Python Fundamentals - Variables</a:t>
+            </a:r>
+          </a:p>
+        </p:txBody>
+      </p:sp>
+      <p:sp>
+        <p:nvSpPr>
+          <p:cNvPr id="4" name="TextBox 3"/>
+          <p:cNvSpPr txBox="1"/>
+          <p:nvPr/>
+        </p:nvSpPr>
+        <p:spPr>
+          <a:xfrm>
+            <a:off x="457200" y="1371600"/>
+            <a:ext cx="11277295" cy="5029200"/>
+          </a:xfrm>
+          <a:prstGeom prst="rect">
+            <a:avLst/>
+          </a:prstGeom>
+          <a:noFill/>
+        </p:spPr>
+        <p:txBody>
+          <a:bodyPr wrap="square">
+            <a:spAutoFit/>
+          </a:bodyPr>
+          <a:lstStyle/>
+          <a:p>
+            <a:pPr>
+              <a:defRPr sz="1800">
+                <a:solidFill>
+                  <a:srgbClr val="212121"/>
+                </a:solidFill>
+                <a:latin typeface="Consolas"/>
+              </a:defRPr>
+            </a:pPr>
+            <a:r>
+              <a:t>Variables store information:</a:t>
+            </a:r>
+            <a:br/>
+            <a:br/>
+            <a:r>
+              <a:t># Text (strings) - use quotes</a:t>
             </a:r>
             <a:br/>
             <a:r>
@@ -5964,34 +7996,632 @@
             </a:r>
             <a:br/>
             <a:r>
+              <a:t>genre = "Action"</a:t>
+            </a:r>
+            <a:br/>
+            <a:br/>
+            <a:r>
+              <a:t># Numbers (integers) - no quotes</a:t>
+            </a:r>
+            <a:br/>
+            <a:r>
+              <a:t>year = 2022</a:t>
+            </a:r>
+            <a:br/>
+            <a:r>
               <a:t>rating = 5</a:t>
             </a:r>
             <a:br/>
             <a:br/>
             <a:r>
-              <a:t># Lists</a:t>
-            </a:r>
-            <a:br/>
-            <a:r>
-              <a:t>movies = ["Batman", "Spider-Man"]</a:t>
-            </a:r>
-            <a:br/>
-            <a:br/>
-            <a:r>
-              <a:t># Dictionaries</a:t>
-            </a:r>
-            <a:br/>
-            <a:r>
-              <a:t>movie = {"title": "Batman", "year": 2022}</a:t>
-            </a:r>
-            <a:br/>
-            <a:r>
-              <a:t>movie["title"]  # → "Batman"</a:t>
-            </a:r>
-            <a:br/>
-            <a:br/>
-            <a:r>
-              <a:t># Loops</a:t>
+              <a:t># Decimals (floats)</a:t>
+            </a:r>
+            <a:br/>
+            <a:r>
+              <a:t>average = 4.5</a:t>
+            </a:r>
+            <a:br/>
+            <a:br/>
+            <a:r>
+              <a:t>Think of variables as labelled boxes that hold data.</a:t>
+            </a:r>
+          </a:p>
+        </p:txBody>
+      </p:sp>
+      <p:sp>
+        <p:nvSpPr>
+          <p:cNvPr id="5" name="TextBox 4"/>
+          <p:cNvSpPr txBox="1"/>
+          <p:nvPr/>
+        </p:nvSpPr>
+        <p:spPr>
+          <a:xfrm>
+            <a:off x="11247120" y="6217920"/>
+            <a:ext cx="731520" cy="457200"/>
+          </a:xfrm>
+          <a:prstGeom prst="rect">
+            <a:avLst/>
+          </a:prstGeom>
+          <a:noFill/>
+        </p:spPr>
+        <p:txBody>
+          <a:bodyPr wrap="none">
+            <a:spAutoFit/>
+          </a:bodyPr>
+          <a:lstStyle/>
+          <a:p>
+            <a:pPr>
+              <a:defRPr sz="2800" b="1">
+                <a:solidFill>
+                  <a:srgbClr val="A100FF"/>
+                </a:solidFill>
+              </a:defRPr>
+            </a:pPr>
+            <a:r>
+              <a:t>&gt;</a:t>
+            </a:r>
+          </a:p>
+        </p:txBody>
+      </p:sp>
+    </p:spTree>
+  </p:cSld>
+  <p:clrMapOvr>
+    <a:masterClrMapping/>
+  </p:clrMapOvr>
+</p:sld>
+</file>
+
+<file path=ppt/slides/slide7.xml><?xml version="1.0" encoding="utf-8"?>
+<p:sld xmlns:a="http://schemas.openxmlformats.org/drawingml/2006/main" xmlns:p="http://schemas.openxmlformats.org/presentationml/2006/main" xmlns:r="http://schemas.openxmlformats.org/officeDocument/2006/relationships">
+  <p:cSld>
+    <p:spTree>
+      <p:nvGrpSpPr>
+        <p:cNvPr id="1" name=""/>
+        <p:cNvGrpSpPr/>
+        <p:nvPr/>
+      </p:nvGrpSpPr>
+      <p:grpSpPr/>
+      <p:sp>
+        <p:nvSpPr>
+          <p:cNvPr id="2" name="Rectangle 1"/>
+          <p:cNvSpPr/>
+          <p:nvPr/>
+        </p:nvSpPr>
+        <p:spPr>
+          <a:xfrm>
+            <a:off x="0" y="0"/>
+            <a:ext cx="12191695" cy="1097280"/>
+          </a:xfrm>
+          <a:prstGeom prst="rect">
+            <a:avLst/>
+          </a:prstGeom>
+          <a:solidFill>
+            <a:srgbClr val="A100FF"/>
+          </a:solidFill>
+          <a:ln>
+            <a:noFill/>
+          </a:ln>
+        </p:spPr>
+        <p:style>
+          <a:lnRef idx="1">
+            <a:schemeClr val="accent1"/>
+          </a:lnRef>
+          <a:fillRef idx="3">
+            <a:schemeClr val="accent1"/>
+          </a:fillRef>
+          <a:effectRef idx="2">
+            <a:schemeClr val="accent1"/>
+          </a:effectRef>
+          <a:fontRef idx="minor">
+            <a:schemeClr val="lt1"/>
+          </a:fontRef>
+        </p:style>
+        <p:txBody>
+          <a:bodyPr rtlCol="0" anchor="ctr"/>
+          <a:lstStyle/>
+          <a:p>
+            <a:pPr algn="ctr"/>
+          </a:p>
+        </p:txBody>
+      </p:sp>
+      <p:sp>
+        <p:nvSpPr>
+          <p:cNvPr id="3" name="TextBox 2"/>
+          <p:cNvSpPr txBox="1"/>
+          <p:nvPr/>
+        </p:nvSpPr>
+        <p:spPr>
+          <a:xfrm>
+            <a:off x="457200" y="274320"/>
+            <a:ext cx="11277295" cy="731520"/>
+          </a:xfrm>
+          <a:prstGeom prst="rect">
+            <a:avLst/>
+          </a:prstGeom>
+          <a:noFill/>
+        </p:spPr>
+        <p:txBody>
+          <a:bodyPr wrap="none">
+            <a:spAutoFit/>
+          </a:bodyPr>
+          <a:lstStyle/>
+          <a:p>
+            <a:pPr>
+              <a:defRPr sz="3200" b="1">
+                <a:solidFill>
+                  <a:srgbClr val="FFFFFF"/>
+                </a:solidFill>
+              </a:defRPr>
+            </a:pPr>
+            <a:r>
+              <a:t>Python Fundamentals - Lists</a:t>
+            </a:r>
+          </a:p>
+        </p:txBody>
+      </p:sp>
+      <p:sp>
+        <p:nvSpPr>
+          <p:cNvPr id="4" name="TextBox 3"/>
+          <p:cNvSpPr txBox="1"/>
+          <p:nvPr/>
+        </p:nvSpPr>
+        <p:spPr>
+          <a:xfrm>
+            <a:off x="457200" y="1371600"/>
+            <a:ext cx="11277295" cy="5029200"/>
+          </a:xfrm>
+          <a:prstGeom prst="rect">
+            <a:avLst/>
+          </a:prstGeom>
+          <a:noFill/>
+        </p:spPr>
+        <p:txBody>
+          <a:bodyPr wrap="square">
+            <a:spAutoFit/>
+          </a:bodyPr>
+          <a:lstStyle/>
+          <a:p>
+            <a:pPr>
+              <a:defRPr sz="1800">
+                <a:solidFill>
+                  <a:srgbClr val="212121"/>
+                </a:solidFill>
+                <a:latin typeface="Consolas"/>
+              </a:defRPr>
+            </a:pPr>
+            <a:r>
+              <a:t>Lists hold multiple items:</a:t>
+            </a:r>
+            <a:br/>
+            <a:br/>
+            <a:r>
+              <a:t># Create a list</a:t>
+            </a:r>
+            <a:br/>
+            <a:r>
+              <a:t>movies = ["Batman", "Spider-Man", "Avatar"]</a:t>
+            </a:r>
+            <a:br/>
+            <a:br/>
+            <a:r>
+              <a:t># Access items (starts at 0!)</a:t>
+            </a:r>
+            <a:br/>
+            <a:r>
+              <a:t>movies[0]  → "Batman"</a:t>
+            </a:r>
+            <a:br/>
+            <a:r>
+              <a:t>movies[1]  → "Spider-Man"</a:t>
+            </a:r>
+            <a:br/>
+            <a:br/>
+            <a:r>
+              <a:t># Add an item</a:t>
+            </a:r>
+            <a:br/>
+            <a:r>
+              <a:t>movies.append("Inception")</a:t>
+            </a:r>
+            <a:br/>
+            <a:br/>
+            <a:r>
+              <a:t># How many items?</a:t>
+            </a:r>
+            <a:br/>
+            <a:r>
+              <a:t>len(movies)  → 4</a:t>
+            </a:r>
+          </a:p>
+        </p:txBody>
+      </p:sp>
+      <p:sp>
+        <p:nvSpPr>
+          <p:cNvPr id="5" name="TextBox 4"/>
+          <p:cNvSpPr txBox="1"/>
+          <p:nvPr/>
+        </p:nvSpPr>
+        <p:spPr>
+          <a:xfrm>
+            <a:off x="11247120" y="6217920"/>
+            <a:ext cx="731520" cy="457200"/>
+          </a:xfrm>
+          <a:prstGeom prst="rect">
+            <a:avLst/>
+          </a:prstGeom>
+          <a:noFill/>
+        </p:spPr>
+        <p:txBody>
+          <a:bodyPr wrap="none">
+            <a:spAutoFit/>
+          </a:bodyPr>
+          <a:lstStyle/>
+          <a:p>
+            <a:pPr>
+              <a:defRPr sz="2800" b="1">
+                <a:solidFill>
+                  <a:srgbClr val="A100FF"/>
+                </a:solidFill>
+              </a:defRPr>
+            </a:pPr>
+            <a:r>
+              <a:t>&gt;</a:t>
+            </a:r>
+          </a:p>
+        </p:txBody>
+      </p:sp>
+    </p:spTree>
+  </p:cSld>
+  <p:clrMapOvr>
+    <a:masterClrMapping/>
+  </p:clrMapOvr>
+</p:sld>
+</file>
+
+<file path=ppt/slides/slide8.xml><?xml version="1.0" encoding="utf-8"?>
+<p:sld xmlns:a="http://schemas.openxmlformats.org/drawingml/2006/main" xmlns:p="http://schemas.openxmlformats.org/presentationml/2006/main" xmlns:r="http://schemas.openxmlformats.org/officeDocument/2006/relationships">
+  <p:cSld>
+    <p:spTree>
+      <p:nvGrpSpPr>
+        <p:cNvPr id="1" name=""/>
+        <p:cNvGrpSpPr/>
+        <p:nvPr/>
+      </p:nvGrpSpPr>
+      <p:grpSpPr/>
+      <p:sp>
+        <p:nvSpPr>
+          <p:cNvPr id="2" name="Rectangle 1"/>
+          <p:cNvSpPr/>
+          <p:nvPr/>
+        </p:nvSpPr>
+        <p:spPr>
+          <a:xfrm>
+            <a:off x="0" y="0"/>
+            <a:ext cx="12191695" cy="1097280"/>
+          </a:xfrm>
+          <a:prstGeom prst="rect">
+            <a:avLst/>
+          </a:prstGeom>
+          <a:solidFill>
+            <a:srgbClr val="A100FF"/>
+          </a:solidFill>
+          <a:ln>
+            <a:noFill/>
+          </a:ln>
+        </p:spPr>
+        <p:style>
+          <a:lnRef idx="1">
+            <a:schemeClr val="accent1"/>
+          </a:lnRef>
+          <a:fillRef idx="3">
+            <a:schemeClr val="accent1"/>
+          </a:fillRef>
+          <a:effectRef idx="2">
+            <a:schemeClr val="accent1"/>
+          </a:effectRef>
+          <a:fontRef idx="minor">
+            <a:schemeClr val="lt1"/>
+          </a:fontRef>
+        </p:style>
+        <p:txBody>
+          <a:bodyPr rtlCol="0" anchor="ctr"/>
+          <a:lstStyle/>
+          <a:p>
+            <a:pPr algn="ctr"/>
+          </a:p>
+        </p:txBody>
+      </p:sp>
+      <p:sp>
+        <p:nvSpPr>
+          <p:cNvPr id="3" name="TextBox 2"/>
+          <p:cNvSpPr txBox="1"/>
+          <p:nvPr/>
+        </p:nvSpPr>
+        <p:spPr>
+          <a:xfrm>
+            <a:off x="457200" y="274320"/>
+            <a:ext cx="11277295" cy="731520"/>
+          </a:xfrm>
+          <a:prstGeom prst="rect">
+            <a:avLst/>
+          </a:prstGeom>
+          <a:noFill/>
+        </p:spPr>
+        <p:txBody>
+          <a:bodyPr wrap="none">
+            <a:spAutoFit/>
+          </a:bodyPr>
+          <a:lstStyle/>
+          <a:p>
+            <a:pPr>
+              <a:defRPr sz="3200" b="1">
+                <a:solidFill>
+                  <a:srgbClr val="FFFFFF"/>
+                </a:solidFill>
+              </a:defRPr>
+            </a:pPr>
+            <a:r>
+              <a:t>Python Fundamentals - Dictionaries</a:t>
+            </a:r>
+          </a:p>
+        </p:txBody>
+      </p:sp>
+      <p:sp>
+        <p:nvSpPr>
+          <p:cNvPr id="4" name="TextBox 3"/>
+          <p:cNvSpPr txBox="1"/>
+          <p:nvPr/>
+        </p:nvSpPr>
+        <p:spPr>
+          <a:xfrm>
+            <a:off x="457200" y="1371600"/>
+            <a:ext cx="11277295" cy="5029200"/>
+          </a:xfrm>
+          <a:prstGeom prst="rect">
+            <a:avLst/>
+          </a:prstGeom>
+          <a:noFill/>
+        </p:spPr>
+        <p:txBody>
+          <a:bodyPr wrap="square">
+            <a:spAutoFit/>
+          </a:bodyPr>
+          <a:lstStyle/>
+          <a:p>
+            <a:pPr>
+              <a:defRPr sz="1800">
+                <a:solidFill>
+                  <a:srgbClr val="212121"/>
+                </a:solidFill>
+                <a:latin typeface="Consolas"/>
+              </a:defRPr>
+            </a:pPr>
+            <a:r>
+              <a:t>Dictionaries store data with labels (like a real dictionary!):</a:t>
+            </a:r>
+            <a:br/>
+            <a:br/>
+            <a:r>
+              <a:t># Create a dictionary</a:t>
+            </a:r>
+            <a:br/>
+            <a:r>
+              <a:t>movie = {</a:t>
+            </a:r>
+            <a:br/>
+            <a:r>
+              <a:t>    "title": "The Dark Knight",</a:t>
+            </a:r>
+            <a:br/>
+            <a:r>
+              <a:t>    "year": 2008,</a:t>
+            </a:r>
+            <a:br/>
+            <a:r>
+              <a:t>    "genre": "Action"</a:t>
+            </a:r>
+            <a:br/>
+            <a:r>
+              <a:t>}</a:t>
+            </a:r>
+            <a:br/>
+            <a:br/>
+            <a:r>
+              <a:t># Access values using the label (key)</a:t>
+            </a:r>
+            <a:br/>
+            <a:r>
+              <a:t>movie["title"]  → "The Dark Knight"</a:t>
+            </a:r>
+            <a:br/>
+            <a:r>
+              <a:t>movie["year"]   → 2008</a:t>
+            </a:r>
+            <a:br/>
+            <a:br/>
+            <a:r>
+              <a:t># Safely get a value (won't crash if missing)</a:t>
+            </a:r>
+            <a:br/>
+            <a:r>
+              <a:t>movie.get("rating", 0)  → Returns 0 if no rating</a:t>
+            </a:r>
+          </a:p>
+        </p:txBody>
+      </p:sp>
+      <p:sp>
+        <p:nvSpPr>
+          <p:cNvPr id="5" name="TextBox 4"/>
+          <p:cNvSpPr txBox="1"/>
+          <p:nvPr/>
+        </p:nvSpPr>
+        <p:spPr>
+          <a:xfrm>
+            <a:off x="11247120" y="6217920"/>
+            <a:ext cx="731520" cy="457200"/>
+          </a:xfrm>
+          <a:prstGeom prst="rect">
+            <a:avLst/>
+          </a:prstGeom>
+          <a:noFill/>
+        </p:spPr>
+        <p:txBody>
+          <a:bodyPr wrap="none">
+            <a:spAutoFit/>
+          </a:bodyPr>
+          <a:lstStyle/>
+          <a:p>
+            <a:pPr>
+              <a:defRPr sz="2800" b="1">
+                <a:solidFill>
+                  <a:srgbClr val="A100FF"/>
+                </a:solidFill>
+              </a:defRPr>
+            </a:pPr>
+            <a:r>
+              <a:t>&gt;</a:t>
+            </a:r>
+          </a:p>
+        </p:txBody>
+      </p:sp>
+    </p:spTree>
+  </p:cSld>
+  <p:clrMapOvr>
+    <a:masterClrMapping/>
+  </p:clrMapOvr>
+</p:sld>
+</file>
+
+<file path=ppt/slides/slide9.xml><?xml version="1.0" encoding="utf-8"?>
+<p:sld xmlns:a="http://schemas.openxmlformats.org/drawingml/2006/main" xmlns:p="http://schemas.openxmlformats.org/presentationml/2006/main" xmlns:r="http://schemas.openxmlformats.org/officeDocument/2006/relationships">
+  <p:cSld>
+    <p:spTree>
+      <p:nvGrpSpPr>
+        <p:cNvPr id="1" name=""/>
+        <p:cNvGrpSpPr/>
+        <p:nvPr/>
+      </p:nvGrpSpPr>
+      <p:grpSpPr/>
+      <p:sp>
+        <p:nvSpPr>
+          <p:cNvPr id="2" name="Rectangle 1"/>
+          <p:cNvSpPr/>
+          <p:nvPr/>
+        </p:nvSpPr>
+        <p:spPr>
+          <a:xfrm>
+            <a:off x="0" y="0"/>
+            <a:ext cx="12191695" cy="1097280"/>
+          </a:xfrm>
+          <a:prstGeom prst="rect">
+            <a:avLst/>
+          </a:prstGeom>
+          <a:solidFill>
+            <a:srgbClr val="A100FF"/>
+          </a:solidFill>
+          <a:ln>
+            <a:noFill/>
+          </a:ln>
+        </p:spPr>
+        <p:style>
+          <a:lnRef idx="1">
+            <a:schemeClr val="accent1"/>
+          </a:lnRef>
+          <a:fillRef idx="3">
+            <a:schemeClr val="accent1"/>
+          </a:fillRef>
+          <a:effectRef idx="2">
+            <a:schemeClr val="accent1"/>
+          </a:effectRef>
+          <a:fontRef idx="minor">
+            <a:schemeClr val="lt1"/>
+          </a:fontRef>
+        </p:style>
+        <p:txBody>
+          <a:bodyPr rtlCol="0" anchor="ctr"/>
+          <a:lstStyle/>
+          <a:p>
+            <a:pPr algn="ctr"/>
+          </a:p>
+        </p:txBody>
+      </p:sp>
+      <p:sp>
+        <p:nvSpPr>
+          <p:cNvPr id="3" name="TextBox 2"/>
+          <p:cNvSpPr txBox="1"/>
+          <p:nvPr/>
+        </p:nvSpPr>
+        <p:spPr>
+          <a:xfrm>
+            <a:off x="457200" y="274320"/>
+            <a:ext cx="11277295" cy="731520"/>
+          </a:xfrm>
+          <a:prstGeom prst="rect">
+            <a:avLst/>
+          </a:prstGeom>
+          <a:noFill/>
+        </p:spPr>
+        <p:txBody>
+          <a:bodyPr wrap="none">
+            <a:spAutoFit/>
+          </a:bodyPr>
+          <a:lstStyle/>
+          <a:p>
+            <a:pPr>
+              <a:defRPr sz="3200" b="1">
+                <a:solidFill>
+                  <a:srgbClr val="FFFFFF"/>
+                </a:solidFill>
+              </a:defRPr>
+            </a:pPr>
+            <a:r>
+              <a:t>Python Fundamentals - For Loops</a:t>
+            </a:r>
+          </a:p>
+        </p:txBody>
+      </p:sp>
+      <p:sp>
+        <p:nvSpPr>
+          <p:cNvPr id="4" name="TextBox 3"/>
+          <p:cNvSpPr txBox="1"/>
+          <p:nvPr/>
+        </p:nvSpPr>
+        <p:spPr>
+          <a:xfrm>
+            <a:off x="457200" y="1371600"/>
+            <a:ext cx="11277295" cy="5029200"/>
+          </a:xfrm>
+          <a:prstGeom prst="rect">
+            <a:avLst/>
+          </a:prstGeom>
+          <a:noFill/>
+        </p:spPr>
+        <p:txBody>
+          <a:bodyPr wrap="square">
+            <a:spAutoFit/>
+          </a:bodyPr>
+          <a:lstStyle/>
+          <a:p>
+            <a:pPr>
+              <a:defRPr sz="1800">
+                <a:solidFill>
+                  <a:srgbClr val="212121"/>
+                </a:solidFill>
+                <a:latin typeface="Consolas"/>
+              </a:defRPr>
+            </a:pPr>
+            <a:r>
+              <a:t>Loops let you repeat code for each item:</a:t>
+            </a:r>
+            <a:br/>
+            <a:br/>
+            <a:r>
+              <a:t>movies = ["Batman", "Spider-Man", "Avatar"]</a:t>
+            </a:r>
+            <a:br/>
+            <a:br/>
+            <a:r>
+              <a:t># Do something for each movie</a:t>
             </a:r>
             <a:br/>
             <a:r>
@@ -6000,6 +8630,63 @@
             <a:br/>
             <a:r>
               <a:t>    print(movie)</a:t>
+            </a:r>
+            <a:br/>
+            <a:br/>
+            <a:r>
+              <a:t># Output:</a:t>
+            </a:r>
+            <a:br/>
+            <a:r>
+              <a:t># Batman</a:t>
+            </a:r>
+            <a:br/>
+            <a:r>
+              <a:t># Spider-Man</a:t>
+            </a:r>
+            <a:br/>
+            <a:r>
+              <a:t># Avatar</a:t>
+            </a:r>
+            <a:br/>
+            <a:br/>
+            <a:r>
+              <a:t>The loop runs 3 times - once for each movie!</a:t>
+            </a:r>
+          </a:p>
+        </p:txBody>
+      </p:sp>
+      <p:sp>
+        <p:nvSpPr>
+          <p:cNvPr id="5" name="TextBox 4"/>
+          <p:cNvSpPr txBox="1"/>
+          <p:nvPr/>
+        </p:nvSpPr>
+        <p:spPr>
+          <a:xfrm>
+            <a:off x="11247120" y="6217920"/>
+            <a:ext cx="731520" cy="457200"/>
+          </a:xfrm>
+          <a:prstGeom prst="rect">
+            <a:avLst/>
+          </a:prstGeom>
+          <a:noFill/>
+        </p:spPr>
+        <p:txBody>
+          <a:bodyPr wrap="none">
+            <a:spAutoFit/>
+          </a:bodyPr>
+          <a:lstStyle/>
+          <a:p>
+            <a:pPr>
+              <a:defRPr sz="2800" b="1">
+                <a:solidFill>
+                  <a:srgbClr val="A100FF"/>
+                </a:solidFill>
+              </a:defRPr>
+            </a:pPr>
+            <a:r>
+              <a:t>&gt;</a:t>
             </a:r>
           </a:p>
         </p:txBody>

--- a/slides/workshop-slides.pptx
+++ b/slides/workshop-slides.pptx
@@ -33,6 +33,11 @@
     <p:sldId id="281" r:id="rId32"/>
     <p:sldId id="282" r:id="rId33"/>
     <p:sldId id="283" r:id="rId34"/>
+    <p:sldId id="284" r:id="rId35"/>
+    <p:sldId id="285" r:id="rId36"/>
+    <p:sldId id="286" r:id="rId37"/>
+    <p:sldId id="287" r:id="rId38"/>
+    <p:sldId id="288" r:id="rId39"/>
   </p:sldIdLst>
   <p:sldSz cx="12191695" cy="6858000" type="screen4x3"/>
   <p:notesSz cx="6858000" cy="9144000"/>
@@ -3767,7 +3772,7 @@
               </a:defRPr>
             </a:pPr>
             <a:r>
-              <a:t>VS Code Setup</a:t>
+              <a:t>Setup Step 1: Install Python (Windows)</a:t>
             </a:r>
           </a:p>
         </p:txBody>
@@ -3803,38 +3808,41 @@
               </a:defRPr>
             </a:pPr>
             <a:r>
-              <a:t>1. Open VS Code</a:t>
-            </a:r>
-            <a:br/>
-            <a:br/>
-            <a:r>
-              <a:t>2. Open the movie-review-app folder</a:t>
-            </a:r>
-            <a:br/>
-            <a:br/>
-            <a:r>
-              <a:t>3. Open Terminal (Ctrl + `)</a:t>
-            </a:r>
-            <a:br/>
-            <a:br/>
-            <a:r>
-              <a:t>4. Run: pip install -r requirements.txt</a:t>
-            </a:r>
-            <a:br/>
-            <a:br/>
-            <a:r>
-              <a:t>5. Run: uvicorn main:app --reload</a:t>
-            </a:r>
-            <a:br/>
-            <a:br/>
-            <a:r>
-              <a:t>6. Open browser: http://127.0.0.1:8000</a:t>
-            </a:r>
-            <a:br/>
-            <a:br/>
-            <a:br/>
-            <a:r>
-              <a:t>Your mentor will help you!</a:t>
+              <a:t>1. Go to python.org/downloads</a:t>
+            </a:r>
+            <a:br/>
+            <a:br/>
+            <a:r>
+              <a:t>2. Click "Download Python 3.x.x"</a:t>
+            </a:r>
+            <a:br/>
+            <a:br/>
+            <a:r>
+              <a:t>3. Run the installer</a:t>
+            </a:r>
+            <a:br/>
+            <a:br/>
+            <a:r>
+              <a:t>4. IMPORTANT: Check ✓ "Add Python to PATH"</a:t>
+            </a:r>
+            <a:br/>
+            <a:br/>
+            <a:r>
+              <a:t>5. Click "Install Now"</a:t>
+            </a:r>
+            <a:br/>
+            <a:br/>
+            <a:r>
+              <a:t>6. Verify: Open Command Prompt and type:</a:t>
+            </a:r>
+            <a:br/>
+            <a:r>
+              <a:t>   python --version</a:t>
+            </a:r>
+            <a:br/>
+            <a:br/>
+            <a:r>
+              <a:t>   You should see: Python 3.x.x</a:t>
             </a:r>
           </a:p>
         </p:txBody>
@@ -3965,7 +3973,7 @@
               </a:defRPr>
             </a:pPr>
             <a:r>
-              <a:t>Let's Look at the App Code</a:t>
+              <a:t>Setup Step 1: Install Python (Mac)</a:t>
             </a:r>
           </a:p>
         </p:txBody>
@@ -4001,48 +4009,37 @@
               </a:defRPr>
             </a:pPr>
             <a:r>
-              <a:t>database.py - Functions to complete:</a:t>
-            </a:r>
-            <a:br/>
-            <a:r>
-              <a:t>• Load movies (done for you!)</a:t>
-            </a:r>
-            <a:br/>
-            <a:r>
-              <a:t>• Find a movie by ID</a:t>
-            </a:r>
-            <a:br/>
-            <a:r>
-              <a:t>• Add a review</a:t>
-            </a:r>
-            <a:br/>
-            <a:r>
-              <a:t>• Calculate average rating</a:t>
-            </a:r>
-            <a:br/>
-            <a:r>
-              <a:t>• Search movies</a:t>
-            </a:r>
-            <a:br/>
-            <a:r>
-              <a:t>• Get top 5 rated movies</a:t>
-            </a:r>
-            <a:br/>
-            <a:br/>
-            <a:r>
-              <a:t>main.py - Routes (already built):</a:t>
-            </a:r>
-            <a:br/>
-            <a:r>
-              <a:t>• Home page (/)</a:t>
-            </a:r>
-            <a:br/>
-            <a:r>
-              <a:t>• Movie detail (/movie/1)</a:t>
-            </a:r>
-            <a:br/>
-            <a:r>
-              <a:t>• Search (/search?q=batman)</a:t>
+              <a:t>1. Go to python.org/downloads</a:t>
+            </a:r>
+            <a:br/>
+            <a:br/>
+            <a:r>
+              <a:t>2. Click "Download Python 3.x.x"</a:t>
+            </a:r>
+            <a:br/>
+            <a:br/>
+            <a:r>
+              <a:t>3. Open the .pkg file and follow the installer</a:t>
+            </a:r>
+            <a:br/>
+            <a:br/>
+            <a:r>
+              <a:t>4. Verify: Open Terminal and type:</a:t>
+            </a:r>
+            <a:br/>
+            <a:r>
+              <a:t>   python3 --version</a:t>
+            </a:r>
+            <a:br/>
+            <a:br/>
+            <a:r>
+              <a:t>   You should see: Python 3.x.x</a:t>
+            </a:r>
+            <a:br/>
+            <a:br/>
+            <a:br/>
+            <a:r>
+              <a:t>Note: Mac uses "python3" instead of "python" </a:t>
             </a:r>
           </a:p>
         </p:txBody>
@@ -4173,7 +4170,7 @@
               </a:defRPr>
             </a:pPr>
             <a:r>
-              <a:t>Challenge Progression</a:t>
+              <a:t>Setup Step 2: Install VS Code</a:t>
             </a:r>
           </a:p>
         </p:txBody>
@@ -4209,32 +4206,39 @@
               </a:defRPr>
             </a:pPr>
             <a:r>
-              <a:t>Challenge    What You'll Build                Difficulty</a:t>
-            </a:r>
-            <a:br/>
-            <a:br/>
-            <a:r>
-              <a:t>    1              Load movies                          Done for you!</a:t>
-            </a:r>
-            <a:br/>
-            <a:r>
-              <a:t>    2              Find a movie by ID                Easy</a:t>
-            </a:r>
-            <a:br/>
-            <a:r>
-              <a:t>    3              Save reviews                         Medium</a:t>
-            </a:r>
-            <a:br/>
-            <a:r>
-              <a:t>    4              Calculate average ratings      Medium</a:t>
-            </a:r>
-            <a:br/>
-            <a:r>
-              <a:t>    5              Search for movies                  Easy</a:t>
-            </a:r>
-            <a:br/>
-            <a:r>
-              <a:t>    6              Show Top 5 highest-rated    Medium</a:t>
+              <a:t>1. Go to code.visualstudio.com</a:t>
+            </a:r>
+            <a:br/>
+            <a:br/>
+            <a:r>
+              <a:t>2. Download for your operating system (Windows/Mac)</a:t>
+            </a:r>
+            <a:br/>
+            <a:br/>
+            <a:r>
+              <a:t>3. Run the installer</a:t>
+            </a:r>
+            <a:br/>
+            <a:br/>
+            <a:r>
+              <a:t>4. Open VS Code</a:t>
+            </a:r>
+            <a:br/>
+            <a:br/>
+            <a:r>
+              <a:t>5. Install the Python extension:</a:t>
+            </a:r>
+            <a:br/>
+            <a:r>
+              <a:t>   • Click Extensions icon (left sidebar)</a:t>
+            </a:r>
+            <a:br/>
+            <a:r>
+              <a:t>   • Search "Python"</a:t>
+            </a:r>
+            <a:br/>
+            <a:r>
+              <a:t>   • Click "Install" on the Microsoft Python extension</a:t>
             </a:r>
           </a:p>
         </p:txBody>
@@ -4365,7 +4369,7 @@
               </a:defRPr>
             </a:pPr>
             <a:r>
-              <a:t>Challenge 1 - Load Movies (Done For You!)</a:t>
+              <a:t>Setup Step 3: Virtual Environment (Windows)</a:t>
             </a:r>
           </a:p>
         </p:txBody>
@@ -4401,55 +4405,49 @@
               </a:defRPr>
             </a:pPr>
             <a:r>
-              <a:t>This one is already complete - let's understand it:</a:t>
-            </a:r>
-            <a:br/>
-            <a:br/>
-            <a:r>
-              <a:t>def load_movies():</a:t>
-            </a:r>
-            <a:br/>
-            <a:r>
-              <a:t>    # Open the JSON file</a:t>
-            </a:r>
-            <a:br/>
-            <a:r>
-              <a:t>    with open("data/movies.json", "r") as file:</a:t>
-            </a:r>
-            <a:br/>
-            <a:r>
-              <a:t>        movies = json.load(file)</a:t>
-            </a:r>
-            <a:br/>
-            <a:br/>
-            <a:r>
-              <a:t>    # Return the list of movies</a:t>
-            </a:r>
-            <a:br/>
-            <a:r>
-              <a:t>    return movies</a:t>
-            </a:r>
-            <a:br/>
-            <a:br/>
-            <a:r>
-              <a:t>What it does:</a:t>
-            </a:r>
-            <a:br/>
-            <a:r>
-              <a:t>1. Opens the movies.json file</a:t>
-            </a:r>
-            <a:br/>
-            <a:r>
-              <a:t>2. Reads all the movie data</a:t>
-            </a:r>
-            <a:br/>
-            <a:r>
-              <a:t>3. Returns it as a list of dictionaries</a:t>
-            </a:r>
-            <a:br/>
-            <a:br/>
-            <a:r>
-              <a:t>This is how we get our movie data into the app!</a:t>
+              <a:t>A virtual environment keeps your project's packages separate.</a:t>
+            </a:r>
+            <a:br/>
+            <a:br/>
+            <a:r>
+              <a:t>1. Open the project folder in VS Code</a:t>
+            </a:r>
+            <a:br/>
+            <a:br/>
+            <a:r>
+              <a:t>2. Open Terminal (Ctrl + `)</a:t>
+            </a:r>
+            <a:br/>
+            <a:br/>
+            <a:r>
+              <a:t>3. Create the virtual environment:</a:t>
+            </a:r>
+            <a:br/>
+            <a:r>
+              <a:t>   python -m venv venv</a:t>
+            </a:r>
+            <a:br/>
+            <a:br/>
+            <a:r>
+              <a:t>4. Activate it:</a:t>
+            </a:r>
+            <a:br/>
+            <a:r>
+              <a:t>   venv\Scripts\activate</a:t>
+            </a:r>
+            <a:br/>
+            <a:br/>
+            <a:r>
+              <a:t>5. You should see (venv) at the start of your terminal line</a:t>
+            </a:r>
+            <a:br/>
+            <a:br/>
+            <a:r>
+              <a:t>6. Install packages:</a:t>
+            </a:r>
+            <a:br/>
+            <a:r>
+              <a:t>   pip install -r requirements.txt</a:t>
             </a:r>
           </a:p>
         </p:txBody>
@@ -4580,7 +4578,7 @@
               </a:defRPr>
             </a:pPr>
             <a:r>
-              <a:t>Understanding the Movie Data</a:t>
+              <a:t>Setup Step 3: Virtual Environment (Mac)</a:t>
             </a:r>
           </a:p>
         </p:txBody>
@@ -4616,45 +4614,49 @@
               </a:defRPr>
             </a:pPr>
             <a:r>
-              <a:t>Each movie in movies.json looks like this:</a:t>
-            </a:r>
-            <a:br/>
-            <a:br/>
-            <a:r>
-              <a:t>{</a:t>
-            </a:r>
-            <a:br/>
-            <a:r>
-              <a:t>    "id": 1,</a:t>
-            </a:r>
-            <a:br/>
-            <a:r>
-              <a:t>    "title": "The Dark Knight",</a:t>
-            </a:r>
-            <a:br/>
-            <a:r>
-              <a:t>    "year": 2008,</a:t>
-            </a:r>
-            <a:br/>
-            <a:r>
-              <a:t>    "genre": "Action",</a:t>
-            </a:r>
-            <a:br/>
-            <a:r>
-              <a:t>    "plot": "Batman fights the Joker...",</a:t>
-            </a:r>
-            <a:br/>
-            <a:r>
-              <a:t>    "poster": "https://image-url.com/poster.jpg"</a:t>
-            </a:r>
-            <a:br/>
-            <a:r>
-              <a:t>}</a:t>
-            </a:r>
-            <a:br/>
-            <a:br/>
-            <a:r>
-              <a:t>We have 8 movies to work with!</a:t>
+              <a:t>A virtual environment keeps your project's packages separate.</a:t>
+            </a:r>
+            <a:br/>
+            <a:br/>
+            <a:r>
+              <a:t>1. Open the project folder in VS Code</a:t>
+            </a:r>
+            <a:br/>
+            <a:br/>
+            <a:r>
+              <a:t>2. Open Terminal (Ctrl + `)</a:t>
+            </a:r>
+            <a:br/>
+            <a:br/>
+            <a:r>
+              <a:t>3. Create the virtual environment:</a:t>
+            </a:r>
+            <a:br/>
+            <a:r>
+              <a:t>   python3 -m venv venv</a:t>
+            </a:r>
+            <a:br/>
+            <a:br/>
+            <a:r>
+              <a:t>4. Activate it:</a:t>
+            </a:r>
+            <a:br/>
+            <a:r>
+              <a:t>   source venv/bin/activate</a:t>
+            </a:r>
+            <a:br/>
+            <a:br/>
+            <a:r>
+              <a:t>5. You should see (venv) at the start of your terminal line</a:t>
+            </a:r>
+            <a:br/>
+            <a:br/>
+            <a:r>
+              <a:t>6. Install packages:</a:t>
+            </a:r>
+            <a:br/>
+            <a:r>
+              <a:t>   pip install -r requirements.txt</a:t>
             </a:r>
           </a:p>
         </p:txBody>
@@ -4785,7 +4787,7 @@
               </a:defRPr>
             </a:pPr>
             <a:r>
-              <a:t>Challenge 2 - Find a Movie by ID</a:t>
+              <a:t>Setup Step 4: Run the App</a:t>
             </a:r>
           </a:p>
         </p:txBody>
@@ -4821,41 +4823,41 @@
               </a:defRPr>
             </a:pPr>
             <a:r>
-              <a:t>Goal: When someone clicks a movie, find that specific movie.</a:t>
-            </a:r>
-            <a:br/>
-            <a:br/>
-            <a:r>
-              <a:t>def get_movie_by_id(movie_id):</a:t>
-            </a:r>
-            <a:br/>
-            <a:r>
-              <a:t>    # TODO: Your code here!</a:t>
-            </a:r>
-            <a:br/>
-            <a:r>
-              <a:t>    pass</a:t>
-            </a:r>
-            <a:br/>
-            <a:br/>
-            <a:r>
-              <a:t>What you need to do:</a:t>
-            </a:r>
-            <a:br/>
-            <a:r>
-              <a:t>1. Get all movies using load_movies()</a:t>
-            </a:r>
-            <a:br/>
-            <a:r>
-              <a:t>2. Loop through each movie</a:t>
-            </a:r>
-            <a:br/>
-            <a:r>
-              <a:t>3. Check if the movie's ID matches</a:t>
-            </a:r>
-            <a:br/>
-            <a:r>
-              <a:t>4. Return the matching movie</a:t>
+              <a:t>With your virtual environment activated:</a:t>
+            </a:r>
+            <a:br/>
+            <a:br/>
+            <a:r>
+              <a:t>1. Make sure you see (venv) in your terminal</a:t>
+            </a:r>
+            <a:br/>
+            <a:br/>
+            <a:r>
+              <a:t>2. Run the server:</a:t>
+            </a:r>
+            <a:br/>
+            <a:r>
+              <a:t>   uvicorn main:app --reload</a:t>
+            </a:r>
+            <a:br/>
+            <a:br/>
+            <a:r>
+              <a:t>3. Open your browser:</a:t>
+            </a:r>
+            <a:br/>
+            <a:r>
+              <a:t>   http://127.0.0.1:8000</a:t>
+            </a:r>
+            <a:br/>
+            <a:br/>
+            <a:r>
+              <a:t>4. You should see the Movie Review App!</a:t>
+            </a:r>
+            <a:br/>
+            <a:br/>
+            <a:br/>
+            <a:r>
+              <a:t>To stop the server: Press Ctrl + C</a:t>
             </a:r>
           </a:p>
         </p:txBody>
@@ -4986,7 +4988,7 @@
               </a:defRPr>
             </a:pPr>
             <a:r>
-              <a:t>Challenge 2 - Hints</a:t>
+              <a:t>Let's Look at the App Code</a:t>
             </a:r>
           </a:p>
         </p:txBody>
@@ -5022,49 +5024,48 @@
               </a:defRPr>
             </a:pPr>
             <a:r>
-              <a:t>def get_movie_by_id(movie_id):</a:t>
-            </a:r>
-            <a:br/>
-            <a:r>
-              <a:t>    # Step 1: Get all movies</a:t>
-            </a:r>
-            <a:br/>
-            <a:r>
-              <a:t>    movies = load_movies()</a:t>
-            </a:r>
-            <a:br/>
-            <a:br/>
-            <a:r>
-              <a:t>    # Step 2: Loop through each movie</a:t>
-            </a:r>
-            <a:br/>
-            <a:r>
-              <a:t>    for movie in movies:</a:t>
-            </a:r>
-            <a:br/>
-            <a:r>
-              <a:t>        # Step 3: Check if ID matches</a:t>
-            </a:r>
-            <a:br/>
-            <a:r>
-              <a:t>        if movie["id"] == movie_id:</a:t>
-            </a:r>
-            <a:br/>
-            <a:r>
-              <a:t>            # Step 4: Return it!</a:t>
-            </a:r>
-            <a:br/>
-            <a:r>
-              <a:t>            return movie</a:t>
-            </a:r>
-            <a:br/>
-            <a:br/>
-            <a:r>
-              <a:t>    # Step 5: If not found, return None</a:t>
-            </a:r>
-            <a:br/>
-            <a:r>
-              <a:t>    return None</a:t>
+              <a:t>database.py - Functions to complete:</a:t>
+            </a:r>
+            <a:br/>
+            <a:r>
+              <a:t>• Load movies (done for you!)</a:t>
+            </a:r>
+            <a:br/>
+            <a:r>
+              <a:t>• Find a movie by ID</a:t>
+            </a:r>
+            <a:br/>
+            <a:r>
+              <a:t>• Add a review</a:t>
+            </a:r>
+            <a:br/>
+            <a:r>
+              <a:t>• Calculate average rating</a:t>
+            </a:r>
+            <a:br/>
+            <a:r>
+              <a:t>• Search movies</a:t>
+            </a:r>
+            <a:br/>
+            <a:r>
+              <a:t>• Get top 5 rated movies</a:t>
+            </a:r>
+            <a:br/>
+            <a:br/>
+            <a:r>
+              <a:t>main.py - Routes (already built):</a:t>
+            </a:r>
+            <a:br/>
+            <a:r>
+              <a:t>• Home page (/)</a:t>
+            </a:r>
+            <a:br/>
+            <a:r>
+              <a:t>• Movie detail (/movie/1)</a:t>
+            </a:r>
+            <a:br/>
+            <a:r>
+              <a:t>• Search (/search?q=batman)</a:t>
             </a:r>
           </a:p>
         </p:txBody>
@@ -5195,7 +5196,7 @@
               </a:defRPr>
             </a:pPr>
             <a:r>
-              <a:t>Challenge 3 - Save a Review</a:t>
+              <a:t>Challenge Progression</a:t>
             </a:r>
           </a:p>
         </p:txBody>
@@ -5231,37 +5232,32 @@
               </a:defRPr>
             </a:pPr>
             <a:r>
-              <a:t>Goal: When someone submits a review, save it!</a:t>
-            </a:r>
-            <a:br/>
-            <a:br/>
-            <a:r>
-              <a:t>def add_review(movie_id, review):</a:t>
-            </a:r>
-            <a:br/>
-            <a:r>
-              <a:t>    # TODO: Your code here!</a:t>
-            </a:r>
-            <a:br/>
-            <a:r>
-              <a:t>    pass</a:t>
-            </a:r>
-            <a:br/>
-            <a:br/>
-            <a:r>
-              <a:t>What you need to do:</a:t>
-            </a:r>
-            <a:br/>
-            <a:r>
-              <a:t>1. Check if this movie already has reviews stored</a:t>
-            </a:r>
-            <a:br/>
-            <a:r>
-              <a:t>2. If not, create an empty list for it</a:t>
-            </a:r>
-            <a:br/>
-            <a:r>
-              <a:t>3. Add the new review to the list</a:t>
+              <a:t>Challenge    What You'll Build                Difficulty</a:t>
+            </a:r>
+            <a:br/>
+            <a:br/>
+            <a:r>
+              <a:t>    1              Load movies                          Done for you!</a:t>
+            </a:r>
+            <a:br/>
+            <a:r>
+              <a:t>    2              Find a movie by ID                Easy</a:t>
+            </a:r>
+            <a:br/>
+            <a:r>
+              <a:t>    3              Save reviews                         Medium</a:t>
+            </a:r>
+            <a:br/>
+            <a:r>
+              <a:t>    4              Calculate average ratings      Medium</a:t>
+            </a:r>
+            <a:br/>
+            <a:r>
+              <a:t>    5              Search for movies                  Easy</a:t>
+            </a:r>
+            <a:br/>
+            <a:r>
+              <a:t>    6              Show Top 5 highest-rated    Medium</a:t>
             </a:r>
           </a:p>
         </p:txBody>
@@ -5584,7 +5580,7 @@
               </a:defRPr>
             </a:pPr>
             <a:r>
-              <a:t>Challenge 4 - Calculate Average Rating</a:t>
+              <a:t>Challenge 1 - Load Movies (Done For You!)</a:t>
             </a:r>
           </a:p>
         </p:txBody>
@@ -5620,41 +5616,55 @@
               </a:defRPr>
             </a:pPr>
             <a:r>
-              <a:t>Goal: Show the average star rating from all reviews.</a:t>
-            </a:r>
-            <a:br/>
-            <a:br/>
-            <a:r>
-              <a:t>def get_average_rating(movie_id):</a:t>
-            </a:r>
-            <a:br/>
-            <a:r>
-              <a:t>    # TODO: Your code here!</a:t>
-            </a:r>
-            <a:br/>
-            <a:r>
-              <a:t>    return 0</a:t>
-            </a:r>
-            <a:br/>
-            <a:br/>
-            <a:r>
-              <a:t>What you need to do:</a:t>
-            </a:r>
-            <a:br/>
-            <a:r>
-              <a:t>1. Get the movie and its reviews</a:t>
-            </a:r>
-            <a:br/>
-            <a:r>
-              <a:t>2. Add up all the ratings</a:t>
-            </a:r>
-            <a:br/>
-            <a:r>
-              <a:t>3. Divide by the number of reviews</a:t>
-            </a:r>
-            <a:br/>
-            <a:r>
-              <a:t>4. Return the average</a:t>
+              <a:t>This one is already complete - let's understand it:</a:t>
+            </a:r>
+            <a:br/>
+            <a:br/>
+            <a:r>
+              <a:t>def load_movies():</a:t>
+            </a:r>
+            <a:br/>
+            <a:r>
+              <a:t>    # Open the JSON file</a:t>
+            </a:r>
+            <a:br/>
+            <a:r>
+              <a:t>    with open("data/movies.json", "r") as file:</a:t>
+            </a:r>
+            <a:br/>
+            <a:r>
+              <a:t>        movies = json.load(file)</a:t>
+            </a:r>
+            <a:br/>
+            <a:br/>
+            <a:r>
+              <a:t>    # Return the list of movies</a:t>
+            </a:r>
+            <a:br/>
+            <a:r>
+              <a:t>    return movies</a:t>
+            </a:r>
+            <a:br/>
+            <a:br/>
+            <a:r>
+              <a:t>What it does:</a:t>
+            </a:r>
+            <a:br/>
+            <a:r>
+              <a:t>1. Opens the movies.json file</a:t>
+            </a:r>
+            <a:br/>
+            <a:r>
+              <a:t>2. Reads all the movie data</a:t>
+            </a:r>
+            <a:br/>
+            <a:r>
+              <a:t>3. Returns it as a list of dictionaries</a:t>
+            </a:r>
+            <a:br/>
+            <a:br/>
+            <a:r>
+              <a:t>This is how we get our movie data into the app!</a:t>
             </a:r>
           </a:p>
         </p:txBody>
@@ -5785,7 +5795,7 @@
               </a:defRPr>
             </a:pPr>
             <a:r>
-              <a:t>Challenge 5 - Search Movies</a:t>
+              <a:t>Understanding the Movie Data</a:t>
             </a:r>
           </a:p>
         </p:txBody>
@@ -5821,37 +5831,45 @@
               </a:defRPr>
             </a:pPr>
             <a:r>
-              <a:t>Goal: Make the search bar work!</a:t>
-            </a:r>
-            <a:br/>
-            <a:br/>
-            <a:r>
-              <a:t>def search_movies(query):</a:t>
-            </a:r>
-            <a:br/>
-            <a:r>
-              <a:t>    # TODO: Your code here!</a:t>
-            </a:r>
-            <a:br/>
-            <a:r>
-              <a:t>    return load_movies()</a:t>
-            </a:r>
-            <a:br/>
-            <a:br/>
-            <a:r>
-              <a:t>What you need to do:</a:t>
-            </a:r>
-            <a:br/>
-            <a:r>
-              <a:t>1. Get all movies</a:t>
-            </a:r>
-            <a:br/>
-            <a:r>
-              <a:t>2. Loop through and check if the title contains the search term</a:t>
-            </a:r>
-            <a:br/>
-            <a:r>
-              <a:t>3. Return only the matching movies</a:t>
+              <a:t>Each movie in movies.json looks like this:</a:t>
+            </a:r>
+            <a:br/>
+            <a:br/>
+            <a:r>
+              <a:t>{</a:t>
+            </a:r>
+            <a:br/>
+            <a:r>
+              <a:t>    "id": 1,</a:t>
+            </a:r>
+            <a:br/>
+            <a:r>
+              <a:t>    "title": "The Dark Knight",</a:t>
+            </a:r>
+            <a:br/>
+            <a:r>
+              <a:t>    "year": 2008,</a:t>
+            </a:r>
+            <a:br/>
+            <a:r>
+              <a:t>    "genre": "Action",</a:t>
+            </a:r>
+            <a:br/>
+            <a:r>
+              <a:t>    "plot": "Batman fights the Joker...",</a:t>
+            </a:r>
+            <a:br/>
+            <a:r>
+              <a:t>    "poster": "https://image-url.com/poster.jpg"</a:t>
+            </a:r>
+            <a:br/>
+            <a:r>
+              <a:t>}</a:t>
+            </a:r>
+            <a:br/>
+            <a:br/>
+            <a:r>
+              <a:t>We have 8 movies to work with!</a:t>
             </a:r>
           </a:p>
         </p:txBody>
@@ -5982,7 +6000,7 @@
               </a:defRPr>
             </a:pPr>
             <a:r>
-              <a:t>Challenge 6 - Top 5 Highest Rated</a:t>
+              <a:t>Challenge 2 - Find a Movie by ID</a:t>
             </a:r>
           </a:p>
         </p:txBody>
@@ -6018,12 +6036,12 @@
               </a:defRPr>
             </a:pPr>
             <a:r>
-              <a:t>Goal: Show the 5 movies with the best ratings!</a:t>
-            </a:r>
-            <a:br/>
-            <a:br/>
-            <a:r>
-              <a:t>def get_top_rated_movies(limit=5):</a:t>
+              <a:t>Goal: When someone clicks a movie, find that specific movie.</a:t>
+            </a:r>
+            <a:br/>
+            <a:br/>
+            <a:r>
+              <a:t>def get_movie_by_id(movie_id):</a:t>
             </a:r>
             <a:br/>
             <a:r>
@@ -6031,7 +6049,7 @@
             </a:r>
             <a:br/>
             <a:r>
-              <a:t>    return []</a:t>
+              <a:t>    pass</a:t>
             </a:r>
             <a:br/>
             <a:br/>
@@ -6040,19 +6058,19 @@
             </a:r>
             <a:br/>
             <a:r>
-              <a:t>1. Get all movies</a:t>
-            </a:r>
-            <a:br/>
-            <a:r>
-              <a:t>2. Find movies that have reviews</a:t>
-            </a:r>
-            <a:br/>
-            <a:r>
-              <a:t>3. Sort them by rating (highest first)</a:t>
-            </a:r>
-            <a:br/>
-            <a:r>
-              <a:t>4. Return the top 5</a:t>
+              <a:t>1. Get all movies using load_movies()</a:t>
+            </a:r>
+            <a:br/>
+            <a:r>
+              <a:t>2. Loop through each movie</a:t>
+            </a:r>
+            <a:br/>
+            <a:r>
+              <a:t>3. Check if the movie's ID matches</a:t>
+            </a:r>
+            <a:br/>
+            <a:r>
+              <a:t>4. Return the matching movie</a:t>
             </a:r>
           </a:p>
         </p:txBody>
@@ -6183,7 +6201,7 @@
               </a:defRPr>
             </a:pPr>
             <a:r>
-              <a:t>The Challenge Pattern</a:t>
+              <a:t>Challenge 2 - Hints</a:t>
             </a:r>
           </a:p>
         </p:txBody>
@@ -6219,16 +6237,11 @@
               </a:defRPr>
             </a:pPr>
             <a:r>
-              <a:t>Most challenges follow this pattern:</a:t>
-            </a:r>
-            <a:br/>
-            <a:br/>
-            <a:r>
-              <a:t>def function_name(input):</a:t>
-            </a:r>
-            <a:br/>
-            <a:r>
-              <a:t>    # 1. Get the data you need</a:t>
+              <a:t>def get_movie_by_id(movie_id):</a:t>
+            </a:r>
+            <a:br/>
+            <a:r>
+              <a:t>    # Step 1: Get all movies</a:t>
             </a:r>
             <a:br/>
             <a:r>
@@ -6237,7 +6250,7 @@
             <a:br/>
             <a:br/>
             <a:r>
-              <a:t>    # 2. Loop through items</a:t>
+              <a:t>    # Step 2: Loop through each movie</a:t>
             </a:r>
             <a:br/>
             <a:r>
@@ -6245,15 +6258,15 @@
             </a:r>
             <a:br/>
             <a:r>
-              <a:t>        # 3. Check a condition</a:t>
-            </a:r>
-            <a:br/>
-            <a:r>
-              <a:t>        if movie["id"] == input:</a:t>
-            </a:r>
-            <a:br/>
-            <a:r>
-              <a:t>            # 4. Return a result</a:t>
+              <a:t>        # Step 3: Check if ID matches</a:t>
+            </a:r>
+            <a:br/>
+            <a:r>
+              <a:t>        if movie["id"] == movie_id:</a:t>
+            </a:r>
+            <a:br/>
+            <a:r>
+              <a:t>            # Step 4: Return it!</a:t>
             </a:r>
             <a:br/>
             <a:r>
@@ -6262,7 +6275,7 @@
             <a:br/>
             <a:br/>
             <a:r>
-              <a:t>    # 5. Handle "not found" case</a:t>
+              <a:t>    # Step 5: If not found, return None</a:t>
             </a:r>
             <a:br/>
             <a:r>
@@ -6397,7 +6410,7 @@
               </a:defRPr>
             </a:pPr>
             <a:r>
-              <a:t>Tips for Success</a:t>
+              <a:t>Challenge 3 - Save a Review</a:t>
             </a:r>
           </a:p>
         </p:txBody>
@@ -6433,27 +6446,37 @@
               </a:defRPr>
             </a:pPr>
             <a:r>
-              <a:t>• Read the hints - They're in STUDENT_CHALLENGES.md!</a:t>
-            </a:r>
-            <a:br/>
-            <a:br/>
-            <a:r>
-              <a:t>• Test often - Save → Check browser</a:t>
-            </a:r>
-            <a:br/>
-            <a:br/>
-            <a:r>
-              <a:t>• Use print() - Add print(variable) to see values</a:t>
-            </a:r>
-            <a:br/>
-            <a:br/>
-            <a:r>
-              <a:t>• Ask mentors - That's what they're here for</a:t>
-            </a:r>
-            <a:br/>
-            <a:br/>
-            <a:r>
-              <a:t>• Help each other - Teaching helps you learn</a:t>
+              <a:t>Goal: When someone submits a review, save it!</a:t>
+            </a:r>
+            <a:br/>
+            <a:br/>
+            <a:r>
+              <a:t>def add_review(movie_id, review):</a:t>
+            </a:r>
+            <a:br/>
+            <a:r>
+              <a:t>    # TODO: Your code here!</a:t>
+            </a:r>
+            <a:br/>
+            <a:r>
+              <a:t>    pass</a:t>
+            </a:r>
+            <a:br/>
+            <a:br/>
+            <a:r>
+              <a:t>What you need to do:</a:t>
+            </a:r>
+            <a:br/>
+            <a:r>
+              <a:t>1. Check if this movie already has reviews stored</a:t>
+            </a:r>
+            <a:br/>
+            <a:r>
+              <a:t>2. If not, create an empty list for it</a:t>
+            </a:r>
+            <a:br/>
+            <a:r>
+              <a:t>3. Add the new review to the list</a:t>
             </a:r>
           </a:p>
         </p:txBody>
@@ -6584,7 +6607,7 @@
               </a:defRPr>
             </a:pPr>
             <a:r>
-              <a:t>Common Mistakes to Avoid</a:t>
+              <a:t>Challenge 4 - Calculate Average Rating</a:t>
             </a:r>
           </a:p>
         </p:txBody>
@@ -6620,63 +6643,41 @@
               </a:defRPr>
             </a:pPr>
             <a:r>
-              <a:t># WRONG: Using = instead of ==</a:t>
-            </a:r>
-            <a:br/>
-            <a:r>
-              <a:t>if rating = 5:      # This assigns, doesn't compare!</a:t>
-            </a:r>
-            <a:br/>
-            <a:br/>
-            <a:r>
-              <a:t># RIGHT: Use == to compare</a:t>
-            </a:r>
-            <a:br/>
-            <a:r>
-              <a:t>if rating == 5:     # This checks if equal</a:t>
-            </a:r>
-            <a:br/>
-            <a:br/>
-            <a:br/>
-            <a:r>
-              <a:t># WRONG: Forgetting to return</a:t>
-            </a:r>
-            <a:br/>
-            <a:r>
-              <a:t>def get_movie(id):</a:t>
-            </a:r>
-            <a:br/>
-            <a:r>
-              <a:t>    for movie in movies:</a:t>
-            </a:r>
-            <a:br/>
-            <a:r>
-              <a:t>        if movie["id"] == id:</a:t>
-            </a:r>
-            <a:br/>
-            <a:r>
-              <a:t>            movie  # Oops! Nothing returned</a:t>
-            </a:r>
-            <a:br/>
-            <a:br/>
-            <a:r>
-              <a:t># RIGHT: Use return keyword</a:t>
-            </a:r>
-            <a:br/>
-            <a:r>
-              <a:t>def get_movie(id):</a:t>
-            </a:r>
-            <a:br/>
-            <a:r>
-              <a:t>    for movie in movies:</a:t>
-            </a:r>
-            <a:br/>
-            <a:r>
-              <a:t>        if movie["id"] == id:</a:t>
-            </a:r>
-            <a:br/>
-            <a:r>
-              <a:t>            return movie  # This sends it back!</a:t>
+              <a:t>Goal: Show the average star rating from all reviews.</a:t>
+            </a:r>
+            <a:br/>
+            <a:br/>
+            <a:r>
+              <a:t>def get_average_rating(movie_id):</a:t>
+            </a:r>
+            <a:br/>
+            <a:r>
+              <a:t>    # TODO: Your code here!</a:t>
+            </a:r>
+            <a:br/>
+            <a:r>
+              <a:t>    return 0</a:t>
+            </a:r>
+            <a:br/>
+            <a:br/>
+            <a:r>
+              <a:t>What you need to do:</a:t>
+            </a:r>
+            <a:br/>
+            <a:r>
+              <a:t>1. Get the movie and its reviews</a:t>
+            </a:r>
+            <a:br/>
+            <a:r>
+              <a:t>2. Add up all the ratings</a:t>
+            </a:r>
+            <a:br/>
+            <a:r>
+              <a:t>3. Divide by the number of reviews</a:t>
+            </a:r>
+            <a:br/>
+            <a:r>
+              <a:t>4. Return the average</a:t>
             </a:r>
           </a:p>
         </p:txBody>
@@ -6807,7 +6808,7 @@
               </a:defRPr>
             </a:pPr>
             <a:r>
-              <a:t>Let's Go!</a:t>
+              <a:t>Challenge 5 - Search Movies</a:t>
             </a:r>
           </a:p>
         </p:txBody>
@@ -6843,38 +6844,37 @@
               </a:defRPr>
             </a:pPr>
             <a:r>
-              <a:t>1. Open VS Code</a:t>
-            </a:r>
-            <a:br/>
-            <a:br/>
-            <a:r>
-              <a:t>2. Get set up with your mentor</a:t>
-            </a:r>
-            <a:br/>
-            <a:br/>
-            <a:r>
-              <a:t>3. Open database.py</a:t>
-            </a:r>
-            <a:br/>
-            <a:br/>
-            <a:r>
-              <a:t>4. Read Challenge 1 to understand the code</a:t>
-            </a:r>
-            <a:br/>
-            <a:br/>
-            <a:r>
-              <a:t>5. Start Challenge 2</a:t>
-            </a:r>
-            <a:br/>
-            <a:br/>
-            <a:r>
-              <a:t>6. Have fun building!</a:t>
-            </a:r>
-            <a:br/>
-            <a:br/>
-            <a:br/>
-            <a:r>
-              <a:t>Questions? Ask your mentor!</a:t>
+              <a:t>Goal: Make the search bar work!</a:t>
+            </a:r>
+            <a:br/>
+            <a:br/>
+            <a:r>
+              <a:t>def search_movies(query):</a:t>
+            </a:r>
+            <a:br/>
+            <a:r>
+              <a:t>    # TODO: Your code here!</a:t>
+            </a:r>
+            <a:br/>
+            <a:r>
+              <a:t>    return load_movies()</a:t>
+            </a:r>
+            <a:br/>
+            <a:br/>
+            <a:r>
+              <a:t>What you need to do:</a:t>
+            </a:r>
+            <a:br/>
+            <a:r>
+              <a:t>1. Get all movies</a:t>
+            </a:r>
+            <a:br/>
+            <a:r>
+              <a:t>2. Loop through and check if the title contains the search term</a:t>
+            </a:r>
+            <a:br/>
+            <a:r>
+              <a:t>3. Return only the matching movies</a:t>
             </a:r>
           </a:p>
         </p:txBody>
@@ -7005,7 +7005,7 @@
               </a:defRPr>
             </a:pPr>
             <a:r>
-              <a:t>Wrap Up</a:t>
+              <a:t>Challenge 6 - Top 5 Highest Rated</a:t>
             </a:r>
           </a:p>
         </p:txBody>
@@ -7041,33 +7041,41 @@
               </a:defRPr>
             </a:pPr>
             <a:r>
-              <a:t>You built a web app with Python!</a:t>
-            </a:r>
-            <a:br/>
-            <a:br/>
-            <a:r>
-              <a:t>Skills you used today:</a:t>
-            </a:r>
-            <a:br/>
-            <a:r>
-              <a:t>• Python programming (loops, dictionaries, functions)</a:t>
-            </a:r>
-            <a:br/>
-            <a:r>
-              <a:t>• Web development with FastAPI</a:t>
-            </a:r>
-            <a:br/>
-            <a:r>
-              <a:t>• Working with JSON data</a:t>
-            </a:r>
-            <a:br/>
-            <a:r>
-              <a:t>• Problem solving &amp; debugging</a:t>
-            </a:r>
-            <a:br/>
-            <a:br/>
-            <a:r>
-              <a:t>This is what real developers do every day.</a:t>
+              <a:t>Goal: Show the 5 movies with the best ratings!</a:t>
+            </a:r>
+            <a:br/>
+            <a:br/>
+            <a:r>
+              <a:t>def get_top_rated_movies(limit=5):</a:t>
+            </a:r>
+            <a:br/>
+            <a:r>
+              <a:t>    # TODO: Your code here!</a:t>
+            </a:r>
+            <a:br/>
+            <a:r>
+              <a:t>    return []</a:t>
+            </a:r>
+            <a:br/>
+            <a:br/>
+            <a:r>
+              <a:t>What you need to do:</a:t>
+            </a:r>
+            <a:br/>
+            <a:r>
+              <a:t>1. Get all movies</a:t>
+            </a:r>
+            <a:br/>
+            <a:r>
+              <a:t>2. Find movies that have reviews</a:t>
+            </a:r>
+            <a:br/>
+            <a:r>
+              <a:t>3. Sort them by rating (highest first)</a:t>
+            </a:r>
+            <a:br/>
+            <a:r>
+              <a:t>4. Return the top 5</a:t>
             </a:r>
           </a:p>
         </p:txBody>
@@ -7198,7 +7206,7 @@
               </a:defRPr>
             </a:pPr>
             <a:r>
-              <a:t>What's Next?</a:t>
+              <a:t>The Challenge Pattern</a:t>
             </a:r>
           </a:p>
         </p:txBody>
@@ -7234,30 +7242,241 @@
               </a:defRPr>
             </a:pPr>
             <a:r>
-              <a:t>Want to keep learning?</a:t>
-            </a:r>
-            <a:br/>
-            <a:br/>
-            <a:r>
-              <a:t>• freeCodeCamp.org - Free coding courses</a:t>
-            </a:r>
-            <a:br/>
-            <a:r>
-              <a:t>• Codecademy - Interactive Python</a:t>
-            </a:r>
-            <a:br/>
-            <a:r>
-              <a:t>• Real Python - Python tutorials</a:t>
-            </a:r>
-            <a:br/>
-            <a:r>
-              <a:t>• W3Schools - Web development basics</a:t>
-            </a:r>
-            <a:br/>
-            <a:br/>
-            <a:br/>
-            <a:r>
-              <a:t>Keep your project - add it to your portfolio!</a:t>
+              <a:t>Most challenges follow this pattern:</a:t>
+            </a:r>
+            <a:br/>
+            <a:br/>
+            <a:r>
+              <a:t>def function_name(input):</a:t>
+            </a:r>
+            <a:br/>
+            <a:r>
+              <a:t>    # 1. Get the data you need</a:t>
+            </a:r>
+            <a:br/>
+            <a:r>
+              <a:t>    movies = load_movies()</a:t>
+            </a:r>
+            <a:br/>
+            <a:br/>
+            <a:r>
+              <a:t>    # 2. Loop through items</a:t>
+            </a:r>
+            <a:br/>
+            <a:r>
+              <a:t>    for movie in movies:</a:t>
+            </a:r>
+            <a:br/>
+            <a:r>
+              <a:t>        # 3. Check a condition</a:t>
+            </a:r>
+            <a:br/>
+            <a:r>
+              <a:t>        if movie["id"] == input:</a:t>
+            </a:r>
+            <a:br/>
+            <a:r>
+              <a:t>            # 4. Return a result</a:t>
+            </a:r>
+            <a:br/>
+            <a:r>
+              <a:t>            return movie</a:t>
+            </a:r>
+            <a:br/>
+            <a:br/>
+            <a:r>
+              <a:t>    # 5. Handle "not found" case</a:t>
+            </a:r>
+            <a:br/>
+            <a:r>
+              <a:t>    return None</a:t>
+            </a:r>
+          </a:p>
+        </p:txBody>
+      </p:sp>
+      <p:sp>
+        <p:nvSpPr>
+          <p:cNvPr id="5" name="TextBox 4"/>
+          <p:cNvSpPr txBox="1"/>
+          <p:nvPr/>
+        </p:nvSpPr>
+        <p:spPr>
+          <a:xfrm>
+            <a:off x="11247120" y="6217920"/>
+            <a:ext cx="731520" cy="457200"/>
+          </a:xfrm>
+          <a:prstGeom prst="rect">
+            <a:avLst/>
+          </a:prstGeom>
+          <a:noFill/>
+        </p:spPr>
+        <p:txBody>
+          <a:bodyPr wrap="none">
+            <a:spAutoFit/>
+          </a:bodyPr>
+          <a:lstStyle/>
+          <a:p>
+            <a:pPr>
+              <a:defRPr sz="2800" b="1">
+                <a:solidFill>
+                  <a:srgbClr val="A100FF"/>
+                </a:solidFill>
+              </a:defRPr>
+            </a:pPr>
+            <a:r>
+              <a:t>&gt;</a:t>
+            </a:r>
+          </a:p>
+        </p:txBody>
+      </p:sp>
+    </p:spTree>
+  </p:cSld>
+  <p:clrMapOvr>
+    <a:masterClrMapping/>
+  </p:clrMapOvr>
+</p:sld>
+</file>
+
+<file path=ppt/slides/slide29.xml><?xml version="1.0" encoding="utf-8"?>
+<p:sld xmlns:a="http://schemas.openxmlformats.org/drawingml/2006/main" xmlns:p="http://schemas.openxmlformats.org/presentationml/2006/main" xmlns:r="http://schemas.openxmlformats.org/officeDocument/2006/relationships">
+  <p:cSld>
+    <p:spTree>
+      <p:nvGrpSpPr>
+        <p:cNvPr id="1" name=""/>
+        <p:cNvGrpSpPr/>
+        <p:nvPr/>
+      </p:nvGrpSpPr>
+      <p:grpSpPr/>
+      <p:sp>
+        <p:nvSpPr>
+          <p:cNvPr id="2" name="Rectangle 1"/>
+          <p:cNvSpPr/>
+          <p:nvPr/>
+        </p:nvSpPr>
+        <p:spPr>
+          <a:xfrm>
+            <a:off x="0" y="0"/>
+            <a:ext cx="12191695" cy="1097280"/>
+          </a:xfrm>
+          <a:prstGeom prst="rect">
+            <a:avLst/>
+          </a:prstGeom>
+          <a:solidFill>
+            <a:srgbClr val="A100FF"/>
+          </a:solidFill>
+          <a:ln>
+            <a:noFill/>
+          </a:ln>
+        </p:spPr>
+        <p:style>
+          <a:lnRef idx="1">
+            <a:schemeClr val="accent1"/>
+          </a:lnRef>
+          <a:fillRef idx="3">
+            <a:schemeClr val="accent1"/>
+          </a:fillRef>
+          <a:effectRef idx="2">
+            <a:schemeClr val="accent1"/>
+          </a:effectRef>
+          <a:fontRef idx="minor">
+            <a:schemeClr val="lt1"/>
+          </a:fontRef>
+        </p:style>
+        <p:txBody>
+          <a:bodyPr rtlCol="0" anchor="ctr"/>
+          <a:lstStyle/>
+          <a:p>
+            <a:pPr algn="ctr"/>
+          </a:p>
+        </p:txBody>
+      </p:sp>
+      <p:sp>
+        <p:nvSpPr>
+          <p:cNvPr id="3" name="TextBox 2"/>
+          <p:cNvSpPr txBox="1"/>
+          <p:nvPr/>
+        </p:nvSpPr>
+        <p:spPr>
+          <a:xfrm>
+            <a:off x="457200" y="274320"/>
+            <a:ext cx="11277295" cy="731520"/>
+          </a:xfrm>
+          <a:prstGeom prst="rect">
+            <a:avLst/>
+          </a:prstGeom>
+          <a:noFill/>
+        </p:spPr>
+        <p:txBody>
+          <a:bodyPr wrap="none">
+            <a:spAutoFit/>
+          </a:bodyPr>
+          <a:lstStyle/>
+          <a:p>
+            <a:pPr>
+              <a:defRPr sz="3200" b="1">
+                <a:solidFill>
+                  <a:srgbClr val="FFFFFF"/>
+                </a:solidFill>
+              </a:defRPr>
+            </a:pPr>
+            <a:r>
+              <a:t>Tips for Success</a:t>
+            </a:r>
+          </a:p>
+        </p:txBody>
+      </p:sp>
+      <p:sp>
+        <p:nvSpPr>
+          <p:cNvPr id="4" name="TextBox 3"/>
+          <p:cNvSpPr txBox="1"/>
+          <p:nvPr/>
+        </p:nvSpPr>
+        <p:spPr>
+          <a:xfrm>
+            <a:off x="457200" y="1371600"/>
+            <a:ext cx="11277295" cy="5029200"/>
+          </a:xfrm>
+          <a:prstGeom prst="rect">
+            <a:avLst/>
+          </a:prstGeom>
+          <a:noFill/>
+        </p:spPr>
+        <p:txBody>
+          <a:bodyPr wrap="square">
+            <a:spAutoFit/>
+          </a:bodyPr>
+          <a:lstStyle/>
+          <a:p>
+            <a:pPr>
+              <a:defRPr sz="1800">
+                <a:solidFill>
+                  <a:srgbClr val="212121"/>
+                </a:solidFill>
+                <a:latin typeface="Consolas"/>
+              </a:defRPr>
+            </a:pPr>
+            <a:r>
+              <a:t>• Read the hints - They're in STUDENT_CHALLENGES.md!</a:t>
+            </a:r>
+            <a:br/>
+            <a:br/>
+            <a:r>
+              <a:t>• Test often - Save → Check browser</a:t>
+            </a:r>
+            <a:br/>
+            <a:br/>
+            <a:r>
+              <a:t>• Use print() - Add print(variable) to see values</a:t>
+            </a:r>
+            <a:br/>
+            <a:br/>
+            <a:r>
+              <a:t>• Ask mentors - That's what they're here for</a:t>
+            </a:r>
+            <a:br/>
+            <a:br/>
+            <a:r>
+              <a:t>• Help each other - Teaching helps you learn</a:t>
             </a:r>
           </a:p>
         </p:txBody>
@@ -7442,6 +7661,819 @@
             <a:br/>
             <a:r>
               <a:t>VS Code               Where we write and run code</a:t>
+            </a:r>
+          </a:p>
+        </p:txBody>
+      </p:sp>
+      <p:sp>
+        <p:nvSpPr>
+          <p:cNvPr id="5" name="TextBox 4"/>
+          <p:cNvSpPr txBox="1"/>
+          <p:nvPr/>
+        </p:nvSpPr>
+        <p:spPr>
+          <a:xfrm>
+            <a:off x="11247120" y="6217920"/>
+            <a:ext cx="731520" cy="457200"/>
+          </a:xfrm>
+          <a:prstGeom prst="rect">
+            <a:avLst/>
+          </a:prstGeom>
+          <a:noFill/>
+        </p:spPr>
+        <p:txBody>
+          <a:bodyPr wrap="none">
+            <a:spAutoFit/>
+          </a:bodyPr>
+          <a:lstStyle/>
+          <a:p>
+            <a:pPr>
+              <a:defRPr sz="2800" b="1">
+                <a:solidFill>
+                  <a:srgbClr val="A100FF"/>
+                </a:solidFill>
+              </a:defRPr>
+            </a:pPr>
+            <a:r>
+              <a:t>&gt;</a:t>
+            </a:r>
+          </a:p>
+        </p:txBody>
+      </p:sp>
+    </p:spTree>
+  </p:cSld>
+  <p:clrMapOvr>
+    <a:masterClrMapping/>
+  </p:clrMapOvr>
+</p:sld>
+</file>
+
+<file path=ppt/slides/slide30.xml><?xml version="1.0" encoding="utf-8"?>
+<p:sld xmlns:a="http://schemas.openxmlformats.org/drawingml/2006/main" xmlns:p="http://schemas.openxmlformats.org/presentationml/2006/main" xmlns:r="http://schemas.openxmlformats.org/officeDocument/2006/relationships">
+  <p:cSld>
+    <p:spTree>
+      <p:nvGrpSpPr>
+        <p:cNvPr id="1" name=""/>
+        <p:cNvGrpSpPr/>
+        <p:nvPr/>
+      </p:nvGrpSpPr>
+      <p:grpSpPr/>
+      <p:sp>
+        <p:nvSpPr>
+          <p:cNvPr id="2" name="Rectangle 1"/>
+          <p:cNvSpPr/>
+          <p:nvPr/>
+        </p:nvSpPr>
+        <p:spPr>
+          <a:xfrm>
+            <a:off x="0" y="0"/>
+            <a:ext cx="12191695" cy="1097280"/>
+          </a:xfrm>
+          <a:prstGeom prst="rect">
+            <a:avLst/>
+          </a:prstGeom>
+          <a:solidFill>
+            <a:srgbClr val="A100FF"/>
+          </a:solidFill>
+          <a:ln>
+            <a:noFill/>
+          </a:ln>
+        </p:spPr>
+        <p:style>
+          <a:lnRef idx="1">
+            <a:schemeClr val="accent1"/>
+          </a:lnRef>
+          <a:fillRef idx="3">
+            <a:schemeClr val="accent1"/>
+          </a:fillRef>
+          <a:effectRef idx="2">
+            <a:schemeClr val="accent1"/>
+          </a:effectRef>
+          <a:fontRef idx="minor">
+            <a:schemeClr val="lt1"/>
+          </a:fontRef>
+        </p:style>
+        <p:txBody>
+          <a:bodyPr rtlCol="0" anchor="ctr"/>
+          <a:lstStyle/>
+          <a:p>
+            <a:pPr algn="ctr"/>
+          </a:p>
+        </p:txBody>
+      </p:sp>
+      <p:sp>
+        <p:nvSpPr>
+          <p:cNvPr id="3" name="TextBox 2"/>
+          <p:cNvSpPr txBox="1"/>
+          <p:nvPr/>
+        </p:nvSpPr>
+        <p:spPr>
+          <a:xfrm>
+            <a:off x="457200" y="274320"/>
+            <a:ext cx="11277295" cy="731520"/>
+          </a:xfrm>
+          <a:prstGeom prst="rect">
+            <a:avLst/>
+          </a:prstGeom>
+          <a:noFill/>
+        </p:spPr>
+        <p:txBody>
+          <a:bodyPr wrap="none">
+            <a:spAutoFit/>
+          </a:bodyPr>
+          <a:lstStyle/>
+          <a:p>
+            <a:pPr>
+              <a:defRPr sz="3200" b="1">
+                <a:solidFill>
+                  <a:srgbClr val="FFFFFF"/>
+                </a:solidFill>
+              </a:defRPr>
+            </a:pPr>
+            <a:r>
+              <a:t>Common Mistakes to Avoid</a:t>
+            </a:r>
+          </a:p>
+        </p:txBody>
+      </p:sp>
+      <p:sp>
+        <p:nvSpPr>
+          <p:cNvPr id="4" name="TextBox 3"/>
+          <p:cNvSpPr txBox="1"/>
+          <p:nvPr/>
+        </p:nvSpPr>
+        <p:spPr>
+          <a:xfrm>
+            <a:off x="457200" y="1371600"/>
+            <a:ext cx="11277295" cy="5029200"/>
+          </a:xfrm>
+          <a:prstGeom prst="rect">
+            <a:avLst/>
+          </a:prstGeom>
+          <a:noFill/>
+        </p:spPr>
+        <p:txBody>
+          <a:bodyPr wrap="square">
+            <a:spAutoFit/>
+          </a:bodyPr>
+          <a:lstStyle/>
+          <a:p>
+            <a:pPr>
+              <a:defRPr sz="1800">
+                <a:solidFill>
+                  <a:srgbClr val="212121"/>
+                </a:solidFill>
+                <a:latin typeface="Consolas"/>
+              </a:defRPr>
+            </a:pPr>
+            <a:r>
+              <a:t># WRONG: Using = instead of ==</a:t>
+            </a:r>
+            <a:br/>
+            <a:r>
+              <a:t>if rating = 5:      # This assigns, doesn't compare!</a:t>
+            </a:r>
+            <a:br/>
+            <a:br/>
+            <a:r>
+              <a:t># RIGHT: Use == to compare</a:t>
+            </a:r>
+            <a:br/>
+            <a:r>
+              <a:t>if rating == 5:     # This checks if equal</a:t>
+            </a:r>
+            <a:br/>
+            <a:br/>
+            <a:br/>
+            <a:r>
+              <a:t># WRONG: Forgetting to return</a:t>
+            </a:r>
+            <a:br/>
+            <a:r>
+              <a:t>def get_movie(id):</a:t>
+            </a:r>
+            <a:br/>
+            <a:r>
+              <a:t>    for movie in movies:</a:t>
+            </a:r>
+            <a:br/>
+            <a:r>
+              <a:t>        if movie["id"] == id:</a:t>
+            </a:r>
+            <a:br/>
+            <a:r>
+              <a:t>            movie  # Oops! Nothing returned</a:t>
+            </a:r>
+            <a:br/>
+            <a:br/>
+            <a:r>
+              <a:t># RIGHT: Use return keyword</a:t>
+            </a:r>
+            <a:br/>
+            <a:r>
+              <a:t>def get_movie(id):</a:t>
+            </a:r>
+            <a:br/>
+            <a:r>
+              <a:t>    for movie in movies:</a:t>
+            </a:r>
+            <a:br/>
+            <a:r>
+              <a:t>        if movie["id"] == id:</a:t>
+            </a:r>
+            <a:br/>
+            <a:r>
+              <a:t>            return movie  # This sends it back!</a:t>
+            </a:r>
+          </a:p>
+        </p:txBody>
+      </p:sp>
+      <p:sp>
+        <p:nvSpPr>
+          <p:cNvPr id="5" name="TextBox 4"/>
+          <p:cNvSpPr txBox="1"/>
+          <p:nvPr/>
+        </p:nvSpPr>
+        <p:spPr>
+          <a:xfrm>
+            <a:off x="11247120" y="6217920"/>
+            <a:ext cx="731520" cy="457200"/>
+          </a:xfrm>
+          <a:prstGeom prst="rect">
+            <a:avLst/>
+          </a:prstGeom>
+          <a:noFill/>
+        </p:spPr>
+        <p:txBody>
+          <a:bodyPr wrap="none">
+            <a:spAutoFit/>
+          </a:bodyPr>
+          <a:lstStyle/>
+          <a:p>
+            <a:pPr>
+              <a:defRPr sz="2800" b="1">
+                <a:solidFill>
+                  <a:srgbClr val="A100FF"/>
+                </a:solidFill>
+              </a:defRPr>
+            </a:pPr>
+            <a:r>
+              <a:t>&gt;</a:t>
+            </a:r>
+          </a:p>
+        </p:txBody>
+      </p:sp>
+    </p:spTree>
+  </p:cSld>
+  <p:clrMapOvr>
+    <a:masterClrMapping/>
+  </p:clrMapOvr>
+</p:sld>
+</file>
+
+<file path=ppt/slides/slide31.xml><?xml version="1.0" encoding="utf-8"?>
+<p:sld xmlns:a="http://schemas.openxmlformats.org/drawingml/2006/main" xmlns:p="http://schemas.openxmlformats.org/presentationml/2006/main" xmlns:r="http://schemas.openxmlformats.org/officeDocument/2006/relationships">
+  <p:cSld>
+    <p:spTree>
+      <p:nvGrpSpPr>
+        <p:cNvPr id="1" name=""/>
+        <p:cNvGrpSpPr/>
+        <p:nvPr/>
+      </p:nvGrpSpPr>
+      <p:grpSpPr/>
+      <p:sp>
+        <p:nvSpPr>
+          <p:cNvPr id="2" name="Rectangle 1"/>
+          <p:cNvSpPr/>
+          <p:nvPr/>
+        </p:nvSpPr>
+        <p:spPr>
+          <a:xfrm>
+            <a:off x="0" y="0"/>
+            <a:ext cx="12191695" cy="1097280"/>
+          </a:xfrm>
+          <a:prstGeom prst="rect">
+            <a:avLst/>
+          </a:prstGeom>
+          <a:solidFill>
+            <a:srgbClr val="A100FF"/>
+          </a:solidFill>
+          <a:ln>
+            <a:noFill/>
+          </a:ln>
+        </p:spPr>
+        <p:style>
+          <a:lnRef idx="1">
+            <a:schemeClr val="accent1"/>
+          </a:lnRef>
+          <a:fillRef idx="3">
+            <a:schemeClr val="accent1"/>
+          </a:fillRef>
+          <a:effectRef idx="2">
+            <a:schemeClr val="accent1"/>
+          </a:effectRef>
+          <a:fontRef idx="minor">
+            <a:schemeClr val="lt1"/>
+          </a:fontRef>
+        </p:style>
+        <p:txBody>
+          <a:bodyPr rtlCol="0" anchor="ctr"/>
+          <a:lstStyle/>
+          <a:p>
+            <a:pPr algn="ctr"/>
+          </a:p>
+        </p:txBody>
+      </p:sp>
+      <p:sp>
+        <p:nvSpPr>
+          <p:cNvPr id="3" name="TextBox 2"/>
+          <p:cNvSpPr txBox="1"/>
+          <p:nvPr/>
+        </p:nvSpPr>
+        <p:spPr>
+          <a:xfrm>
+            <a:off x="457200" y="274320"/>
+            <a:ext cx="11277295" cy="731520"/>
+          </a:xfrm>
+          <a:prstGeom prst="rect">
+            <a:avLst/>
+          </a:prstGeom>
+          <a:noFill/>
+        </p:spPr>
+        <p:txBody>
+          <a:bodyPr wrap="none">
+            <a:spAutoFit/>
+          </a:bodyPr>
+          <a:lstStyle/>
+          <a:p>
+            <a:pPr>
+              <a:defRPr sz="3200" b="1">
+                <a:solidFill>
+                  <a:srgbClr val="FFFFFF"/>
+                </a:solidFill>
+              </a:defRPr>
+            </a:pPr>
+            <a:r>
+              <a:t>Let's Go!</a:t>
+            </a:r>
+          </a:p>
+        </p:txBody>
+      </p:sp>
+      <p:sp>
+        <p:nvSpPr>
+          <p:cNvPr id="4" name="TextBox 3"/>
+          <p:cNvSpPr txBox="1"/>
+          <p:nvPr/>
+        </p:nvSpPr>
+        <p:spPr>
+          <a:xfrm>
+            <a:off x="457200" y="1371600"/>
+            <a:ext cx="11277295" cy="5029200"/>
+          </a:xfrm>
+          <a:prstGeom prst="rect">
+            <a:avLst/>
+          </a:prstGeom>
+          <a:noFill/>
+        </p:spPr>
+        <p:txBody>
+          <a:bodyPr wrap="square">
+            <a:spAutoFit/>
+          </a:bodyPr>
+          <a:lstStyle/>
+          <a:p>
+            <a:pPr>
+              <a:defRPr sz="1800">
+                <a:solidFill>
+                  <a:srgbClr val="212121"/>
+                </a:solidFill>
+                <a:latin typeface="Consolas"/>
+              </a:defRPr>
+            </a:pPr>
+            <a:r>
+              <a:t>1. Install Python (if not already installed)</a:t>
+            </a:r>
+            <a:br/>
+            <a:br/>
+            <a:r>
+              <a:t>2. Install VS Code (if not already installed)</a:t>
+            </a:r>
+            <a:br/>
+            <a:br/>
+            <a:r>
+              <a:t>3. Open the project folder in VS Code</a:t>
+            </a:r>
+            <a:br/>
+            <a:br/>
+            <a:r>
+              <a:t>4. Create and activate virtual environment</a:t>
+            </a:r>
+            <a:br/>
+            <a:br/>
+            <a:r>
+              <a:t>5. Install dependencies: pip install -r requirements.txt</a:t>
+            </a:r>
+            <a:br/>
+            <a:br/>
+            <a:r>
+              <a:t>6. Run: uvicorn main:app --reload</a:t>
+            </a:r>
+            <a:br/>
+            <a:br/>
+            <a:r>
+              <a:t>7. Open database.py and start Challenge 2!</a:t>
+            </a:r>
+            <a:br/>
+            <a:br/>
+            <a:br/>
+            <a:r>
+              <a:t>Questions? Ask your mentor!</a:t>
+            </a:r>
+          </a:p>
+        </p:txBody>
+      </p:sp>
+      <p:sp>
+        <p:nvSpPr>
+          <p:cNvPr id="5" name="TextBox 4"/>
+          <p:cNvSpPr txBox="1"/>
+          <p:nvPr/>
+        </p:nvSpPr>
+        <p:spPr>
+          <a:xfrm>
+            <a:off x="11247120" y="6217920"/>
+            <a:ext cx="731520" cy="457200"/>
+          </a:xfrm>
+          <a:prstGeom prst="rect">
+            <a:avLst/>
+          </a:prstGeom>
+          <a:noFill/>
+        </p:spPr>
+        <p:txBody>
+          <a:bodyPr wrap="none">
+            <a:spAutoFit/>
+          </a:bodyPr>
+          <a:lstStyle/>
+          <a:p>
+            <a:pPr>
+              <a:defRPr sz="2800" b="1">
+                <a:solidFill>
+                  <a:srgbClr val="A100FF"/>
+                </a:solidFill>
+              </a:defRPr>
+            </a:pPr>
+            <a:r>
+              <a:t>&gt;</a:t>
+            </a:r>
+          </a:p>
+        </p:txBody>
+      </p:sp>
+    </p:spTree>
+  </p:cSld>
+  <p:clrMapOvr>
+    <a:masterClrMapping/>
+  </p:clrMapOvr>
+</p:sld>
+</file>
+
+<file path=ppt/slides/slide32.xml><?xml version="1.0" encoding="utf-8"?>
+<p:sld xmlns:a="http://schemas.openxmlformats.org/drawingml/2006/main" xmlns:p="http://schemas.openxmlformats.org/presentationml/2006/main" xmlns:r="http://schemas.openxmlformats.org/officeDocument/2006/relationships">
+  <p:cSld>
+    <p:spTree>
+      <p:nvGrpSpPr>
+        <p:cNvPr id="1" name=""/>
+        <p:cNvGrpSpPr/>
+        <p:nvPr/>
+      </p:nvGrpSpPr>
+      <p:grpSpPr/>
+      <p:sp>
+        <p:nvSpPr>
+          <p:cNvPr id="2" name="Rectangle 1"/>
+          <p:cNvSpPr/>
+          <p:nvPr/>
+        </p:nvSpPr>
+        <p:spPr>
+          <a:xfrm>
+            <a:off x="0" y="0"/>
+            <a:ext cx="12191695" cy="1097280"/>
+          </a:xfrm>
+          <a:prstGeom prst="rect">
+            <a:avLst/>
+          </a:prstGeom>
+          <a:solidFill>
+            <a:srgbClr val="A100FF"/>
+          </a:solidFill>
+          <a:ln>
+            <a:noFill/>
+          </a:ln>
+        </p:spPr>
+        <p:style>
+          <a:lnRef idx="1">
+            <a:schemeClr val="accent1"/>
+          </a:lnRef>
+          <a:fillRef idx="3">
+            <a:schemeClr val="accent1"/>
+          </a:fillRef>
+          <a:effectRef idx="2">
+            <a:schemeClr val="accent1"/>
+          </a:effectRef>
+          <a:fontRef idx="minor">
+            <a:schemeClr val="lt1"/>
+          </a:fontRef>
+        </p:style>
+        <p:txBody>
+          <a:bodyPr rtlCol="0" anchor="ctr"/>
+          <a:lstStyle/>
+          <a:p>
+            <a:pPr algn="ctr"/>
+          </a:p>
+        </p:txBody>
+      </p:sp>
+      <p:sp>
+        <p:nvSpPr>
+          <p:cNvPr id="3" name="TextBox 2"/>
+          <p:cNvSpPr txBox="1"/>
+          <p:nvPr/>
+        </p:nvSpPr>
+        <p:spPr>
+          <a:xfrm>
+            <a:off x="457200" y="274320"/>
+            <a:ext cx="11277295" cy="731520"/>
+          </a:xfrm>
+          <a:prstGeom prst="rect">
+            <a:avLst/>
+          </a:prstGeom>
+          <a:noFill/>
+        </p:spPr>
+        <p:txBody>
+          <a:bodyPr wrap="none">
+            <a:spAutoFit/>
+          </a:bodyPr>
+          <a:lstStyle/>
+          <a:p>
+            <a:pPr>
+              <a:defRPr sz="3200" b="1">
+                <a:solidFill>
+                  <a:srgbClr val="FFFFFF"/>
+                </a:solidFill>
+              </a:defRPr>
+            </a:pPr>
+            <a:r>
+              <a:t>Wrap Up</a:t>
+            </a:r>
+          </a:p>
+        </p:txBody>
+      </p:sp>
+      <p:sp>
+        <p:nvSpPr>
+          <p:cNvPr id="4" name="TextBox 3"/>
+          <p:cNvSpPr txBox="1"/>
+          <p:nvPr/>
+        </p:nvSpPr>
+        <p:spPr>
+          <a:xfrm>
+            <a:off x="457200" y="1371600"/>
+            <a:ext cx="11277295" cy="5029200"/>
+          </a:xfrm>
+          <a:prstGeom prst="rect">
+            <a:avLst/>
+          </a:prstGeom>
+          <a:noFill/>
+        </p:spPr>
+        <p:txBody>
+          <a:bodyPr wrap="square">
+            <a:spAutoFit/>
+          </a:bodyPr>
+          <a:lstStyle/>
+          <a:p>
+            <a:pPr>
+              <a:defRPr sz="1800">
+                <a:solidFill>
+                  <a:srgbClr val="212121"/>
+                </a:solidFill>
+                <a:latin typeface="Consolas"/>
+              </a:defRPr>
+            </a:pPr>
+            <a:r>
+              <a:t>You built a web app with Python!</a:t>
+            </a:r>
+            <a:br/>
+            <a:br/>
+            <a:r>
+              <a:t>Skills you used today:</a:t>
+            </a:r>
+            <a:br/>
+            <a:r>
+              <a:t>• Python programming (loops, dictionaries, functions)</a:t>
+            </a:r>
+            <a:br/>
+            <a:r>
+              <a:t>• Web development with FastAPI</a:t>
+            </a:r>
+            <a:br/>
+            <a:r>
+              <a:t>• Working with JSON data</a:t>
+            </a:r>
+            <a:br/>
+            <a:r>
+              <a:t>• Setting up a development environment</a:t>
+            </a:r>
+            <a:br/>
+            <a:r>
+              <a:t>• Problem solving &amp; debugging</a:t>
+            </a:r>
+            <a:br/>
+            <a:br/>
+            <a:r>
+              <a:t>This is what real developers do every day.</a:t>
+            </a:r>
+          </a:p>
+        </p:txBody>
+      </p:sp>
+      <p:sp>
+        <p:nvSpPr>
+          <p:cNvPr id="5" name="TextBox 4"/>
+          <p:cNvSpPr txBox="1"/>
+          <p:nvPr/>
+        </p:nvSpPr>
+        <p:spPr>
+          <a:xfrm>
+            <a:off x="11247120" y="6217920"/>
+            <a:ext cx="731520" cy="457200"/>
+          </a:xfrm>
+          <a:prstGeom prst="rect">
+            <a:avLst/>
+          </a:prstGeom>
+          <a:noFill/>
+        </p:spPr>
+        <p:txBody>
+          <a:bodyPr wrap="none">
+            <a:spAutoFit/>
+          </a:bodyPr>
+          <a:lstStyle/>
+          <a:p>
+            <a:pPr>
+              <a:defRPr sz="2800" b="1">
+                <a:solidFill>
+                  <a:srgbClr val="A100FF"/>
+                </a:solidFill>
+              </a:defRPr>
+            </a:pPr>
+            <a:r>
+              <a:t>&gt;</a:t>
+            </a:r>
+          </a:p>
+        </p:txBody>
+      </p:sp>
+    </p:spTree>
+  </p:cSld>
+  <p:clrMapOvr>
+    <a:masterClrMapping/>
+  </p:clrMapOvr>
+</p:sld>
+</file>
+
+<file path=ppt/slides/slide33.xml><?xml version="1.0" encoding="utf-8"?>
+<p:sld xmlns:a="http://schemas.openxmlformats.org/drawingml/2006/main" xmlns:p="http://schemas.openxmlformats.org/presentationml/2006/main" xmlns:r="http://schemas.openxmlformats.org/officeDocument/2006/relationships">
+  <p:cSld>
+    <p:spTree>
+      <p:nvGrpSpPr>
+        <p:cNvPr id="1" name=""/>
+        <p:cNvGrpSpPr/>
+        <p:nvPr/>
+      </p:nvGrpSpPr>
+      <p:grpSpPr/>
+      <p:sp>
+        <p:nvSpPr>
+          <p:cNvPr id="2" name="Rectangle 1"/>
+          <p:cNvSpPr/>
+          <p:nvPr/>
+        </p:nvSpPr>
+        <p:spPr>
+          <a:xfrm>
+            <a:off x="0" y="0"/>
+            <a:ext cx="12191695" cy="1097280"/>
+          </a:xfrm>
+          <a:prstGeom prst="rect">
+            <a:avLst/>
+          </a:prstGeom>
+          <a:solidFill>
+            <a:srgbClr val="A100FF"/>
+          </a:solidFill>
+          <a:ln>
+            <a:noFill/>
+          </a:ln>
+        </p:spPr>
+        <p:style>
+          <a:lnRef idx="1">
+            <a:schemeClr val="accent1"/>
+          </a:lnRef>
+          <a:fillRef idx="3">
+            <a:schemeClr val="accent1"/>
+          </a:fillRef>
+          <a:effectRef idx="2">
+            <a:schemeClr val="accent1"/>
+          </a:effectRef>
+          <a:fontRef idx="minor">
+            <a:schemeClr val="lt1"/>
+          </a:fontRef>
+        </p:style>
+        <p:txBody>
+          <a:bodyPr rtlCol="0" anchor="ctr"/>
+          <a:lstStyle/>
+          <a:p>
+            <a:pPr algn="ctr"/>
+          </a:p>
+        </p:txBody>
+      </p:sp>
+      <p:sp>
+        <p:nvSpPr>
+          <p:cNvPr id="3" name="TextBox 2"/>
+          <p:cNvSpPr txBox="1"/>
+          <p:nvPr/>
+        </p:nvSpPr>
+        <p:spPr>
+          <a:xfrm>
+            <a:off x="457200" y="274320"/>
+            <a:ext cx="11277295" cy="731520"/>
+          </a:xfrm>
+          <a:prstGeom prst="rect">
+            <a:avLst/>
+          </a:prstGeom>
+          <a:noFill/>
+        </p:spPr>
+        <p:txBody>
+          <a:bodyPr wrap="none">
+            <a:spAutoFit/>
+          </a:bodyPr>
+          <a:lstStyle/>
+          <a:p>
+            <a:pPr>
+              <a:defRPr sz="3200" b="1">
+                <a:solidFill>
+                  <a:srgbClr val="FFFFFF"/>
+                </a:solidFill>
+              </a:defRPr>
+            </a:pPr>
+            <a:r>
+              <a:t>What's Next?</a:t>
+            </a:r>
+          </a:p>
+        </p:txBody>
+      </p:sp>
+      <p:sp>
+        <p:nvSpPr>
+          <p:cNvPr id="4" name="TextBox 3"/>
+          <p:cNvSpPr txBox="1"/>
+          <p:nvPr/>
+        </p:nvSpPr>
+        <p:spPr>
+          <a:xfrm>
+            <a:off x="457200" y="1371600"/>
+            <a:ext cx="11277295" cy="5029200"/>
+          </a:xfrm>
+          <a:prstGeom prst="rect">
+            <a:avLst/>
+          </a:prstGeom>
+          <a:noFill/>
+        </p:spPr>
+        <p:txBody>
+          <a:bodyPr wrap="square">
+            <a:spAutoFit/>
+          </a:bodyPr>
+          <a:lstStyle/>
+          <a:p>
+            <a:pPr>
+              <a:defRPr sz="1800">
+                <a:solidFill>
+                  <a:srgbClr val="212121"/>
+                </a:solidFill>
+                <a:latin typeface="Consolas"/>
+              </a:defRPr>
+            </a:pPr>
+            <a:r>
+              <a:t>Want to keep learning?</a:t>
+            </a:r>
+            <a:br/>
+            <a:br/>
+            <a:r>
+              <a:t>• freeCodeCamp.org - Free coding courses</a:t>
+            </a:r>
+            <a:br/>
+            <a:r>
+              <a:t>• Codecademy - Interactive Python</a:t>
+            </a:r>
+            <a:br/>
+            <a:r>
+              <a:t>• Real Python - Python tutorials</a:t>
+            </a:r>
+            <a:br/>
+            <a:r>
+              <a:t>• W3Schools - Web development basics</a:t>
+            </a:r>
+            <a:br/>
+            <a:br/>
+            <a:br/>
+            <a:r>
+              <a:t>Keep your project - add it to your portfolio!</a:t>
             </a:r>
           </a:p>
         </p:txBody>
